--- a/Presentation/CSGHackathon.pptx
+++ b/Presentation/CSGHackathon.pptx
@@ -4,11 +4,17 @@
   <p:sldMasterIdLst>
     <p:sldMasterId id="2147483648" r:id="rId1"/>
   </p:sldMasterIdLst>
+  <p:notesMasterIdLst>
+    <p:notesMasterId r:id="rId9"/>
+  </p:notesMasterIdLst>
   <p:sldIdLst>
     <p:sldId id="256" r:id="rId2"/>
     <p:sldId id="257" r:id="rId3"/>
-    <p:sldId id="258" r:id="rId4"/>
-    <p:sldId id="259" r:id="rId5"/>
+    <p:sldId id="259" r:id="rId4"/>
+    <p:sldId id="258" r:id="rId5"/>
+    <p:sldId id="260" r:id="rId6"/>
+    <p:sldId id="261" r:id="rId7"/>
+    <p:sldId id="262" r:id="rId8"/>
   </p:sldIdLst>
   <p:sldSz cx="12192000" cy="6858000"/>
   <p:notesSz cx="6858000" cy="9144000"/>
@@ -107,11 +113,16 @@
       </a:defRPr>
     </a:lvl9pPr>
   </p:defaultTextStyle>
+  <p:extLst>
+    <p:ext uri="{EFAFB233-063F-42B5-8137-9DF3F51BA10A}">
+      <p15:sldGuideLst xmlns:p15="http://schemas.microsoft.com/office/powerpoint/2012/main"/>
+    </p:ext>
+  </p:extLst>
 </p:presentation>
 </file>
 
 <file path=ppt/charts/chart1.xml><?xml version="1.0" encoding="utf-8"?>
-<c:chartSpace xmlns:c="http://schemas.openxmlformats.org/drawingml/2006/chart" xmlns:a="http://schemas.openxmlformats.org/drawingml/2006/main" xmlns:r="http://schemas.openxmlformats.org/officeDocument/2006/relationships" xmlns:c16r2="http://schemas.microsoft.com/office/drawing/2015/06/chart">
+<c:chartSpace xmlns:c="http://schemas.openxmlformats.org/drawingml/2006/chart" xmlns:a="http://schemas.openxmlformats.org/drawingml/2006/main" xmlns:r="http://schemas.openxmlformats.org/officeDocument/2006/relationships">
   <c:date1904 val="0"/>
   <c:lang val="en-US"/>
   <c:roundedCorners val="0"/>
@@ -125,6 +136,7 @@
   </mc:AlternateContent>
   <c:chart>
     <c:title>
+      <c:layout/>
       <c:overlay val="0"/>
       <c:spPr>
         <a:noFill/>
@@ -156,7 +168,17 @@
     </c:title>
     <c:autoTitleDeleted val="0"/>
     <c:plotArea>
-      <c:layout/>
+      <c:layout>
+        <c:manualLayout>
+          <c:layoutTarget val="inner"/>
+          <c:xMode val="edge"/>
+          <c:yMode val="edge"/>
+          <c:x val="0.0401610939936856"/>
+          <c:y val="0.142225448815973"/>
+          <c:w val="0.944138422914527"/>
+          <c:h val="0.689454599941443"/>
+        </c:manualLayout>
+      </c:layout>
       <c:barChart>
         <c:barDir val="col"/>
         <c:grouping val="clustered"/>
@@ -170,7 +192,7 @@
               <c:strCache>
                 <c:ptCount val="1"/>
                 <c:pt idx="0">
-                  <c:v>Series 1</c:v>
+                  <c:v>Matt</c:v>
                 </c:pt>
               </c:strCache>
             </c:strRef>
@@ -209,18 +231,18 @@
                 <c:formatCode>General</c:formatCode>
                 <c:ptCount val="3"/>
                 <c:pt idx="0">
-                  <c:v>3</c:v>
+                  <c:v>3.0</c:v>
                 </c:pt>
                 <c:pt idx="1">
-                  <c:v>2</c:v>
+                  <c:v>2.0</c:v>
                 </c:pt>
                 <c:pt idx="2">
-                  <c:v>0</c:v>
+                  <c:v>0.0</c:v>
                 </c:pt>
               </c:numCache>
             </c:numRef>
           </c:val>
-          <c:extLst>
+          <c:extLst xmlns:c16r2="http://schemas.microsoft.com/office/drawing/2015/06/chart">
             <c:ext xmlns:c16="http://schemas.microsoft.com/office/drawing/2014/chart" uri="{C3380CC4-5D6E-409C-BE32-E72D297353CC}">
               <c16:uniqueId val="{00000000-6DBA-4943-8F95-FEBF319548DF}"/>
             </c:ext>
@@ -236,11 +258,11 @@
         </c:dLbls>
         <c:gapWidth val="219"/>
         <c:overlap val="-27"/>
-        <c:axId val="399860232"/>
-        <c:axId val="399860560"/>
+        <c:axId val="-1057688848"/>
+        <c:axId val="-935030928"/>
       </c:barChart>
       <c:catAx>
-        <c:axId val="399860232"/>
+        <c:axId val="-1057688848"/>
         <c:scaling>
           <c:orientation val="minMax"/>
         </c:scaling>
@@ -283,7 +305,7 @@
             <a:endParaRPr lang="en-US"/>
           </a:p>
         </c:txPr>
-        <c:crossAx val="399860560"/>
+        <c:crossAx val="-935030928"/>
         <c:crosses val="autoZero"/>
         <c:auto val="1"/>
         <c:lblAlgn val="ctr"/>
@@ -291,7 +313,7 @@
         <c:noMultiLvlLbl val="0"/>
       </c:catAx>
       <c:valAx>
-        <c:axId val="399860560"/>
+        <c:axId val="-935030928"/>
         <c:scaling>
           <c:orientation val="minMax"/>
         </c:scaling>
@@ -342,7 +364,7 @@
             <a:endParaRPr lang="en-US"/>
           </a:p>
         </c:txPr>
-        <c:crossAx val="399860232"/>
+        <c:crossAx val="-1057688848"/>
         <c:crosses val="autoZero"/>
         <c:crossBetween val="between"/>
       </c:valAx>
@@ -356,6 +378,7 @@
     </c:plotArea>
     <c:legend>
       <c:legendPos val="b"/>
+      <c:layout/>
       <c:overlay val="0"/>
       <c:spPr>
         <a:noFill/>
@@ -955,6 +978,756 @@
 </cs:chartStyle>
 </file>
 
+<file path=ppt/notesMasters/notesMaster1.xml><?xml version="1.0" encoding="utf-8"?>
+<p:notesMaster xmlns:a="http://schemas.openxmlformats.org/drawingml/2006/main" xmlns:r="http://schemas.openxmlformats.org/officeDocument/2006/relationships" xmlns:p="http://schemas.openxmlformats.org/presentationml/2006/main">
+  <p:cSld>
+    <p:bg>
+      <p:bgRef idx="1001">
+        <a:schemeClr val="bg1"/>
+      </p:bgRef>
+    </p:bg>
+    <p:spTree>
+      <p:nvGrpSpPr>
+        <p:cNvPr id="1" name=""/>
+        <p:cNvGrpSpPr/>
+        <p:nvPr/>
+      </p:nvGrpSpPr>
+      <p:grpSpPr>
+        <a:xfrm>
+          <a:off x="0" y="0"/>
+          <a:ext cx="0" cy="0"/>
+          <a:chOff x="0" y="0"/>
+          <a:chExt cx="0" cy="0"/>
+        </a:xfrm>
+      </p:grpSpPr>
+      <p:sp>
+        <p:nvSpPr>
+          <p:cNvPr id="2" name="Header Placeholder 1"/>
+          <p:cNvSpPr>
+            <a:spLocks noGrp="1"/>
+          </p:cNvSpPr>
+          <p:nvPr>
+            <p:ph type="hdr" sz="quarter"/>
+          </p:nvPr>
+        </p:nvSpPr>
+        <p:spPr>
+          <a:xfrm>
+            <a:off x="0" y="0"/>
+            <a:ext cx="2971800" cy="458788"/>
+          </a:xfrm>
+          <a:prstGeom prst="rect">
+            <a:avLst/>
+          </a:prstGeom>
+        </p:spPr>
+        <p:txBody>
+          <a:bodyPr vert="horz" lIns="91440" tIns="45720" rIns="91440" bIns="45720" rtlCol="0"/>
+          <a:lstStyle>
+            <a:lvl1pPr algn="l">
+              <a:defRPr sz="1200"/>
+            </a:lvl1pPr>
+          </a:lstStyle>
+          <a:p>
+            <a:endParaRPr lang="en-US"/>
+          </a:p>
+        </p:txBody>
+      </p:sp>
+      <p:sp>
+        <p:nvSpPr>
+          <p:cNvPr id="3" name="Date Placeholder 2"/>
+          <p:cNvSpPr>
+            <a:spLocks noGrp="1"/>
+          </p:cNvSpPr>
+          <p:nvPr>
+            <p:ph type="dt" idx="1"/>
+          </p:nvPr>
+        </p:nvSpPr>
+        <p:spPr>
+          <a:xfrm>
+            <a:off x="3884613" y="0"/>
+            <a:ext cx="2971800" cy="458788"/>
+          </a:xfrm>
+          <a:prstGeom prst="rect">
+            <a:avLst/>
+          </a:prstGeom>
+        </p:spPr>
+        <p:txBody>
+          <a:bodyPr vert="horz" lIns="91440" tIns="45720" rIns="91440" bIns="45720" rtlCol="0"/>
+          <a:lstStyle>
+            <a:lvl1pPr algn="r">
+              <a:defRPr sz="1200"/>
+            </a:lvl1pPr>
+          </a:lstStyle>
+          <a:p>
+            <a:fld id="{09044230-448B-424B-9FBC-6986F83F592D}" type="datetimeFigureOut">
+              <a:rPr lang="en-US" smtClean="0"/>
+              <a:t>2/18/17</a:t>
+            </a:fld>
+            <a:endParaRPr lang="en-US"/>
+          </a:p>
+        </p:txBody>
+      </p:sp>
+      <p:sp>
+        <p:nvSpPr>
+          <p:cNvPr id="4" name="Slide Image Placeholder 3"/>
+          <p:cNvSpPr>
+            <a:spLocks noGrp="1" noRot="1" noChangeAspect="1"/>
+          </p:cNvSpPr>
+          <p:nvPr>
+            <p:ph type="sldImg" idx="2"/>
+          </p:nvPr>
+        </p:nvSpPr>
+        <p:spPr>
+          <a:xfrm>
+            <a:off x="685800" y="1143000"/>
+            <a:ext cx="5486400" cy="3086100"/>
+          </a:xfrm>
+          <a:prstGeom prst="rect">
+            <a:avLst/>
+          </a:prstGeom>
+          <a:noFill/>
+          <a:ln w="12700">
+            <a:solidFill>
+              <a:prstClr val="black"/>
+            </a:solidFill>
+          </a:ln>
+        </p:spPr>
+        <p:txBody>
+          <a:bodyPr vert="horz" lIns="91440" tIns="45720" rIns="91440" bIns="45720" rtlCol="0" anchor="ctr"/>
+          <a:lstStyle/>
+          <a:p>
+            <a:endParaRPr lang="en-US"/>
+          </a:p>
+        </p:txBody>
+      </p:sp>
+      <p:sp>
+        <p:nvSpPr>
+          <p:cNvPr id="5" name="Notes Placeholder 4"/>
+          <p:cNvSpPr>
+            <a:spLocks noGrp="1"/>
+          </p:cNvSpPr>
+          <p:nvPr>
+            <p:ph type="body" sz="quarter" idx="3"/>
+          </p:nvPr>
+        </p:nvSpPr>
+        <p:spPr>
+          <a:xfrm>
+            <a:off x="685800" y="4400550"/>
+            <a:ext cx="5486400" cy="3600450"/>
+          </a:xfrm>
+          <a:prstGeom prst="rect">
+            <a:avLst/>
+          </a:prstGeom>
+        </p:spPr>
+        <p:txBody>
+          <a:bodyPr vert="horz" lIns="91440" tIns="45720" rIns="91440" bIns="45720" rtlCol="0"/>
+          <a:lstStyle/>
+          <a:p>
+            <a:pPr lvl="0"/>
+            <a:r>
+              <a:rPr lang="en-US" smtClean="0"/>
+              <a:t>Click to edit Master text styles</a:t>
+            </a:r>
+          </a:p>
+          <a:p>
+            <a:pPr lvl="1"/>
+            <a:r>
+              <a:rPr lang="en-US" smtClean="0"/>
+              <a:t>Second level</a:t>
+            </a:r>
+          </a:p>
+          <a:p>
+            <a:pPr lvl="2"/>
+            <a:r>
+              <a:rPr lang="en-US" smtClean="0"/>
+              <a:t>Third level</a:t>
+            </a:r>
+          </a:p>
+          <a:p>
+            <a:pPr lvl="3"/>
+            <a:r>
+              <a:rPr lang="en-US" smtClean="0"/>
+              <a:t>Fourth level</a:t>
+            </a:r>
+          </a:p>
+          <a:p>
+            <a:pPr lvl="4"/>
+            <a:r>
+              <a:rPr lang="en-US" smtClean="0"/>
+              <a:t>Fifth level</a:t>
+            </a:r>
+            <a:endParaRPr lang="en-US"/>
+          </a:p>
+        </p:txBody>
+      </p:sp>
+      <p:sp>
+        <p:nvSpPr>
+          <p:cNvPr id="6" name="Footer Placeholder 5"/>
+          <p:cNvSpPr>
+            <a:spLocks noGrp="1"/>
+          </p:cNvSpPr>
+          <p:nvPr>
+            <p:ph type="ftr" sz="quarter" idx="4"/>
+          </p:nvPr>
+        </p:nvSpPr>
+        <p:spPr>
+          <a:xfrm>
+            <a:off x="0" y="8685213"/>
+            <a:ext cx="2971800" cy="458787"/>
+          </a:xfrm>
+          <a:prstGeom prst="rect">
+            <a:avLst/>
+          </a:prstGeom>
+        </p:spPr>
+        <p:txBody>
+          <a:bodyPr vert="horz" lIns="91440" tIns="45720" rIns="91440" bIns="45720" rtlCol="0" anchor="b"/>
+          <a:lstStyle>
+            <a:lvl1pPr algn="l">
+              <a:defRPr sz="1200"/>
+            </a:lvl1pPr>
+          </a:lstStyle>
+          <a:p>
+            <a:endParaRPr lang="en-US"/>
+          </a:p>
+        </p:txBody>
+      </p:sp>
+      <p:sp>
+        <p:nvSpPr>
+          <p:cNvPr id="7" name="Slide Number Placeholder 6"/>
+          <p:cNvSpPr>
+            <a:spLocks noGrp="1"/>
+          </p:cNvSpPr>
+          <p:nvPr>
+            <p:ph type="sldNum" sz="quarter" idx="5"/>
+          </p:nvPr>
+        </p:nvSpPr>
+        <p:spPr>
+          <a:xfrm>
+            <a:off x="3884613" y="8685213"/>
+            <a:ext cx="2971800" cy="458787"/>
+          </a:xfrm>
+          <a:prstGeom prst="rect">
+            <a:avLst/>
+          </a:prstGeom>
+        </p:spPr>
+        <p:txBody>
+          <a:bodyPr vert="horz" lIns="91440" tIns="45720" rIns="91440" bIns="45720" rtlCol="0" anchor="b"/>
+          <a:lstStyle>
+            <a:lvl1pPr algn="r">
+              <a:defRPr sz="1200"/>
+            </a:lvl1pPr>
+          </a:lstStyle>
+          <a:p>
+            <a:fld id="{1CD89728-F500-124C-89B1-3497A931BF0D}" type="slidenum">
+              <a:rPr lang="en-US" smtClean="0"/>
+              <a:t>‹#›</a:t>
+            </a:fld>
+            <a:endParaRPr lang="en-US"/>
+          </a:p>
+        </p:txBody>
+      </p:sp>
+    </p:spTree>
+    <p:extLst>
+      <p:ext uri="{BB962C8B-B14F-4D97-AF65-F5344CB8AC3E}">
+        <p14:creationId xmlns:p14="http://schemas.microsoft.com/office/powerpoint/2010/main" val="1409331461"/>
+      </p:ext>
+    </p:extLst>
+  </p:cSld>
+  <p:clrMap bg1="lt1" tx1="dk1" bg2="lt2" tx2="dk2" accent1="accent1" accent2="accent2" accent3="accent3" accent4="accent4" accent5="accent5" accent6="accent6" hlink="hlink" folHlink="folHlink"/>
+  <p:notesStyle>
+    <a:lvl1pPr marL="0" algn="l" defTabSz="914400" rtl="0" eaLnBrk="1" latinLnBrk="0" hangingPunct="1">
+      <a:defRPr sz="1200" kern="1200">
+        <a:solidFill>
+          <a:schemeClr val="tx1"/>
+        </a:solidFill>
+        <a:latin typeface="+mn-lt"/>
+        <a:ea typeface="+mn-ea"/>
+        <a:cs typeface="+mn-cs"/>
+      </a:defRPr>
+    </a:lvl1pPr>
+    <a:lvl2pPr marL="457200" algn="l" defTabSz="914400" rtl="0" eaLnBrk="1" latinLnBrk="0" hangingPunct="1">
+      <a:defRPr sz="1200" kern="1200">
+        <a:solidFill>
+          <a:schemeClr val="tx1"/>
+        </a:solidFill>
+        <a:latin typeface="+mn-lt"/>
+        <a:ea typeface="+mn-ea"/>
+        <a:cs typeface="+mn-cs"/>
+      </a:defRPr>
+    </a:lvl2pPr>
+    <a:lvl3pPr marL="914400" algn="l" defTabSz="914400" rtl="0" eaLnBrk="1" latinLnBrk="0" hangingPunct="1">
+      <a:defRPr sz="1200" kern="1200">
+        <a:solidFill>
+          <a:schemeClr val="tx1"/>
+        </a:solidFill>
+        <a:latin typeface="+mn-lt"/>
+        <a:ea typeface="+mn-ea"/>
+        <a:cs typeface="+mn-cs"/>
+      </a:defRPr>
+    </a:lvl3pPr>
+    <a:lvl4pPr marL="1371600" algn="l" defTabSz="914400" rtl="0" eaLnBrk="1" latinLnBrk="0" hangingPunct="1">
+      <a:defRPr sz="1200" kern="1200">
+        <a:solidFill>
+          <a:schemeClr val="tx1"/>
+        </a:solidFill>
+        <a:latin typeface="+mn-lt"/>
+        <a:ea typeface="+mn-ea"/>
+        <a:cs typeface="+mn-cs"/>
+      </a:defRPr>
+    </a:lvl4pPr>
+    <a:lvl5pPr marL="1828800" algn="l" defTabSz="914400" rtl="0" eaLnBrk="1" latinLnBrk="0" hangingPunct="1">
+      <a:defRPr sz="1200" kern="1200">
+        <a:solidFill>
+          <a:schemeClr val="tx1"/>
+        </a:solidFill>
+        <a:latin typeface="+mn-lt"/>
+        <a:ea typeface="+mn-ea"/>
+        <a:cs typeface="+mn-cs"/>
+      </a:defRPr>
+    </a:lvl5pPr>
+    <a:lvl6pPr marL="2286000" algn="l" defTabSz="914400" rtl="0" eaLnBrk="1" latinLnBrk="0" hangingPunct="1">
+      <a:defRPr sz="1200" kern="1200">
+        <a:solidFill>
+          <a:schemeClr val="tx1"/>
+        </a:solidFill>
+        <a:latin typeface="+mn-lt"/>
+        <a:ea typeface="+mn-ea"/>
+        <a:cs typeface="+mn-cs"/>
+      </a:defRPr>
+    </a:lvl6pPr>
+    <a:lvl7pPr marL="2743200" algn="l" defTabSz="914400" rtl="0" eaLnBrk="1" latinLnBrk="0" hangingPunct="1">
+      <a:defRPr sz="1200" kern="1200">
+        <a:solidFill>
+          <a:schemeClr val="tx1"/>
+        </a:solidFill>
+        <a:latin typeface="+mn-lt"/>
+        <a:ea typeface="+mn-ea"/>
+        <a:cs typeface="+mn-cs"/>
+      </a:defRPr>
+    </a:lvl7pPr>
+    <a:lvl8pPr marL="3200400" algn="l" defTabSz="914400" rtl="0" eaLnBrk="1" latinLnBrk="0" hangingPunct="1">
+      <a:defRPr sz="1200" kern="1200">
+        <a:solidFill>
+          <a:schemeClr val="tx1"/>
+        </a:solidFill>
+        <a:latin typeface="+mn-lt"/>
+        <a:ea typeface="+mn-ea"/>
+        <a:cs typeface="+mn-cs"/>
+      </a:defRPr>
+    </a:lvl8pPr>
+    <a:lvl9pPr marL="3657600" algn="l" defTabSz="914400" rtl="0" eaLnBrk="1" latinLnBrk="0" hangingPunct="1">
+      <a:defRPr sz="1200" kern="1200">
+        <a:solidFill>
+          <a:schemeClr val="tx1"/>
+        </a:solidFill>
+        <a:latin typeface="+mn-lt"/>
+        <a:ea typeface="+mn-ea"/>
+        <a:cs typeface="+mn-cs"/>
+      </a:defRPr>
+    </a:lvl9pPr>
+  </p:notesStyle>
+</p:notesMaster>
+</file>
+
+<file path=ppt/notesSlides/notesSlide1.xml><?xml version="1.0" encoding="utf-8"?>
+<p:notes xmlns:a="http://schemas.openxmlformats.org/drawingml/2006/main" xmlns:r="http://schemas.openxmlformats.org/officeDocument/2006/relationships" xmlns:p="http://schemas.openxmlformats.org/presentationml/2006/main">
+  <p:cSld>
+    <p:spTree>
+      <p:nvGrpSpPr>
+        <p:cNvPr id="1" name=""/>
+        <p:cNvGrpSpPr/>
+        <p:nvPr/>
+      </p:nvGrpSpPr>
+      <p:grpSpPr>
+        <a:xfrm>
+          <a:off x="0" y="0"/>
+          <a:ext cx="0" cy="0"/>
+          <a:chOff x="0" y="0"/>
+          <a:chExt cx="0" cy="0"/>
+        </a:xfrm>
+      </p:grpSpPr>
+      <p:sp>
+        <p:nvSpPr>
+          <p:cNvPr id="2" name="Slide Image Placeholder 1"/>
+          <p:cNvSpPr>
+            <a:spLocks noGrp="1" noRot="1" noChangeAspect="1"/>
+          </p:cNvSpPr>
+          <p:nvPr>
+            <p:ph type="sldImg"/>
+          </p:nvPr>
+        </p:nvSpPr>
+        <p:spPr/>
+      </p:sp>
+      <p:sp>
+        <p:nvSpPr>
+          <p:cNvPr id="3" name="Notes Placeholder 2"/>
+          <p:cNvSpPr>
+            <a:spLocks noGrp="1"/>
+          </p:cNvSpPr>
+          <p:nvPr>
+            <p:ph type="body" idx="1"/>
+          </p:nvPr>
+        </p:nvSpPr>
+        <p:spPr/>
+        <p:txBody>
+          <a:bodyPr/>
+          <a:lstStyle/>
+          <a:p>
+            <a:r>
+              <a:rPr lang="en-US" dirty="0" smtClean="0"/>
+              <a:t>Our</a:t>
+            </a:r>
+            <a:r>
+              <a:rPr lang="en-US" baseline="0" dirty="0" smtClean="0"/>
+              <a:t> platform will help the industry transform from the past of the customer relationship consisting of the hostile billing relationship and move towards the future of become a more engaging customer engagement relationship. We plan to bring this about in three main ways</a:t>
+            </a:r>
+            <a:endParaRPr lang="en-US" dirty="0"/>
+          </a:p>
+        </p:txBody>
+      </p:sp>
+      <p:sp>
+        <p:nvSpPr>
+          <p:cNvPr id="4" name="Slide Number Placeholder 3"/>
+          <p:cNvSpPr>
+            <a:spLocks noGrp="1"/>
+          </p:cNvSpPr>
+          <p:nvPr>
+            <p:ph type="sldNum" sz="quarter" idx="10"/>
+          </p:nvPr>
+        </p:nvSpPr>
+        <p:spPr/>
+        <p:txBody>
+          <a:bodyPr/>
+          <a:lstStyle/>
+          <a:p>
+            <a:fld id="{1CD89728-F500-124C-89B1-3497A931BF0D}" type="slidenum">
+              <a:rPr lang="en-US" smtClean="0"/>
+              <a:t>3</a:t>
+            </a:fld>
+            <a:endParaRPr lang="en-US"/>
+          </a:p>
+        </p:txBody>
+      </p:sp>
+    </p:spTree>
+    <p:extLst>
+      <p:ext uri="{BB962C8B-B14F-4D97-AF65-F5344CB8AC3E}">
+        <p14:creationId xmlns:p14="http://schemas.microsoft.com/office/powerpoint/2010/main" val="406428601"/>
+      </p:ext>
+    </p:extLst>
+  </p:cSld>
+  <p:clrMapOvr>
+    <a:masterClrMapping/>
+  </p:clrMapOvr>
+</p:notes>
+</file>
+
+<file path=ppt/notesSlides/notesSlide2.xml><?xml version="1.0" encoding="utf-8"?>
+<p:notes xmlns:a="http://schemas.openxmlformats.org/drawingml/2006/main" xmlns:r="http://schemas.openxmlformats.org/officeDocument/2006/relationships" xmlns:p="http://schemas.openxmlformats.org/presentationml/2006/main">
+  <p:cSld>
+    <p:spTree>
+      <p:nvGrpSpPr>
+        <p:cNvPr id="1" name=""/>
+        <p:cNvGrpSpPr/>
+        <p:nvPr/>
+      </p:nvGrpSpPr>
+      <p:grpSpPr>
+        <a:xfrm>
+          <a:off x="0" y="0"/>
+          <a:ext cx="0" cy="0"/>
+          <a:chOff x="0" y="0"/>
+          <a:chExt cx="0" cy="0"/>
+        </a:xfrm>
+      </p:grpSpPr>
+      <p:sp>
+        <p:nvSpPr>
+          <p:cNvPr id="2" name="Slide Image Placeholder 1"/>
+          <p:cNvSpPr>
+            <a:spLocks noGrp="1" noRot="1" noChangeAspect="1"/>
+          </p:cNvSpPr>
+          <p:nvPr>
+            <p:ph type="sldImg"/>
+          </p:nvPr>
+        </p:nvSpPr>
+        <p:spPr/>
+      </p:sp>
+      <p:sp>
+        <p:nvSpPr>
+          <p:cNvPr id="3" name="Notes Placeholder 2"/>
+          <p:cNvSpPr>
+            <a:spLocks noGrp="1"/>
+          </p:cNvSpPr>
+          <p:nvPr>
+            <p:ph type="body" idx="1"/>
+          </p:nvPr>
+        </p:nvSpPr>
+        <p:spPr/>
+        <p:txBody>
+          <a:bodyPr/>
+          <a:lstStyle/>
+          <a:p>
+            <a:r>
+              <a:rPr lang="en-US" dirty="0" smtClean="0"/>
+              <a:t>The</a:t>
+            </a:r>
+            <a:r>
+              <a:rPr lang="en-US" baseline="0" dirty="0" smtClean="0"/>
+              <a:t> first is our </a:t>
+            </a:r>
+            <a:r>
+              <a:rPr lang="en-US" baseline="0" dirty="0" err="1" smtClean="0"/>
+              <a:t>omnichannel</a:t>
+            </a:r>
+            <a:r>
+              <a:rPr lang="en-US" baseline="0" dirty="0" smtClean="0"/>
+              <a:t> approach. We will</a:t>
+            </a:r>
+            <a:r>
+              <a:rPr lang="en-US" dirty="0" smtClean="0"/>
+              <a:t> allow our customers to reach us</a:t>
+            </a:r>
+            <a:r>
+              <a:rPr lang="en-US" baseline="0" dirty="0" smtClean="0"/>
+              <a:t> the way that they want to reach us. We offer them the flexibility and we make what was once a very informal relationship into a much more personal relationship. This includes not only an easy to use platform for customers to find all of the support resources they need quickly and in one efficient place but also an approach that very few companies have rolled out, that of the video conference with the support agent. Ultimately our goal is to foster a relationship between the customer and the support agent so that when the customer has problems in the future they come back to the agent that was so helpful before and whom they know will be as helpful once again increasing the customer’s perception of our company, our NPS, and ultimately our bottom line. We also tie in a plethora of other platforms, from the phone call, to instant messaging, to email.</a:t>
+            </a:r>
+            <a:endParaRPr lang="en-US" dirty="0"/>
+          </a:p>
+        </p:txBody>
+      </p:sp>
+      <p:sp>
+        <p:nvSpPr>
+          <p:cNvPr id="4" name="Slide Number Placeholder 3"/>
+          <p:cNvSpPr>
+            <a:spLocks noGrp="1"/>
+          </p:cNvSpPr>
+          <p:nvPr>
+            <p:ph type="sldNum" sz="quarter" idx="10"/>
+          </p:nvPr>
+        </p:nvSpPr>
+        <p:spPr/>
+        <p:txBody>
+          <a:bodyPr/>
+          <a:lstStyle/>
+          <a:p>
+            <a:fld id="{1CD89728-F500-124C-89B1-3497A931BF0D}" type="slidenum">
+              <a:rPr lang="en-US" smtClean="0"/>
+              <a:t>4</a:t>
+            </a:fld>
+            <a:endParaRPr lang="en-US"/>
+          </a:p>
+        </p:txBody>
+      </p:sp>
+    </p:spTree>
+    <p:extLst>
+      <p:ext uri="{BB962C8B-B14F-4D97-AF65-F5344CB8AC3E}">
+        <p14:creationId xmlns:p14="http://schemas.microsoft.com/office/powerpoint/2010/main" val="161117767"/>
+      </p:ext>
+    </p:extLst>
+  </p:cSld>
+  <p:clrMapOvr>
+    <a:masterClrMapping/>
+  </p:clrMapOvr>
+</p:notes>
+</file>
+
+<file path=ppt/notesSlides/notesSlide3.xml><?xml version="1.0" encoding="utf-8"?>
+<p:notes xmlns:a="http://schemas.openxmlformats.org/drawingml/2006/main" xmlns:r="http://schemas.openxmlformats.org/officeDocument/2006/relationships" xmlns:p="http://schemas.openxmlformats.org/presentationml/2006/main">
+  <p:cSld>
+    <p:spTree>
+      <p:nvGrpSpPr>
+        <p:cNvPr id="1" name=""/>
+        <p:cNvGrpSpPr/>
+        <p:nvPr/>
+      </p:nvGrpSpPr>
+      <p:grpSpPr>
+        <a:xfrm>
+          <a:off x="0" y="0"/>
+          <a:ext cx="0" cy="0"/>
+          <a:chOff x="0" y="0"/>
+          <a:chExt cx="0" cy="0"/>
+        </a:xfrm>
+      </p:grpSpPr>
+      <p:sp>
+        <p:nvSpPr>
+          <p:cNvPr id="2" name="Slide Image Placeholder 1"/>
+          <p:cNvSpPr>
+            <a:spLocks noGrp="1" noRot="1" noChangeAspect="1"/>
+          </p:cNvSpPr>
+          <p:nvPr>
+            <p:ph type="sldImg"/>
+          </p:nvPr>
+        </p:nvSpPr>
+        <p:spPr/>
+      </p:sp>
+      <p:sp>
+        <p:nvSpPr>
+          <p:cNvPr id="3" name="Notes Placeholder 2"/>
+          <p:cNvSpPr>
+            <a:spLocks noGrp="1"/>
+          </p:cNvSpPr>
+          <p:nvPr>
+            <p:ph type="body" idx="1"/>
+          </p:nvPr>
+        </p:nvSpPr>
+        <p:spPr/>
+        <p:txBody>
+          <a:bodyPr/>
+          <a:lstStyle/>
+          <a:p>
+            <a:r>
+              <a:rPr lang="en-US" dirty="0" smtClean="0"/>
+              <a:t>Second</a:t>
+            </a:r>
+            <a:r>
+              <a:rPr lang="en-US" baseline="0" dirty="0" smtClean="0"/>
+              <a:t> w</a:t>
+            </a:r>
+            <a:r>
+              <a:rPr lang="en-US" dirty="0" smtClean="0"/>
+              <a:t>e</a:t>
+            </a:r>
+            <a:r>
+              <a:rPr lang="en-US" baseline="0" dirty="0" smtClean="0"/>
+              <a:t> recognize that the stronger the moral of our support team the better the service that they will provide to our customer. Therefore we will also incorporate a platform to motivate the support team and to enable them to have the best experience they can possibly have while working for our company. We do this through a badge earning system. Many of the badges that they are able to earn revolve around the video experience, the more videos you are able to make the bigger badges you unlock, the more people who view your videos the more recognition you get. Who doesn’t want to be the best at their job? We provide a measurable route to obtain this.</a:t>
+            </a:r>
+            <a:endParaRPr lang="en-US" dirty="0"/>
+          </a:p>
+        </p:txBody>
+      </p:sp>
+      <p:sp>
+        <p:nvSpPr>
+          <p:cNvPr id="4" name="Slide Number Placeholder 3"/>
+          <p:cNvSpPr>
+            <a:spLocks noGrp="1"/>
+          </p:cNvSpPr>
+          <p:nvPr>
+            <p:ph type="sldNum" sz="quarter" idx="10"/>
+          </p:nvPr>
+        </p:nvSpPr>
+        <p:spPr/>
+        <p:txBody>
+          <a:bodyPr/>
+          <a:lstStyle/>
+          <a:p>
+            <a:fld id="{1CD89728-F500-124C-89B1-3497A931BF0D}" type="slidenum">
+              <a:rPr lang="en-US" smtClean="0"/>
+              <a:t>5</a:t>
+            </a:fld>
+            <a:endParaRPr lang="en-US"/>
+          </a:p>
+        </p:txBody>
+      </p:sp>
+    </p:spTree>
+    <p:extLst>
+      <p:ext uri="{BB962C8B-B14F-4D97-AF65-F5344CB8AC3E}">
+        <p14:creationId xmlns:p14="http://schemas.microsoft.com/office/powerpoint/2010/main" val="1806585414"/>
+      </p:ext>
+    </p:extLst>
+  </p:cSld>
+  <p:clrMapOvr>
+    <a:masterClrMapping/>
+  </p:clrMapOvr>
+</p:notes>
+</file>
+
+<file path=ppt/notesSlides/notesSlide4.xml><?xml version="1.0" encoding="utf-8"?>
+<p:notes xmlns:a="http://schemas.openxmlformats.org/drawingml/2006/main" xmlns:r="http://schemas.openxmlformats.org/officeDocument/2006/relationships" xmlns:p="http://schemas.openxmlformats.org/presentationml/2006/main">
+  <p:cSld>
+    <p:spTree>
+      <p:nvGrpSpPr>
+        <p:cNvPr id="1" name=""/>
+        <p:cNvGrpSpPr/>
+        <p:nvPr/>
+      </p:nvGrpSpPr>
+      <p:grpSpPr>
+        <a:xfrm>
+          <a:off x="0" y="0"/>
+          <a:ext cx="0" cy="0"/>
+          <a:chOff x="0" y="0"/>
+          <a:chExt cx="0" cy="0"/>
+        </a:xfrm>
+      </p:grpSpPr>
+      <p:sp>
+        <p:nvSpPr>
+          <p:cNvPr id="2" name="Slide Image Placeholder 1"/>
+          <p:cNvSpPr>
+            <a:spLocks noGrp="1" noRot="1" noChangeAspect="1"/>
+          </p:cNvSpPr>
+          <p:nvPr>
+            <p:ph type="sldImg"/>
+          </p:nvPr>
+        </p:nvSpPr>
+        <p:spPr/>
+      </p:sp>
+      <p:sp>
+        <p:nvSpPr>
+          <p:cNvPr id="3" name="Notes Placeholder 2"/>
+          <p:cNvSpPr>
+            <a:spLocks noGrp="1"/>
+          </p:cNvSpPr>
+          <p:nvPr>
+            <p:ph type="body" idx="1"/>
+          </p:nvPr>
+        </p:nvSpPr>
+        <p:spPr/>
+        <p:txBody>
+          <a:bodyPr/>
+          <a:lstStyle/>
+          <a:p>
+            <a:r>
+              <a:rPr lang="en-US" dirty="0" smtClean="0"/>
+              <a:t>Finally</a:t>
+            </a:r>
+            <a:r>
+              <a:rPr lang="en-US" baseline="0" dirty="0" smtClean="0"/>
+              <a:t> we have been disappointed in the number of tutorials that are out there by way of video. For class we can go online and find a plethora of information about the topic and many easy to use videos, however once you enter the real world quality seems to drop.</a:t>
+            </a:r>
+            <a:r>
+              <a:rPr lang="en-US" dirty="0" smtClean="0"/>
+              <a:t> we</a:t>
+            </a:r>
+            <a:r>
+              <a:rPr lang="en-US" baseline="0" dirty="0" smtClean="0"/>
+              <a:t> recognize that many of our customers will have the same problems and in an effort to search for efficiencies our agents will host live sessions where they will not only train the viewers in the topic of the session, but also will be ready to answer questions as they arise. After these sessions have been streamed they will be made available on the support team website ready whoever needs to view them in the future.</a:t>
+            </a:r>
+            <a:endParaRPr lang="en-US" dirty="0"/>
+          </a:p>
+        </p:txBody>
+      </p:sp>
+      <p:sp>
+        <p:nvSpPr>
+          <p:cNvPr id="4" name="Slide Number Placeholder 3"/>
+          <p:cNvSpPr>
+            <a:spLocks noGrp="1"/>
+          </p:cNvSpPr>
+          <p:nvPr>
+            <p:ph type="sldNum" sz="quarter" idx="10"/>
+          </p:nvPr>
+        </p:nvSpPr>
+        <p:spPr/>
+        <p:txBody>
+          <a:bodyPr/>
+          <a:lstStyle/>
+          <a:p>
+            <a:fld id="{1CD89728-F500-124C-89B1-3497A931BF0D}" type="slidenum">
+              <a:rPr lang="en-US" smtClean="0"/>
+              <a:t>6</a:t>
+            </a:fld>
+            <a:endParaRPr lang="en-US"/>
+          </a:p>
+        </p:txBody>
+      </p:sp>
+    </p:spTree>
+    <p:extLst>
+      <p:ext uri="{BB962C8B-B14F-4D97-AF65-F5344CB8AC3E}">
+        <p14:creationId xmlns:p14="http://schemas.microsoft.com/office/powerpoint/2010/main" val="1198666546"/>
+      </p:ext>
+    </p:extLst>
+  </p:cSld>
+  <p:clrMapOvr>
+    <a:masterClrMapping/>
+  </p:clrMapOvr>
+</p:notes>
+</file>
+
 <file path=ppt/slideLayouts/slideLayout1.xml><?xml version="1.0" encoding="utf-8"?>
 <p:sldLayout xmlns:a="http://schemas.openxmlformats.org/drawingml/2006/main" xmlns:r="http://schemas.openxmlformats.org/officeDocument/2006/relationships" xmlns:p="http://schemas.openxmlformats.org/presentationml/2006/main" type="title" preserve="1">
   <p:cSld name="Title Slide">
@@ -1000,7 +1773,6 @@
               <a:rPr lang="en-US"/>
               <a:t>Click to edit Master title style</a:t>
             </a:r>
-            <a:endParaRPr lang="en-US"/>
           </a:p>
         </p:txBody>
       </p:sp>
@@ -1065,7 +1837,6 @@
               <a:rPr lang="en-US"/>
               <a:t>Click to edit Master subtitle style</a:t>
             </a:r>
-            <a:endParaRPr lang="en-US"/>
           </a:p>
         </p:txBody>
       </p:sp>
@@ -1086,7 +1857,7 @@
           <a:p>
             <a:fld id="{6A1D080F-7B83-441F-9CDD-78EF1E6746D4}" type="datetimeFigureOut">
               <a:rPr lang="en-US" smtClean="0"/>
-              <a:t>2/18/2017</a:t>
+              <a:t>2/18/17</a:t>
             </a:fld>
             <a:endParaRPr lang="en-US"/>
           </a:p>
@@ -1183,7 +1954,6 @@
               <a:rPr lang="en-US"/>
               <a:t>Click to edit Master title style</a:t>
             </a:r>
-            <a:endParaRPr lang="en-US"/>
           </a:p>
         </p:txBody>
       </p:sp>
@@ -1235,7 +2005,6 @@
               <a:rPr lang="en-US"/>
               <a:t>Fifth level</a:t>
             </a:r>
-            <a:endParaRPr lang="en-US"/>
           </a:p>
         </p:txBody>
       </p:sp>
@@ -1256,7 +2025,7 @@
           <a:p>
             <a:fld id="{6A1D080F-7B83-441F-9CDD-78EF1E6746D4}" type="datetimeFigureOut">
               <a:rPr lang="en-US" smtClean="0"/>
-              <a:t>2/18/2017</a:t>
+              <a:t>2/18/17</a:t>
             </a:fld>
             <a:endParaRPr lang="en-US"/>
           </a:p>
@@ -1358,7 +2127,6 @@
               <a:rPr lang="en-US"/>
               <a:t>Click to edit Master title style</a:t>
             </a:r>
-            <a:endParaRPr lang="en-US"/>
           </a:p>
         </p:txBody>
       </p:sp>
@@ -1415,7 +2183,6 @@
               <a:rPr lang="en-US"/>
               <a:t>Fifth level</a:t>
             </a:r>
-            <a:endParaRPr lang="en-US"/>
           </a:p>
         </p:txBody>
       </p:sp>
@@ -1436,7 +2203,7 @@
           <a:p>
             <a:fld id="{6A1D080F-7B83-441F-9CDD-78EF1E6746D4}" type="datetimeFigureOut">
               <a:rPr lang="en-US" smtClean="0"/>
-              <a:t>2/18/2017</a:t>
+              <a:t>2/18/17</a:t>
             </a:fld>
             <a:endParaRPr lang="en-US"/>
           </a:p>
@@ -1533,7 +2300,6 @@
               <a:rPr lang="en-US"/>
               <a:t>Click to edit Master title style</a:t>
             </a:r>
-            <a:endParaRPr lang="en-US"/>
           </a:p>
         </p:txBody>
       </p:sp>
@@ -1585,7 +2351,6 @@
               <a:rPr lang="en-US"/>
               <a:t>Fifth level</a:t>
             </a:r>
-            <a:endParaRPr lang="en-US"/>
           </a:p>
         </p:txBody>
       </p:sp>
@@ -1606,7 +2371,7 @@
           <a:p>
             <a:fld id="{6A1D080F-7B83-441F-9CDD-78EF1E6746D4}" type="datetimeFigureOut">
               <a:rPr lang="en-US" smtClean="0"/>
-              <a:t>2/18/2017</a:t>
+              <a:t>2/18/17</a:t>
             </a:fld>
             <a:endParaRPr lang="en-US"/>
           </a:p>
@@ -1712,7 +2477,6 @@
               <a:rPr lang="en-US"/>
               <a:t>Click to edit Master title style</a:t>
             </a:r>
-            <a:endParaRPr lang="en-US"/>
           </a:p>
         </p:txBody>
       </p:sp>
@@ -1852,7 +2616,7 @@
           <a:p>
             <a:fld id="{6A1D080F-7B83-441F-9CDD-78EF1E6746D4}" type="datetimeFigureOut">
               <a:rPr lang="en-US" smtClean="0"/>
-              <a:t>2/18/2017</a:t>
+              <a:t>2/18/17</a:t>
             </a:fld>
             <a:endParaRPr lang="en-US"/>
           </a:p>
@@ -1949,7 +2713,6 @@
               <a:rPr lang="en-US"/>
               <a:t>Click to edit Master title style</a:t>
             </a:r>
-            <a:endParaRPr lang="en-US"/>
           </a:p>
         </p:txBody>
       </p:sp>
@@ -2006,7 +2769,6 @@
               <a:rPr lang="en-US"/>
               <a:t>Fifth level</a:t>
             </a:r>
-            <a:endParaRPr lang="en-US"/>
           </a:p>
         </p:txBody>
       </p:sp>
@@ -2063,7 +2825,6 @@
               <a:rPr lang="en-US"/>
               <a:t>Fifth level</a:t>
             </a:r>
-            <a:endParaRPr lang="en-US"/>
           </a:p>
         </p:txBody>
       </p:sp>
@@ -2084,7 +2845,7 @@
           <a:p>
             <a:fld id="{6A1D080F-7B83-441F-9CDD-78EF1E6746D4}" type="datetimeFigureOut">
               <a:rPr lang="en-US" smtClean="0"/>
-              <a:t>2/18/2017</a:t>
+              <a:t>2/18/17</a:t>
             </a:fld>
             <a:endParaRPr lang="en-US"/>
           </a:p>
@@ -2186,7 +2947,6 @@
               <a:rPr lang="en-US"/>
               <a:t>Click to edit Master title style</a:t>
             </a:r>
-            <a:endParaRPr lang="en-US"/>
           </a:p>
         </p:txBody>
       </p:sp>
@@ -2308,7 +3068,6 @@
               <a:rPr lang="en-US"/>
               <a:t>Fifth level</a:t>
             </a:r>
-            <a:endParaRPr lang="en-US"/>
           </a:p>
         </p:txBody>
       </p:sp>
@@ -2430,7 +3189,6 @@
               <a:rPr lang="en-US"/>
               <a:t>Fifth level</a:t>
             </a:r>
-            <a:endParaRPr lang="en-US"/>
           </a:p>
         </p:txBody>
       </p:sp>
@@ -2451,7 +3209,7 @@
           <a:p>
             <a:fld id="{6A1D080F-7B83-441F-9CDD-78EF1E6746D4}" type="datetimeFigureOut">
               <a:rPr lang="en-US" smtClean="0"/>
-              <a:t>2/18/2017</a:t>
+              <a:t>2/18/17</a:t>
             </a:fld>
             <a:endParaRPr lang="en-US"/>
           </a:p>
@@ -2548,7 +3306,6 @@
               <a:rPr lang="en-US"/>
               <a:t>Click to edit Master title style</a:t>
             </a:r>
-            <a:endParaRPr lang="en-US"/>
           </a:p>
         </p:txBody>
       </p:sp>
@@ -2569,7 +3326,7 @@
           <a:p>
             <a:fld id="{6A1D080F-7B83-441F-9CDD-78EF1E6746D4}" type="datetimeFigureOut">
               <a:rPr lang="en-US" smtClean="0"/>
-              <a:t>2/18/2017</a:t>
+              <a:t>2/18/17</a:t>
             </a:fld>
             <a:endParaRPr lang="en-US"/>
           </a:p>
@@ -2664,7 +3421,7 @@
           <a:p>
             <a:fld id="{6A1D080F-7B83-441F-9CDD-78EF1E6746D4}" type="datetimeFigureOut">
               <a:rPr lang="en-US" smtClean="0"/>
-              <a:t>2/18/2017</a:t>
+              <a:t>2/18/17</a:t>
             </a:fld>
             <a:endParaRPr lang="en-US"/>
           </a:p>
@@ -2770,7 +3527,6 @@
               <a:rPr lang="en-US"/>
               <a:t>Click to edit Master title style</a:t>
             </a:r>
-            <a:endParaRPr lang="en-US"/>
           </a:p>
         </p:txBody>
       </p:sp>
@@ -2855,7 +3611,6 @@
               <a:rPr lang="en-US"/>
               <a:t>Fifth level</a:t>
             </a:r>
-            <a:endParaRPr lang="en-US"/>
           </a:p>
         </p:txBody>
       </p:sp>
@@ -2941,7 +3696,7 @@
           <a:p>
             <a:fld id="{6A1D080F-7B83-441F-9CDD-78EF1E6746D4}" type="datetimeFigureOut">
               <a:rPr lang="en-US" smtClean="0"/>
-              <a:t>2/18/2017</a:t>
+              <a:t>2/18/17</a:t>
             </a:fld>
             <a:endParaRPr lang="en-US"/>
           </a:p>
@@ -3047,7 +3802,6 @@
               <a:rPr lang="en-US"/>
               <a:t>Click to edit Master title style</a:t>
             </a:r>
-            <a:endParaRPr lang="en-US"/>
           </a:p>
         </p:txBody>
       </p:sp>
@@ -3194,7 +3948,7 @@
           <a:p>
             <a:fld id="{6A1D080F-7B83-441F-9CDD-78EF1E6746D4}" type="datetimeFigureOut">
               <a:rPr lang="en-US" smtClean="0"/>
-              <a:t>2/18/2017</a:t>
+              <a:t>2/18/17</a:t>
             </a:fld>
             <a:endParaRPr lang="en-US"/>
           </a:p>
@@ -3306,7 +4060,6 @@
               <a:rPr lang="en-US"/>
               <a:t>Click to edit Master title style</a:t>
             </a:r>
-            <a:endParaRPr lang="en-US"/>
           </a:p>
         </p:txBody>
       </p:sp>
@@ -3368,7 +4121,6 @@
               <a:rPr lang="en-US"/>
               <a:t>Fifth level</a:t>
             </a:r>
-            <a:endParaRPr lang="en-US"/>
           </a:p>
         </p:txBody>
       </p:sp>
@@ -3407,7 +4159,7 @@
           <a:p>
             <a:fld id="{6A1D080F-7B83-441F-9CDD-78EF1E6746D4}" type="datetimeFigureOut">
               <a:rPr lang="en-US" smtClean="0"/>
-              <a:t>2/18/2017</a:t>
+              <a:t>2/18/17</a:t>
             </a:fld>
             <a:endParaRPr lang="en-US"/>
           </a:p>
@@ -3828,13 +4580,10 @@
           <a:lstStyle/>
           <a:p>
             <a:r>
-              <a:rPr lang="en-US" dirty="0" err="1"/>
-              <a:t>Funances</a:t>
-            </a:r>
-            <a:r>
-              <a:rPr lang="en-US" dirty="0"/>
-              <a:t> 2.0</a:t>
-            </a:r>
+              <a:rPr lang="en-US" dirty="0" err="1" smtClean="0"/>
+              <a:t>SupportPage</a:t>
+            </a:r>
+            <a:endParaRPr lang="en-US" dirty="0"/>
           </a:p>
         </p:txBody>
       </p:sp>
@@ -3863,15 +4612,19 @@
             </a:r>
             <a:r>
               <a:rPr lang="en-US" dirty="0"/>
-              <a:t>, Spencer </a:t>
-            </a:r>
-            <a:r>
-              <a:rPr lang="en-US" dirty="0" err="1"/>
-              <a:t>Nussrallah</a:t>
+              <a:t>, </a:t>
             </a:r>
             <a:r>
               <a:rPr lang="en-US" dirty="0"/>
-              <a:t>, Matthew Meacham</a:t>
+              <a:t>Matthew </a:t>
+            </a:r>
+            <a:r>
+              <a:rPr lang="en-US" dirty="0" smtClean="0"/>
+              <a:t>Meacham, Spencer </a:t>
+            </a:r>
+            <a:r>
+              <a:rPr lang="en-US" dirty="0"/>
+              <a:t>Nussrallah, </a:t>
             </a:r>
           </a:p>
         </p:txBody>
@@ -3921,6 +4674,7 @@
           <a:bodyPr/>
           <a:lstStyle/>
           <a:p>
+            <a:pPr algn="ctr"/>
             <a:r>
               <a:rPr lang="en-US" dirty="0"/>
               <a:t>The Numbers</a:t>
@@ -3938,7 +4692,7 @@
             <p:ph idx="1"/>
             <p:extLst>
               <p:ext uri="{D42A27DB-BD31-4B8C-83A1-F6EECF244321}">
-                <p14:modId xmlns:p14="http://schemas.microsoft.com/office/powerpoint/2010/main" val="1107828363"/>
+                <p14:modId xmlns:p14="http://schemas.microsoft.com/office/powerpoint/2010/main" val="183124251"/>
               </p:ext>
             </p:extLst>
           </p:nvPr>
@@ -3983,6 +4737,161 @@
           <a:chExt cx="0" cy="0"/>
         </a:xfrm>
       </p:grpSpPr>
+      <p:pic>
+        <p:nvPicPr>
+          <p:cNvPr id="3" name="Picture 2"/>
+          <p:cNvPicPr>
+            <a:picLocks noChangeAspect="1"/>
+          </p:cNvPicPr>
+          <p:nvPr/>
+        </p:nvPicPr>
+        <p:blipFill>
+          <a:blip r:embed="rId3">
+            <a:extLst>
+              <a:ext uri="{28A0092B-C50C-407E-A947-70E740481C1C}">
+                <a14:useLocalDpi xmlns:a14="http://schemas.microsoft.com/office/drawing/2010/main" val="0"/>
+              </a:ext>
+            </a:extLst>
+          </a:blip>
+          <a:stretch>
+            <a:fillRect/>
+          </a:stretch>
+        </p:blipFill>
+        <p:spPr>
+          <a:xfrm>
+            <a:off x="1004341" y="1858781"/>
+            <a:ext cx="3372786" cy="4247940"/>
+          </a:xfrm>
+          <a:prstGeom prst="rect">
+            <a:avLst/>
+          </a:prstGeom>
+        </p:spPr>
+      </p:pic>
+      <p:cxnSp>
+        <p:nvCxnSpPr>
+          <p:cNvPr id="5" name="Straight Arrow Connector 4"/>
+          <p:cNvCxnSpPr/>
+          <p:nvPr/>
+        </p:nvCxnSpPr>
+        <p:spPr>
+          <a:xfrm>
+            <a:off x="4916773" y="3982751"/>
+            <a:ext cx="2758190" cy="0"/>
+          </a:xfrm>
+          <a:prstGeom prst="straightConnector1">
+            <a:avLst/>
+          </a:prstGeom>
+          <a:ln w="139700">
+            <a:solidFill>
+              <a:srgbClr val="FF0000"/>
+            </a:solidFill>
+            <a:tailEnd type="triangle"/>
+          </a:ln>
+        </p:spPr>
+        <p:style>
+          <a:lnRef idx="1">
+            <a:schemeClr val="accent1"/>
+          </a:lnRef>
+          <a:fillRef idx="0">
+            <a:schemeClr val="accent1"/>
+          </a:fillRef>
+          <a:effectRef idx="0">
+            <a:schemeClr val="accent1"/>
+          </a:effectRef>
+          <a:fontRef idx="minor">
+            <a:schemeClr val="tx1"/>
+          </a:fontRef>
+        </p:style>
+      </p:cxnSp>
+      <p:pic>
+        <p:nvPicPr>
+          <p:cNvPr id="6" name="Picture 5"/>
+          <p:cNvPicPr>
+            <a:picLocks noChangeAspect="1"/>
+          </p:cNvPicPr>
+          <p:nvPr/>
+        </p:nvPicPr>
+        <p:blipFill>
+          <a:blip r:embed="rId4">
+            <a:extLst>
+              <a:ext uri="{28A0092B-C50C-407E-A947-70E740481C1C}">
+                <a14:useLocalDpi xmlns:a14="http://schemas.microsoft.com/office/drawing/2010/main" val="0"/>
+              </a:ext>
+            </a:extLst>
+          </a:blip>
+          <a:stretch>
+            <a:fillRect/>
+          </a:stretch>
+        </p:blipFill>
+        <p:spPr>
+          <a:xfrm>
+            <a:off x="7839855" y="2453025"/>
+            <a:ext cx="4210254" cy="3059451"/>
+          </a:xfrm>
+          <a:prstGeom prst="rect">
+            <a:avLst/>
+          </a:prstGeom>
+        </p:spPr>
+      </p:pic>
+      <p:sp>
+        <p:nvSpPr>
+          <p:cNvPr id="10" name="Title 1"/>
+          <p:cNvSpPr>
+            <a:spLocks noGrp="1"/>
+          </p:cNvSpPr>
+          <p:nvPr>
+            <p:ph type="title"/>
+          </p:nvPr>
+        </p:nvSpPr>
+        <p:spPr>
+          <a:xfrm>
+            <a:off x="838200" y="380115"/>
+            <a:ext cx="10515600" cy="1325563"/>
+          </a:xfrm>
+        </p:spPr>
+        <p:txBody>
+          <a:bodyPr/>
+          <a:lstStyle/>
+          <a:p>
+            <a:pPr algn="ctr"/>
+            <a:r>
+              <a:rPr lang="en-US" dirty="0" smtClean="0"/>
+              <a:t>Building Customer Relationships</a:t>
+            </a:r>
+            <a:endParaRPr lang="en-US" dirty="0"/>
+          </a:p>
+        </p:txBody>
+      </p:sp>
+    </p:spTree>
+    <p:extLst>
+      <p:ext uri="{BB962C8B-B14F-4D97-AF65-F5344CB8AC3E}">
+        <p14:creationId xmlns:p14="http://schemas.microsoft.com/office/powerpoint/2010/main" val="3378697368"/>
+      </p:ext>
+    </p:extLst>
+  </p:cSld>
+  <p:clrMapOvr>
+    <a:masterClrMapping/>
+  </p:clrMapOvr>
+</p:sld>
+</file>
+
+<file path=ppt/slides/slide4.xml><?xml version="1.0" encoding="utf-8"?>
+<p:sld xmlns:a="http://schemas.openxmlformats.org/drawingml/2006/main" xmlns:r="http://schemas.openxmlformats.org/officeDocument/2006/relationships" xmlns:p="http://schemas.openxmlformats.org/presentationml/2006/main">
+  <p:cSld>
+    <p:spTree>
+      <p:nvGrpSpPr>
+        <p:cNvPr id="1" name=""/>
+        <p:cNvGrpSpPr/>
+        <p:nvPr/>
+      </p:nvGrpSpPr>
+      <p:grpSpPr>
+        <a:xfrm>
+          <a:off x="0" y="0"/>
+          <a:ext cx="0" cy="0"/>
+          <a:chOff x="0" y="0"/>
+          <a:chExt cx="0" cy="0"/>
+        </a:xfrm>
+      </p:grpSpPr>
       <p:sp>
         <p:nvSpPr>
           <p:cNvPr id="2" name="Title 1"/>
@@ -3993,11 +4902,17 @@
             <p:ph type="title"/>
           </p:nvPr>
         </p:nvSpPr>
-        <p:spPr/>
-        <p:txBody>
-          <a:bodyPr/>
-          <a:lstStyle/>
-          <a:p>
+        <p:spPr>
+          <a:xfrm>
+            <a:off x="838200" y="380115"/>
+            <a:ext cx="10515600" cy="1325563"/>
+          </a:xfrm>
+        </p:spPr>
+        <p:txBody>
+          <a:bodyPr/>
+          <a:lstStyle/>
+          <a:p>
+            <a:pPr algn="ctr"/>
             <a:r>
               <a:rPr lang="en-US" dirty="0"/>
               <a:t>Omnichannel Approach</a:t>
@@ -4016,7 +4931,7 @@
           </p:nvPr>
         </p:nvPicPr>
         <p:blipFill>
-          <a:blip r:embed="rId2">
+          <a:blip r:embed="rId3">
             <a:extLst>
               <a:ext uri="{28A0092B-C50C-407E-A947-70E740481C1C}">
                 <a14:useLocalDpi xmlns:a14="http://schemas.microsoft.com/office/drawing/2010/main" val="0"/>
@@ -4061,7 +4976,7 @@
 </p:sld>
 </file>
 
-<file path=ppt/slides/slide4.xml><?xml version="1.0" encoding="utf-8"?>
+<file path=ppt/slides/slide5.xml><?xml version="1.0" encoding="utf-8"?>
 <p:sld xmlns:a="http://schemas.openxmlformats.org/drawingml/2006/main" xmlns:r="http://schemas.openxmlformats.org/officeDocument/2006/relationships" xmlns:p="http://schemas.openxmlformats.org/presentationml/2006/main">
   <p:cSld>
     <p:spTree>
@@ -4090,36 +5005,308 @@
         </p:nvSpPr>
         <p:spPr/>
         <p:txBody>
-          <a:bodyPr/>
-          <a:lstStyle/>
-          <a:p>
+          <a:bodyPr>
+            <a:normAutofit/>
+          </a:bodyPr>
+          <a:lstStyle/>
+          <a:p>
+            <a:pPr algn="ctr"/>
+            <a:r>
+              <a:rPr lang="en-US" dirty="0" smtClean="0"/>
+              <a:t>The Support Team</a:t>
+            </a:r>
+            <a:r>
+              <a:rPr lang="en-US" dirty="0">
+                <a:ln w="0"/>
+                <a:effectLst>
+                  <a:outerShdw blurRad="38100" dist="19050" dir="2700000" algn="tl" rotWithShape="0">
+                    <a:schemeClr val="dk1">
+                      <a:alpha val="40000"/>
+                    </a:schemeClr>
+                  </a:outerShdw>
+                </a:effectLst>
+              </a:rPr>
+              <a:t/>
+            </a:r>
+            <a:br>
+              <a:rPr lang="en-US" dirty="0">
+                <a:ln w="0"/>
+                <a:effectLst>
+                  <a:outerShdw blurRad="38100" dist="19050" dir="2700000" algn="tl" rotWithShape="0">
+                    <a:schemeClr val="dk1">
+                      <a:alpha val="40000"/>
+                    </a:schemeClr>
+                  </a:outerShdw>
+                </a:effectLst>
+              </a:rPr>
+            </a:br>
             <a:endParaRPr lang="en-US" dirty="0"/>
           </a:p>
         </p:txBody>
       </p:sp>
-      <p:sp>
-        <p:nvSpPr>
-          <p:cNvPr id="8" name="Content Placeholder 7"/>
-          <p:cNvSpPr>
-            <a:spLocks noGrp="1"/>
-          </p:cNvSpPr>
-          <p:nvPr>
-            <p:ph idx="1"/>
-          </p:nvPr>
-        </p:nvSpPr>
-        <p:spPr/>
-        <p:txBody>
-          <a:bodyPr/>
-          <a:lstStyle/>
-          <a:p>
-            <a:endParaRPr lang="en-US"/>
-          </a:p>
-        </p:txBody>
-      </p:sp>
+      <p:pic>
+        <p:nvPicPr>
+          <p:cNvPr id="5" name="Picture 4"/>
+          <p:cNvPicPr>
+            <a:picLocks noChangeAspect="1"/>
+          </p:cNvPicPr>
+          <p:nvPr/>
+        </p:nvPicPr>
+        <p:blipFill>
+          <a:blip r:embed="rId3">
+            <a:extLst>
+              <a:ext uri="{28A0092B-C50C-407E-A947-70E740481C1C}">
+                <a14:useLocalDpi xmlns:a14="http://schemas.microsoft.com/office/drawing/2010/main" val="0"/>
+              </a:ext>
+            </a:extLst>
+          </a:blip>
+          <a:stretch>
+            <a:fillRect/>
+          </a:stretch>
+        </p:blipFill>
+        <p:spPr>
+          <a:xfrm>
+            <a:off x="1124262" y="1165456"/>
+            <a:ext cx="6250898" cy="3513004"/>
+          </a:xfrm>
+          <a:prstGeom prst="rect">
+            <a:avLst/>
+          </a:prstGeom>
+        </p:spPr>
+      </p:pic>
+      <p:pic>
+        <p:nvPicPr>
+          <p:cNvPr id="6" name="Picture 5"/>
+          <p:cNvPicPr>
+            <a:picLocks noChangeAspect="1"/>
+          </p:cNvPicPr>
+          <p:nvPr/>
+        </p:nvPicPr>
+        <p:blipFill>
+          <a:blip r:embed="rId4">
+            <a:extLst>
+              <a:ext uri="{28A0092B-C50C-407E-A947-70E740481C1C}">
+                <a14:useLocalDpi xmlns:a14="http://schemas.microsoft.com/office/drawing/2010/main" val="0"/>
+              </a:ext>
+            </a:extLst>
+          </a:blip>
+          <a:stretch>
+            <a:fillRect/>
+          </a:stretch>
+        </p:blipFill>
+        <p:spPr>
+          <a:xfrm>
+            <a:off x="7375160" y="3818640"/>
+            <a:ext cx="3832902" cy="2491386"/>
+          </a:xfrm>
+          <a:prstGeom prst="rect">
+            <a:avLst/>
+          </a:prstGeom>
+        </p:spPr>
+      </p:pic>
     </p:spTree>
     <p:extLst>
       <p:ext uri="{BB962C8B-B14F-4D97-AF65-F5344CB8AC3E}">
-        <p14:creationId xmlns:p14="http://schemas.microsoft.com/office/powerpoint/2010/main" val="3378697368"/>
+        <p14:creationId xmlns:p14="http://schemas.microsoft.com/office/powerpoint/2010/main" val="2036722264"/>
+      </p:ext>
+    </p:extLst>
+  </p:cSld>
+  <p:clrMapOvr>
+    <a:masterClrMapping/>
+  </p:clrMapOvr>
+</p:sld>
+</file>
+
+<file path=ppt/slides/slide6.xml><?xml version="1.0" encoding="utf-8"?>
+<p:sld xmlns:a="http://schemas.openxmlformats.org/drawingml/2006/main" xmlns:r="http://schemas.openxmlformats.org/officeDocument/2006/relationships" xmlns:p="http://schemas.openxmlformats.org/presentationml/2006/main">
+  <p:cSld>
+    <p:spTree>
+      <p:nvGrpSpPr>
+        <p:cNvPr id="1" name=""/>
+        <p:cNvGrpSpPr/>
+        <p:nvPr/>
+      </p:nvGrpSpPr>
+      <p:grpSpPr>
+        <a:xfrm>
+          <a:off x="0" y="0"/>
+          <a:ext cx="0" cy="0"/>
+          <a:chOff x="0" y="0"/>
+          <a:chExt cx="0" cy="0"/>
+        </a:xfrm>
+      </p:grpSpPr>
+      <p:sp>
+        <p:nvSpPr>
+          <p:cNvPr id="2" name="Title 1"/>
+          <p:cNvSpPr>
+            <a:spLocks noGrp="1"/>
+          </p:cNvSpPr>
+          <p:nvPr>
+            <p:ph type="title"/>
+          </p:nvPr>
+        </p:nvSpPr>
+        <p:spPr>
+          <a:xfrm>
+            <a:off x="853190" y="200233"/>
+            <a:ext cx="10515600" cy="1325563"/>
+          </a:xfrm>
+        </p:spPr>
+        <p:txBody>
+          <a:bodyPr/>
+          <a:lstStyle/>
+          <a:p>
+            <a:pPr algn="ctr"/>
+            <a:r>
+              <a:rPr lang="en-US" dirty="0" smtClean="0"/>
+              <a:t>Webcasts</a:t>
+            </a:r>
+            <a:endParaRPr lang="en-US" dirty="0"/>
+          </a:p>
+        </p:txBody>
+      </p:sp>
+      <p:pic>
+        <p:nvPicPr>
+          <p:cNvPr id="5" name="Picture 4"/>
+          <p:cNvPicPr>
+            <a:picLocks noChangeAspect="1"/>
+          </p:cNvPicPr>
+          <p:nvPr/>
+        </p:nvPicPr>
+        <p:blipFill>
+          <a:blip r:embed="rId3">
+            <a:extLst>
+              <a:ext uri="{28A0092B-C50C-407E-A947-70E740481C1C}">
+                <a14:useLocalDpi xmlns:a14="http://schemas.microsoft.com/office/drawing/2010/main" val="0"/>
+              </a:ext>
+            </a:extLst>
+          </a:blip>
+          <a:stretch>
+            <a:fillRect/>
+          </a:stretch>
+        </p:blipFill>
+        <p:spPr>
+          <a:xfrm>
+            <a:off x="2754859" y="1525796"/>
+            <a:ext cx="6712262" cy="5034197"/>
+          </a:xfrm>
+          <a:prstGeom prst="rect">
+            <a:avLst/>
+          </a:prstGeom>
+        </p:spPr>
+      </p:pic>
+    </p:spTree>
+    <p:extLst>
+      <p:ext uri="{BB962C8B-B14F-4D97-AF65-F5344CB8AC3E}">
+        <p14:creationId xmlns:p14="http://schemas.microsoft.com/office/powerpoint/2010/main" val="1158216486"/>
+      </p:ext>
+    </p:extLst>
+  </p:cSld>
+  <p:clrMapOvr>
+    <a:masterClrMapping/>
+  </p:clrMapOvr>
+</p:sld>
+</file>
+
+<file path=ppt/slides/slide7.xml><?xml version="1.0" encoding="utf-8"?>
+<p:sld xmlns:a="http://schemas.openxmlformats.org/drawingml/2006/main" xmlns:r="http://schemas.openxmlformats.org/officeDocument/2006/relationships" xmlns:p="http://schemas.openxmlformats.org/presentationml/2006/main">
+  <p:cSld>
+    <p:spTree>
+      <p:nvGrpSpPr>
+        <p:cNvPr id="1" name=""/>
+        <p:cNvGrpSpPr/>
+        <p:nvPr/>
+      </p:nvGrpSpPr>
+      <p:grpSpPr>
+        <a:xfrm>
+          <a:off x="0" y="0"/>
+          <a:ext cx="0" cy="0"/>
+          <a:chOff x="0" y="0"/>
+          <a:chExt cx="0" cy="0"/>
+        </a:xfrm>
+      </p:grpSpPr>
+      <p:sp>
+        <p:nvSpPr>
+          <p:cNvPr id="2" name="Title 1"/>
+          <p:cNvSpPr>
+            <a:spLocks noGrp="1"/>
+          </p:cNvSpPr>
+          <p:nvPr>
+            <p:ph type="title"/>
+          </p:nvPr>
+        </p:nvSpPr>
+        <p:spPr/>
+        <p:txBody>
+          <a:bodyPr/>
+          <a:lstStyle/>
+          <a:p>
+            <a:pPr algn="ctr"/>
+            <a:r>
+              <a:rPr lang="en-US" dirty="0" smtClean="0"/>
+              <a:t>Live Demo</a:t>
+            </a:r>
+            <a:endParaRPr lang="en-US" dirty="0"/>
+          </a:p>
+        </p:txBody>
+      </p:sp>
+      <p:sp>
+        <p:nvSpPr>
+          <p:cNvPr id="4" name="Rectangle 3"/>
+          <p:cNvSpPr/>
+          <p:nvPr/>
+        </p:nvSpPr>
+        <p:spPr>
+          <a:xfrm>
+            <a:off x="5269437" y="2547609"/>
+            <a:ext cx="1653125" cy="1569660"/>
+          </a:xfrm>
+          <a:prstGeom prst="rect">
+            <a:avLst/>
+          </a:prstGeom>
+          <a:noFill/>
+        </p:spPr>
+        <p:txBody>
+          <a:bodyPr wrap="square" lIns="91440" tIns="45720" rIns="91440" bIns="45720">
+            <a:spAutoFit/>
+          </a:bodyPr>
+          <a:lstStyle/>
+          <a:p>
+            <a:pPr algn="ctr"/>
+            <a:r>
+              <a:rPr lang="en-US" sz="9600" b="0" cap="none" spc="0" dirty="0" smtClean="0">
+                <a:ln w="0"/>
+                <a:solidFill>
+                  <a:schemeClr val="tx1"/>
+                </a:solidFill>
+                <a:effectLst>
+                  <a:outerShdw blurRad="38100" dist="19050" dir="2700000" algn="tl" rotWithShape="0">
+                    <a:schemeClr val="dk1">
+                      <a:alpha val="40000"/>
+                    </a:schemeClr>
+                  </a:outerShdw>
+                </a:effectLst>
+                <a:hlinkClick r:id="rId2"/>
+              </a:rPr>
+              <a:t>Go</a:t>
+            </a:r>
+            <a:endParaRPr lang="en-US" sz="9600" b="0" cap="none" spc="0" dirty="0">
+              <a:ln w="0"/>
+              <a:solidFill>
+                <a:schemeClr val="tx1"/>
+              </a:solidFill>
+              <a:effectLst>
+                <a:outerShdw blurRad="38100" dist="19050" dir="2700000" algn="tl" rotWithShape="0">
+                  <a:schemeClr val="dk1">
+                    <a:alpha val="40000"/>
+                  </a:schemeClr>
+                </a:outerShdw>
+              </a:effectLst>
+            </a:endParaRPr>
+          </a:p>
+        </p:txBody>
+      </p:sp>
+    </p:spTree>
+    <p:extLst>
+      <p:ext uri="{BB962C8B-B14F-4D97-AF65-F5344CB8AC3E}">
+        <p14:creationId xmlns:p14="http://schemas.microsoft.com/office/powerpoint/2010/main" val="2086283660"/>
       </p:ext>
     </p:extLst>
   </p:cSld>
@@ -4422,4 +5609,265 @@
     </a:ext>
   </a:extLst>
 </a:theme>
+</file>
+
+<file path=ppt/theme/theme2.xml><?xml version="1.0" encoding="utf-8"?>
+<a:theme xmlns:a="http://schemas.openxmlformats.org/drawingml/2006/main" name="Office Theme">
+  <a:themeElements>
+    <a:clrScheme name="Office">
+      <a:dk1>
+        <a:sysClr val="windowText" lastClr="000000"/>
+      </a:dk1>
+      <a:lt1>
+        <a:sysClr val="window" lastClr="FFFFFF"/>
+      </a:lt1>
+      <a:dk2>
+        <a:srgbClr val="44546A"/>
+      </a:dk2>
+      <a:lt2>
+        <a:srgbClr val="E7E6E6"/>
+      </a:lt2>
+      <a:accent1>
+        <a:srgbClr val="4472C4"/>
+      </a:accent1>
+      <a:accent2>
+        <a:srgbClr val="ED7D31"/>
+      </a:accent2>
+      <a:accent3>
+        <a:srgbClr val="A5A5A5"/>
+      </a:accent3>
+      <a:accent4>
+        <a:srgbClr val="FFC000"/>
+      </a:accent4>
+      <a:accent5>
+        <a:srgbClr val="5B9BD5"/>
+      </a:accent5>
+      <a:accent6>
+        <a:srgbClr val="70AD47"/>
+      </a:accent6>
+      <a:hlink>
+        <a:srgbClr val="0563C1"/>
+      </a:hlink>
+      <a:folHlink>
+        <a:srgbClr val="954F72"/>
+      </a:folHlink>
+    </a:clrScheme>
+    <a:fontScheme name="Office">
+      <a:majorFont>
+        <a:latin typeface="Calibri Light" panose="020F0302020204030204"/>
+        <a:ea typeface=""/>
+        <a:cs typeface=""/>
+        <a:font script="Jpan" typeface="Yu Gothic Light"/>
+        <a:font script="Hang" typeface="맑은 고딕"/>
+        <a:font script="Hans" typeface="DengXian Light"/>
+        <a:font script="Hant" typeface="新細明體"/>
+        <a:font script="Arab" typeface="Times New Roman"/>
+        <a:font script="Hebr" typeface="Times New Roman"/>
+        <a:font script="Thai" typeface="Angsana New"/>
+        <a:font script="Ethi" typeface="Nyala"/>
+        <a:font script="Beng" typeface="Vrinda"/>
+        <a:font script="Gujr" typeface="Shruti"/>
+        <a:font script="Khmr" typeface="MoolBoran"/>
+        <a:font script="Knda" typeface="Tunga"/>
+        <a:font script="Guru" typeface="Raavi"/>
+        <a:font script="Cans" typeface="Euphemia"/>
+        <a:font script="Cher" typeface="Plantagenet Cherokee"/>
+        <a:font script="Yiii" typeface="Microsoft Yi Baiti"/>
+        <a:font script="Tibt" typeface="Microsoft Himalaya"/>
+        <a:font script="Thaa" typeface="MV Boli"/>
+        <a:font script="Deva" typeface="Mangal"/>
+        <a:font script="Telu" typeface="Gautami"/>
+        <a:font script="Taml" typeface="Latha"/>
+        <a:font script="Syrc" typeface="Estrangelo Edessa"/>
+        <a:font script="Orya" typeface="Kalinga"/>
+        <a:font script="Mlym" typeface="Kartika"/>
+        <a:font script="Laoo" typeface="DokChampa"/>
+        <a:font script="Sinh" typeface="Iskoola Pota"/>
+        <a:font script="Mong" typeface="Mongolian Baiti"/>
+        <a:font script="Viet" typeface="Times New Roman"/>
+        <a:font script="Uigh" typeface="Microsoft Uighur"/>
+        <a:font script="Geor" typeface="Sylfaen"/>
+      </a:majorFont>
+      <a:minorFont>
+        <a:latin typeface="Calibri" panose="020F0502020204030204"/>
+        <a:ea typeface=""/>
+        <a:cs typeface=""/>
+        <a:font script="Jpan" typeface="Yu Gothic"/>
+        <a:font script="Hang" typeface="맑은 고딕"/>
+        <a:font script="Hans" typeface="DengXian"/>
+        <a:font script="Hant" typeface="新細明體"/>
+        <a:font script="Arab" typeface="Arial"/>
+        <a:font script="Hebr" typeface="Arial"/>
+        <a:font script="Thai" typeface="Cordia New"/>
+        <a:font script="Ethi" typeface="Nyala"/>
+        <a:font script="Beng" typeface="Vrinda"/>
+        <a:font script="Gujr" typeface="Shruti"/>
+        <a:font script="Khmr" typeface="DaunPenh"/>
+        <a:font script="Knda" typeface="Tunga"/>
+        <a:font script="Guru" typeface="Raavi"/>
+        <a:font script="Cans" typeface="Euphemia"/>
+        <a:font script="Cher" typeface="Plantagenet Cherokee"/>
+        <a:font script="Yiii" typeface="Microsoft Yi Baiti"/>
+        <a:font script="Tibt" typeface="Microsoft Himalaya"/>
+        <a:font script="Thaa" typeface="MV Boli"/>
+        <a:font script="Deva" typeface="Mangal"/>
+        <a:font script="Telu" typeface="Gautami"/>
+        <a:font script="Taml" typeface="Latha"/>
+        <a:font script="Syrc" typeface="Estrangelo Edessa"/>
+        <a:font script="Orya" typeface="Kalinga"/>
+        <a:font script="Mlym" typeface="Kartika"/>
+        <a:font script="Laoo" typeface="DokChampa"/>
+        <a:font script="Sinh" typeface="Iskoola Pota"/>
+        <a:font script="Mong" typeface="Mongolian Baiti"/>
+        <a:font script="Viet" typeface="Arial"/>
+        <a:font script="Uigh" typeface="Microsoft Uighur"/>
+        <a:font script="Geor" typeface="Sylfaen"/>
+      </a:minorFont>
+    </a:fontScheme>
+    <a:fmtScheme name="Office">
+      <a:fillStyleLst>
+        <a:solidFill>
+          <a:schemeClr val="phClr"/>
+        </a:solidFill>
+        <a:gradFill rotWithShape="1">
+          <a:gsLst>
+            <a:gs pos="0">
+              <a:schemeClr val="phClr">
+                <a:lumMod val="110000"/>
+                <a:satMod val="105000"/>
+                <a:tint val="67000"/>
+              </a:schemeClr>
+            </a:gs>
+            <a:gs pos="50000">
+              <a:schemeClr val="phClr">
+                <a:lumMod val="105000"/>
+                <a:satMod val="103000"/>
+                <a:tint val="73000"/>
+              </a:schemeClr>
+            </a:gs>
+            <a:gs pos="100000">
+              <a:schemeClr val="phClr">
+                <a:lumMod val="105000"/>
+                <a:satMod val="109000"/>
+                <a:tint val="81000"/>
+              </a:schemeClr>
+            </a:gs>
+          </a:gsLst>
+          <a:lin ang="5400000" scaled="0"/>
+        </a:gradFill>
+        <a:gradFill rotWithShape="1">
+          <a:gsLst>
+            <a:gs pos="0">
+              <a:schemeClr val="phClr">
+                <a:satMod val="103000"/>
+                <a:lumMod val="102000"/>
+                <a:tint val="94000"/>
+              </a:schemeClr>
+            </a:gs>
+            <a:gs pos="50000">
+              <a:schemeClr val="phClr">
+                <a:satMod val="110000"/>
+                <a:lumMod val="100000"/>
+                <a:shade val="100000"/>
+              </a:schemeClr>
+            </a:gs>
+            <a:gs pos="100000">
+              <a:schemeClr val="phClr">
+                <a:lumMod val="99000"/>
+                <a:satMod val="120000"/>
+                <a:shade val="78000"/>
+              </a:schemeClr>
+            </a:gs>
+          </a:gsLst>
+          <a:lin ang="5400000" scaled="0"/>
+        </a:gradFill>
+      </a:fillStyleLst>
+      <a:lnStyleLst>
+        <a:ln w="6350" cap="flat" cmpd="sng" algn="ctr">
+          <a:solidFill>
+            <a:schemeClr val="phClr"/>
+          </a:solidFill>
+          <a:prstDash val="solid"/>
+          <a:miter lim="800000"/>
+        </a:ln>
+        <a:ln w="12700" cap="flat" cmpd="sng" algn="ctr">
+          <a:solidFill>
+            <a:schemeClr val="phClr"/>
+          </a:solidFill>
+          <a:prstDash val="solid"/>
+          <a:miter lim="800000"/>
+        </a:ln>
+        <a:ln w="19050" cap="flat" cmpd="sng" algn="ctr">
+          <a:solidFill>
+            <a:schemeClr val="phClr"/>
+          </a:solidFill>
+          <a:prstDash val="solid"/>
+          <a:miter lim="800000"/>
+        </a:ln>
+      </a:lnStyleLst>
+      <a:effectStyleLst>
+        <a:effectStyle>
+          <a:effectLst/>
+        </a:effectStyle>
+        <a:effectStyle>
+          <a:effectLst/>
+        </a:effectStyle>
+        <a:effectStyle>
+          <a:effectLst>
+            <a:outerShdw blurRad="57150" dist="19050" dir="5400000" algn="ctr" rotWithShape="0">
+              <a:srgbClr val="000000">
+                <a:alpha val="63000"/>
+              </a:srgbClr>
+            </a:outerShdw>
+          </a:effectLst>
+        </a:effectStyle>
+      </a:effectStyleLst>
+      <a:bgFillStyleLst>
+        <a:solidFill>
+          <a:schemeClr val="phClr"/>
+        </a:solidFill>
+        <a:solidFill>
+          <a:schemeClr val="phClr">
+            <a:tint val="95000"/>
+            <a:satMod val="170000"/>
+          </a:schemeClr>
+        </a:solidFill>
+        <a:gradFill rotWithShape="1">
+          <a:gsLst>
+            <a:gs pos="0">
+              <a:schemeClr val="phClr">
+                <a:tint val="93000"/>
+                <a:satMod val="150000"/>
+                <a:shade val="98000"/>
+                <a:lumMod val="102000"/>
+              </a:schemeClr>
+            </a:gs>
+            <a:gs pos="50000">
+              <a:schemeClr val="phClr">
+                <a:tint val="98000"/>
+                <a:satMod val="130000"/>
+                <a:shade val="90000"/>
+                <a:lumMod val="103000"/>
+              </a:schemeClr>
+            </a:gs>
+            <a:gs pos="100000">
+              <a:schemeClr val="phClr">
+                <a:shade val="63000"/>
+                <a:satMod val="120000"/>
+              </a:schemeClr>
+            </a:gs>
+          </a:gsLst>
+          <a:lin ang="5400000" scaled="0"/>
+        </a:gradFill>
+      </a:bgFillStyleLst>
+    </a:fmtScheme>
+  </a:themeElements>
+  <a:objectDefaults/>
+  <a:extraClrSchemeLst/>
+  <a:extLst>
+    <a:ext uri="{05A4C25C-085E-4340-85A3-A5531E510DB2}">
+      <thm15:themeFamily xmlns:thm15="http://schemas.microsoft.com/office/thememl/2012/main" name="Office Theme" id="{62F939B6-93AF-4DB8-9C6B-D6C7DFDC589F}" vid="{4A3C46E8-61CC-4603-A589-7422A47A8E4A}"/>
+    </a:ext>
+  </a:extLst>
+</a:theme>
 </file>
--- a/Presentation/CSGHackathon.pptx
+++ b/Presentation/CSGHackathon.pptx
@@ -258,11 +258,11 @@
         </c:dLbls>
         <c:gapWidth val="219"/>
         <c:overlap val="-27"/>
-        <c:axId val="-1057688848"/>
-        <c:axId val="-935030928"/>
+        <c:axId val="-594875264"/>
+        <c:axId val="-594872944"/>
       </c:barChart>
       <c:catAx>
-        <c:axId val="-1057688848"/>
+        <c:axId val="-594875264"/>
         <c:scaling>
           <c:orientation val="minMax"/>
         </c:scaling>
@@ -305,7 +305,7 @@
             <a:endParaRPr lang="en-US"/>
           </a:p>
         </c:txPr>
-        <c:crossAx val="-935030928"/>
+        <c:crossAx val="-594872944"/>
         <c:crosses val="autoZero"/>
         <c:auto val="1"/>
         <c:lblAlgn val="ctr"/>
@@ -313,7 +313,7 @@
         <c:noMultiLvlLbl val="0"/>
       </c:catAx>
       <c:valAx>
-        <c:axId val="-935030928"/>
+        <c:axId val="-594872944"/>
         <c:scaling>
           <c:orientation val="minMax"/>
         </c:scaling>
@@ -364,7 +364,7 @@
             <a:endParaRPr lang="en-US"/>
           </a:p>
         </c:txPr>
-        <c:crossAx val="-1057688848"/>
+        <c:crossAx val="-594875264"/>
         <c:crosses val="autoZero"/>
         <c:crossBetween val="between"/>
       </c:valAx>
@@ -1470,7 +1470,15 @@
             </a:r>
             <a:r>
               <a:rPr lang="en-US" baseline="0" dirty="0" smtClean="0"/>
-              <a:t> first is our </a:t>
+              <a:t> </a:t>
+            </a:r>
+            <a:r>
+              <a:rPr lang="en-US" baseline="0" dirty="0" smtClean="0"/>
+              <a:t>first </a:t>
+            </a:r>
+            <a:r>
+              <a:rPr lang="en-US" baseline="0" dirty="0" smtClean="0"/>
+              <a:t>our </a:t>
             </a:r>
             <a:r>
               <a:rPr lang="en-US" baseline="0" dirty="0" err="1" smtClean="0"/>
@@ -1486,7 +1494,15 @@
             </a:r>
             <a:r>
               <a:rPr lang="en-US" baseline="0" dirty="0" smtClean="0"/>
-              <a:t> the way that they want to reach us. We offer them the flexibility and we make what was once a very informal relationship into a much more personal relationship. This includes not only an easy to use platform for customers to find all of the support resources they need quickly and in one efficient place but also an approach that very few companies have rolled out, that of the video conference with the support agent. Ultimately our goal is to foster a relationship between the customer and the support agent so that when the customer has problems in the future they come back to the agent that was so helpful before and whom they know will be as helpful once again increasing the customer’s perception of our company, our NPS, and ultimately our bottom line. We also tie in a plethora of other platforms, from the phone call, to instant messaging, to email.</a:t>
+              <a:t> </a:t>
+            </a:r>
+            <a:r>
+              <a:rPr lang="en-US" baseline="0" dirty="0" smtClean="0"/>
+              <a:t>in the </a:t>
+            </a:r>
+            <a:r>
+              <a:rPr lang="en-US" baseline="0" dirty="0" smtClean="0"/>
+              <a:t>way that they want to reach us. We offer them the flexibility and we make what was once a very informal relationship into a much more personal relationship. This includes not only an easy to use platform for customers to find all of the support resources they need quickly and in one efficient place but also an approach that very few companies have rolled out, that of the video conference with the support agent. Ultimately our goal is to foster a relationship between the customer and the support agent so that when the customer has problems in the future they come back to the agent that was so helpful before and whom they know will be as helpful once again increasing the customer’s perception of our company, our NPS, and ultimately our bottom line. We also tie in a plethora of other platforms, from the phone call, to instant messaging, to email.</a:t>
             </a:r>
             <a:endParaRPr lang="en-US" dirty="0"/>
           </a:p>
@@ -4612,20 +4628,17 @@
             </a:r>
             <a:r>
               <a:rPr lang="en-US" dirty="0"/>
-              <a:t>, </a:t>
-            </a:r>
-            <a:r>
-              <a:rPr lang="en-US" dirty="0"/>
-              <a:t>Matthew </a:t>
+              <a:t>, Matthew </a:t>
             </a:r>
             <a:r>
               <a:rPr lang="en-US" dirty="0" smtClean="0"/>
               <a:t>Meacham, Spencer </a:t>
             </a:r>
             <a:r>
-              <a:rPr lang="en-US" dirty="0"/>
-              <a:t>Nussrallah, </a:t>
-            </a:r>
+              <a:rPr lang="en-US" dirty="0" smtClean="0"/>
+              <a:t>Nussrallah </a:t>
+            </a:r>
+            <a:endParaRPr lang="en-US" dirty="0"/>
           </a:p>
         </p:txBody>
       </p:sp>
@@ -4639,6 +4652,13 @@
   <p:clrMapOvr>
     <a:masterClrMapping/>
   </p:clrMapOvr>
+  <p:timing>
+    <p:tnLst>
+      <p:par>
+        <p:cTn id="1" dur="indefinite" restart="never" nodeType="tmRoot"/>
+      </p:par>
+    </p:tnLst>
+  </p:timing>
 </p:sld>
 </file>
 
@@ -4717,6 +4737,13 @@
   <p:clrMapOvr>
     <a:masterClrMapping/>
   </p:clrMapOvr>
+  <p:timing>
+    <p:tnLst>
+      <p:par>
+        <p:cTn id="1" dur="indefinite" restart="never" nodeType="tmRoot"/>
+      </p:par>
+    </p:tnLst>
+  </p:timing>
 </p:sld>
 </file>
 
@@ -4872,6 +4899,13 @@
   <p:clrMapOvr>
     <a:masterClrMapping/>
   </p:clrMapOvr>
+  <p:timing>
+    <p:tnLst>
+      <p:par>
+        <p:cTn id="1" dur="indefinite" restart="never" nodeType="tmRoot"/>
+      </p:par>
+    </p:tnLst>
+  </p:timing>
 </p:sld>
 </file>
 
@@ -4973,6 +5007,13 @@
   <p:clrMapOvr>
     <a:masterClrMapping/>
   </p:clrMapOvr>
+  <p:timing>
+    <p:tnLst>
+      <p:par>
+        <p:cTn id="1" dur="indefinite" restart="never" nodeType="tmRoot"/>
+      </p:par>
+    </p:tnLst>
+  </p:timing>
 </p:sld>
 </file>
 
@@ -5114,6 +5155,13 @@
   <p:clrMapOvr>
     <a:masterClrMapping/>
   </p:clrMapOvr>
+  <p:timing>
+    <p:tnLst>
+      <p:par>
+        <p:cTn id="1" dur="indefinite" restart="never" nodeType="tmRoot"/>
+      </p:par>
+    </p:tnLst>
+  </p:timing>
 </p:sld>
 </file>
 
@@ -5203,6 +5251,13 @@
   <p:clrMapOvr>
     <a:masterClrMapping/>
   </p:clrMapOvr>
+  <p:timing>
+    <p:tnLst>
+      <p:par>
+        <p:cTn id="1" dur="indefinite" restart="never" nodeType="tmRoot"/>
+      </p:par>
+    </p:tnLst>
+  </p:timing>
 </p:sld>
 </file>
 
@@ -5313,6 +5368,13 @@
   <p:clrMapOvr>
     <a:masterClrMapping/>
   </p:clrMapOvr>
+  <p:timing>
+    <p:tnLst>
+      <p:par>
+        <p:cTn id="1" dur="indefinite" restart="never" nodeType="tmRoot"/>
+      </p:par>
+    </p:tnLst>
+  </p:timing>
 </p:sld>
 </file>
 

--- a/Presentation/CSGHackathon.pptx
+++ b/Presentation/CSGHackathon.pptx
@@ -5,16 +5,17 @@
     <p:sldMasterId id="2147483648" r:id="rId1"/>
   </p:sldMasterIdLst>
   <p:notesMasterIdLst>
-    <p:notesMasterId r:id="rId9"/>
+    <p:notesMasterId r:id="rId10"/>
   </p:notesMasterIdLst>
   <p:sldIdLst>
     <p:sldId id="256" r:id="rId2"/>
-    <p:sldId id="257" r:id="rId3"/>
-    <p:sldId id="259" r:id="rId4"/>
-    <p:sldId id="258" r:id="rId5"/>
-    <p:sldId id="260" r:id="rId6"/>
-    <p:sldId id="261" r:id="rId7"/>
-    <p:sldId id="262" r:id="rId8"/>
+    <p:sldId id="263" r:id="rId3"/>
+    <p:sldId id="264" r:id="rId4"/>
+    <p:sldId id="265" r:id="rId5"/>
+    <p:sldId id="267" r:id="rId6"/>
+    <p:sldId id="268" r:id="rId7"/>
+    <p:sldId id="266" r:id="rId8"/>
+    <p:sldId id="269" r:id="rId9"/>
   </p:sldIdLst>
   <p:sldSz cx="12192000" cy="6858000"/>
   <p:notesSz cx="6858000" cy="9144000"/>
@@ -121,863 +122,6 @@
 </p:presentation>
 </file>
 
-<file path=ppt/charts/chart1.xml><?xml version="1.0" encoding="utf-8"?>
-<c:chartSpace xmlns:c="http://schemas.openxmlformats.org/drawingml/2006/chart" xmlns:a="http://schemas.openxmlformats.org/drawingml/2006/main" xmlns:r="http://schemas.openxmlformats.org/officeDocument/2006/relationships">
-  <c:date1904 val="0"/>
-  <c:lang val="en-US"/>
-  <c:roundedCorners val="0"/>
-  <mc:AlternateContent xmlns:mc="http://schemas.openxmlformats.org/markup-compatibility/2006">
-    <mc:Choice xmlns:c14="http://schemas.microsoft.com/office/drawing/2007/8/2/chart" Requires="c14">
-      <c14:style val="102"/>
-    </mc:Choice>
-    <mc:Fallback>
-      <c:style val="2"/>
-    </mc:Fallback>
-  </mc:AlternateContent>
-  <c:chart>
-    <c:title>
-      <c:layout/>
-      <c:overlay val="0"/>
-      <c:spPr>
-        <a:noFill/>
-        <a:ln>
-          <a:noFill/>
-        </a:ln>
-        <a:effectLst/>
-      </c:spPr>
-      <c:txPr>
-        <a:bodyPr rot="0" spcFirstLastPara="1" vertOverflow="ellipsis" vert="horz" wrap="square" anchor="ctr" anchorCtr="1"/>
-        <a:lstStyle/>
-        <a:p>
-          <a:pPr>
-            <a:defRPr sz="1862" b="0" i="0" u="none" strike="noStrike" kern="1200" spc="0" baseline="0">
-              <a:solidFill>
-                <a:schemeClr val="tx1">
-                  <a:lumMod val="65000"/>
-                  <a:lumOff val="35000"/>
-                </a:schemeClr>
-              </a:solidFill>
-              <a:latin typeface="+mn-lt"/>
-              <a:ea typeface="+mn-ea"/>
-              <a:cs typeface="+mn-cs"/>
-            </a:defRPr>
-          </a:pPr>
-          <a:endParaRPr lang="en-US"/>
-        </a:p>
-      </c:txPr>
-    </c:title>
-    <c:autoTitleDeleted val="0"/>
-    <c:plotArea>
-      <c:layout>
-        <c:manualLayout>
-          <c:layoutTarget val="inner"/>
-          <c:xMode val="edge"/>
-          <c:yMode val="edge"/>
-          <c:x val="0.0401610939936856"/>
-          <c:y val="0.142225448815973"/>
-          <c:w val="0.944138422914527"/>
-          <c:h val="0.689454599941443"/>
-        </c:manualLayout>
-      </c:layout>
-      <c:barChart>
-        <c:barDir val="col"/>
-        <c:grouping val="clustered"/>
-        <c:varyColors val="0"/>
-        <c:ser>
-          <c:idx val="0"/>
-          <c:order val="0"/>
-          <c:tx>
-            <c:strRef>
-              <c:f>Sheet1!$B$1</c:f>
-              <c:strCache>
-                <c:ptCount val="1"/>
-                <c:pt idx="0">
-                  <c:v>Matt</c:v>
-                </c:pt>
-              </c:strCache>
-            </c:strRef>
-          </c:tx>
-          <c:spPr>
-            <a:solidFill>
-              <a:schemeClr val="accent1"/>
-            </a:solidFill>
-            <a:ln>
-              <a:noFill/>
-            </a:ln>
-            <a:effectLst/>
-          </c:spPr>
-          <c:invertIfNegative val="0"/>
-          <c:cat>
-            <c:strRef>
-              <c:f>Sheet1!$A$2:$A$4</c:f>
-              <c:strCache>
-                <c:ptCount val="3"/>
-                <c:pt idx="0">
-                  <c:v>Soda</c:v>
-                </c:pt>
-                <c:pt idx="1">
-                  <c:v>Coffee</c:v>
-                </c:pt>
-                <c:pt idx="2">
-                  <c:v>Red Bull</c:v>
-                </c:pt>
-              </c:strCache>
-            </c:strRef>
-          </c:cat>
-          <c:val>
-            <c:numRef>
-              <c:f>Sheet1!$B$2:$B$4</c:f>
-              <c:numCache>
-                <c:formatCode>General</c:formatCode>
-                <c:ptCount val="3"/>
-                <c:pt idx="0">
-                  <c:v>3.0</c:v>
-                </c:pt>
-                <c:pt idx="1">
-                  <c:v>2.0</c:v>
-                </c:pt>
-                <c:pt idx="2">
-                  <c:v>0.0</c:v>
-                </c:pt>
-              </c:numCache>
-            </c:numRef>
-          </c:val>
-          <c:extLst xmlns:c16r2="http://schemas.microsoft.com/office/drawing/2015/06/chart">
-            <c:ext xmlns:c16="http://schemas.microsoft.com/office/drawing/2014/chart" uri="{C3380CC4-5D6E-409C-BE32-E72D297353CC}">
-              <c16:uniqueId val="{00000000-6DBA-4943-8F95-FEBF319548DF}"/>
-            </c:ext>
-          </c:extLst>
-        </c:ser>
-        <c:dLbls>
-          <c:showLegendKey val="0"/>
-          <c:showVal val="0"/>
-          <c:showCatName val="0"/>
-          <c:showSerName val="0"/>
-          <c:showPercent val="0"/>
-          <c:showBubbleSize val="0"/>
-        </c:dLbls>
-        <c:gapWidth val="219"/>
-        <c:overlap val="-27"/>
-        <c:axId val="-594875264"/>
-        <c:axId val="-594872944"/>
-      </c:barChart>
-      <c:catAx>
-        <c:axId val="-594875264"/>
-        <c:scaling>
-          <c:orientation val="minMax"/>
-        </c:scaling>
-        <c:delete val="0"/>
-        <c:axPos val="b"/>
-        <c:numFmt formatCode="General" sourceLinked="1"/>
-        <c:majorTickMark val="none"/>
-        <c:minorTickMark val="none"/>
-        <c:tickLblPos val="nextTo"/>
-        <c:spPr>
-          <a:noFill/>
-          <a:ln w="9525" cap="flat" cmpd="sng" algn="ctr">
-            <a:solidFill>
-              <a:schemeClr val="tx1">
-                <a:lumMod val="15000"/>
-                <a:lumOff val="85000"/>
-              </a:schemeClr>
-            </a:solidFill>
-            <a:round/>
-          </a:ln>
-          <a:effectLst/>
-        </c:spPr>
-        <c:txPr>
-          <a:bodyPr rot="-60000000" spcFirstLastPara="1" vertOverflow="ellipsis" vert="horz" wrap="square" anchor="ctr" anchorCtr="1"/>
-          <a:lstStyle/>
-          <a:p>
-            <a:pPr>
-              <a:defRPr sz="1197" b="0" i="0" u="none" strike="noStrike" kern="1200" baseline="0">
-                <a:solidFill>
-                  <a:schemeClr val="tx1">
-                    <a:lumMod val="65000"/>
-                    <a:lumOff val="35000"/>
-                  </a:schemeClr>
-                </a:solidFill>
-                <a:latin typeface="+mn-lt"/>
-                <a:ea typeface="+mn-ea"/>
-                <a:cs typeface="+mn-cs"/>
-              </a:defRPr>
-            </a:pPr>
-            <a:endParaRPr lang="en-US"/>
-          </a:p>
-        </c:txPr>
-        <c:crossAx val="-594872944"/>
-        <c:crosses val="autoZero"/>
-        <c:auto val="1"/>
-        <c:lblAlgn val="ctr"/>
-        <c:lblOffset val="100"/>
-        <c:noMultiLvlLbl val="0"/>
-      </c:catAx>
-      <c:valAx>
-        <c:axId val="-594872944"/>
-        <c:scaling>
-          <c:orientation val="minMax"/>
-        </c:scaling>
-        <c:delete val="0"/>
-        <c:axPos val="l"/>
-        <c:majorGridlines>
-          <c:spPr>
-            <a:ln w="9525" cap="flat" cmpd="sng" algn="ctr">
-              <a:solidFill>
-                <a:schemeClr val="tx1">
-                  <a:lumMod val="15000"/>
-                  <a:lumOff val="85000"/>
-                </a:schemeClr>
-              </a:solidFill>
-              <a:round/>
-            </a:ln>
-            <a:effectLst/>
-          </c:spPr>
-        </c:majorGridlines>
-        <c:numFmt formatCode="General" sourceLinked="1"/>
-        <c:majorTickMark val="none"/>
-        <c:minorTickMark val="none"/>
-        <c:tickLblPos val="nextTo"/>
-        <c:spPr>
-          <a:noFill/>
-          <a:ln>
-            <a:noFill/>
-          </a:ln>
-          <a:effectLst/>
-        </c:spPr>
-        <c:txPr>
-          <a:bodyPr rot="-60000000" spcFirstLastPara="1" vertOverflow="ellipsis" vert="horz" wrap="square" anchor="ctr" anchorCtr="1"/>
-          <a:lstStyle/>
-          <a:p>
-            <a:pPr>
-              <a:defRPr sz="1197" b="0" i="0" u="none" strike="noStrike" kern="1200" baseline="0">
-                <a:solidFill>
-                  <a:schemeClr val="tx1">
-                    <a:lumMod val="65000"/>
-                    <a:lumOff val="35000"/>
-                  </a:schemeClr>
-                </a:solidFill>
-                <a:latin typeface="+mn-lt"/>
-                <a:ea typeface="+mn-ea"/>
-                <a:cs typeface="+mn-cs"/>
-              </a:defRPr>
-            </a:pPr>
-            <a:endParaRPr lang="en-US"/>
-          </a:p>
-        </c:txPr>
-        <c:crossAx val="-594875264"/>
-        <c:crosses val="autoZero"/>
-        <c:crossBetween val="between"/>
-      </c:valAx>
-      <c:spPr>
-        <a:noFill/>
-        <a:ln>
-          <a:noFill/>
-        </a:ln>
-        <a:effectLst/>
-      </c:spPr>
-    </c:plotArea>
-    <c:legend>
-      <c:legendPos val="b"/>
-      <c:layout/>
-      <c:overlay val="0"/>
-      <c:spPr>
-        <a:noFill/>
-        <a:ln>
-          <a:noFill/>
-        </a:ln>
-        <a:effectLst/>
-      </c:spPr>
-      <c:txPr>
-        <a:bodyPr rot="0" spcFirstLastPara="1" vertOverflow="ellipsis" vert="horz" wrap="square" anchor="ctr" anchorCtr="1"/>
-        <a:lstStyle/>
-        <a:p>
-          <a:pPr>
-            <a:defRPr sz="1197" b="0" i="0" u="none" strike="noStrike" kern="1200" baseline="0">
-              <a:solidFill>
-                <a:schemeClr val="tx1">
-                  <a:lumMod val="65000"/>
-                  <a:lumOff val="35000"/>
-                </a:schemeClr>
-              </a:solidFill>
-              <a:latin typeface="+mn-lt"/>
-              <a:ea typeface="+mn-ea"/>
-              <a:cs typeface="+mn-cs"/>
-            </a:defRPr>
-          </a:pPr>
-          <a:endParaRPr lang="en-US"/>
-        </a:p>
-      </c:txPr>
-    </c:legend>
-    <c:plotVisOnly val="1"/>
-    <c:dispBlanksAs val="gap"/>
-    <c:showDLblsOverMax val="0"/>
-  </c:chart>
-  <c:spPr>
-    <a:noFill/>
-    <a:ln>
-      <a:noFill/>
-    </a:ln>
-    <a:effectLst/>
-  </c:spPr>
-  <c:txPr>
-    <a:bodyPr/>
-    <a:lstStyle/>
-    <a:p>
-      <a:pPr>
-        <a:defRPr/>
-      </a:pPr>
-      <a:endParaRPr lang="en-US"/>
-    </a:p>
-  </c:txPr>
-  <c:externalData r:id="rId3">
-    <c:autoUpdate val="0"/>
-  </c:externalData>
-</c:chartSpace>
-</file>
-
-<file path=ppt/charts/colors1.xml><?xml version="1.0" encoding="utf-8"?>
-<cs:colorStyle xmlns:cs="http://schemas.microsoft.com/office/drawing/2012/chartStyle" xmlns:a="http://schemas.openxmlformats.org/drawingml/2006/main" meth="cycle" id="10">
-  <a:schemeClr val="accent1"/>
-  <a:schemeClr val="accent2"/>
-  <a:schemeClr val="accent3"/>
-  <a:schemeClr val="accent4"/>
-  <a:schemeClr val="accent5"/>
-  <a:schemeClr val="accent6"/>
-  <cs:variation/>
-  <cs:variation>
-    <a:lumMod val="60000"/>
-  </cs:variation>
-  <cs:variation>
-    <a:lumMod val="80000"/>
-    <a:lumOff val="20000"/>
-  </cs:variation>
-  <cs:variation>
-    <a:lumMod val="80000"/>
-  </cs:variation>
-  <cs:variation>
-    <a:lumMod val="60000"/>
-    <a:lumOff val="40000"/>
-  </cs:variation>
-  <cs:variation>
-    <a:lumMod val="50000"/>
-  </cs:variation>
-  <cs:variation>
-    <a:lumMod val="70000"/>
-    <a:lumOff val="30000"/>
-  </cs:variation>
-  <cs:variation>
-    <a:lumMod val="70000"/>
-  </cs:variation>
-  <cs:variation>
-    <a:lumMod val="50000"/>
-    <a:lumOff val="50000"/>
-  </cs:variation>
-</cs:colorStyle>
-</file>
-
-<file path=ppt/charts/style1.xml><?xml version="1.0" encoding="utf-8"?>
-<cs:chartStyle xmlns:cs="http://schemas.microsoft.com/office/drawing/2012/chartStyle" xmlns:a="http://schemas.openxmlformats.org/drawingml/2006/main" id="201">
-  <cs:axisTitle>
-    <cs:lnRef idx="0"/>
-    <cs:fillRef idx="0"/>
-    <cs:effectRef idx="0"/>
-    <cs:fontRef idx="minor">
-      <a:schemeClr val="tx1">
-        <a:lumMod val="65000"/>
-        <a:lumOff val="35000"/>
-      </a:schemeClr>
-    </cs:fontRef>
-    <cs:defRPr sz="1330" kern="1200"/>
-  </cs:axisTitle>
-  <cs:categoryAxis>
-    <cs:lnRef idx="0"/>
-    <cs:fillRef idx="0"/>
-    <cs:effectRef idx="0"/>
-    <cs:fontRef idx="minor">
-      <a:schemeClr val="tx1">
-        <a:lumMod val="65000"/>
-        <a:lumOff val="35000"/>
-      </a:schemeClr>
-    </cs:fontRef>
-    <cs:spPr>
-      <a:ln w="9525" cap="flat" cmpd="sng" algn="ctr">
-        <a:solidFill>
-          <a:schemeClr val="tx1">
-            <a:lumMod val="15000"/>
-            <a:lumOff val="85000"/>
-          </a:schemeClr>
-        </a:solidFill>
-        <a:round/>
-      </a:ln>
-    </cs:spPr>
-    <cs:defRPr sz="1197" kern="1200"/>
-  </cs:categoryAxis>
-  <cs:chartArea mods="allowNoFillOverride allowNoLineOverride">
-    <cs:lnRef idx="0"/>
-    <cs:fillRef idx="0"/>
-    <cs:effectRef idx="0"/>
-    <cs:fontRef idx="minor">
-      <a:schemeClr val="tx1"/>
-    </cs:fontRef>
-    <cs:spPr>
-      <a:solidFill>
-        <a:schemeClr val="bg1"/>
-      </a:solidFill>
-      <a:ln w="9525" cap="flat" cmpd="sng" algn="ctr">
-        <a:solidFill>
-          <a:schemeClr val="tx1">
-            <a:lumMod val="15000"/>
-            <a:lumOff val="85000"/>
-          </a:schemeClr>
-        </a:solidFill>
-        <a:round/>
-      </a:ln>
-    </cs:spPr>
-    <cs:defRPr sz="1330" kern="1200"/>
-  </cs:chartArea>
-  <cs:dataLabel>
-    <cs:lnRef idx="0"/>
-    <cs:fillRef idx="0"/>
-    <cs:effectRef idx="0"/>
-    <cs:fontRef idx="minor">
-      <a:schemeClr val="tx1">
-        <a:lumMod val="75000"/>
-        <a:lumOff val="25000"/>
-      </a:schemeClr>
-    </cs:fontRef>
-    <cs:defRPr sz="1197" kern="1200"/>
-  </cs:dataLabel>
-  <cs:dataLabelCallout>
-    <cs:lnRef idx="0"/>
-    <cs:fillRef idx="0"/>
-    <cs:effectRef idx="0"/>
-    <cs:fontRef idx="minor">
-      <a:schemeClr val="dk1">
-        <a:lumMod val="65000"/>
-        <a:lumOff val="35000"/>
-      </a:schemeClr>
-    </cs:fontRef>
-    <cs:spPr>
-      <a:solidFill>
-        <a:schemeClr val="lt1"/>
-      </a:solidFill>
-      <a:ln>
-        <a:solidFill>
-          <a:schemeClr val="dk1">
-            <a:lumMod val="25000"/>
-            <a:lumOff val="75000"/>
-          </a:schemeClr>
-        </a:solidFill>
-      </a:ln>
-    </cs:spPr>
-    <cs:defRPr sz="1197" kern="1200"/>
-    <cs:bodyPr rot="0" spcFirstLastPara="1" vertOverflow="clip" horzOverflow="clip" vert="horz" wrap="square" lIns="36576" tIns="18288" rIns="36576" bIns="18288" anchor="ctr" anchorCtr="1">
-      <a:spAutoFit/>
-    </cs:bodyPr>
-  </cs:dataLabelCallout>
-  <cs:dataPoint>
-    <cs:lnRef idx="0"/>
-    <cs:fillRef idx="1">
-      <cs:styleClr val="auto"/>
-    </cs:fillRef>
-    <cs:effectRef idx="0"/>
-    <cs:fontRef idx="minor">
-      <a:schemeClr val="tx1"/>
-    </cs:fontRef>
-  </cs:dataPoint>
-  <cs:dataPoint3D>
-    <cs:lnRef idx="0"/>
-    <cs:fillRef idx="1">
-      <cs:styleClr val="auto"/>
-    </cs:fillRef>
-    <cs:effectRef idx="0"/>
-    <cs:fontRef idx="minor">
-      <a:schemeClr val="tx1"/>
-    </cs:fontRef>
-  </cs:dataPoint3D>
-  <cs:dataPointLine>
-    <cs:lnRef idx="0">
-      <cs:styleClr val="auto"/>
-    </cs:lnRef>
-    <cs:fillRef idx="1"/>
-    <cs:effectRef idx="0"/>
-    <cs:fontRef idx="minor">
-      <a:schemeClr val="tx1"/>
-    </cs:fontRef>
-    <cs:spPr>
-      <a:ln w="28575" cap="rnd">
-        <a:solidFill>
-          <a:schemeClr val="phClr"/>
-        </a:solidFill>
-        <a:round/>
-      </a:ln>
-    </cs:spPr>
-  </cs:dataPointLine>
-  <cs:dataPointMarker>
-    <cs:lnRef idx="0">
-      <cs:styleClr val="auto"/>
-    </cs:lnRef>
-    <cs:fillRef idx="1">
-      <cs:styleClr val="auto"/>
-    </cs:fillRef>
-    <cs:effectRef idx="0"/>
-    <cs:fontRef idx="minor">
-      <a:schemeClr val="tx1"/>
-    </cs:fontRef>
-    <cs:spPr>
-      <a:ln w="9525">
-        <a:solidFill>
-          <a:schemeClr val="phClr"/>
-        </a:solidFill>
-      </a:ln>
-    </cs:spPr>
-  </cs:dataPointMarker>
-  <cs:dataPointMarkerLayout symbol="circle" size="5"/>
-  <cs:dataPointWireframe>
-    <cs:lnRef idx="0">
-      <cs:styleClr val="auto"/>
-    </cs:lnRef>
-    <cs:fillRef idx="1"/>
-    <cs:effectRef idx="0"/>
-    <cs:fontRef idx="minor">
-      <a:schemeClr val="tx1"/>
-    </cs:fontRef>
-    <cs:spPr>
-      <a:ln w="9525" cap="rnd">
-        <a:solidFill>
-          <a:schemeClr val="phClr"/>
-        </a:solidFill>
-        <a:round/>
-      </a:ln>
-    </cs:spPr>
-  </cs:dataPointWireframe>
-  <cs:dataTable>
-    <cs:lnRef idx="0"/>
-    <cs:fillRef idx="0"/>
-    <cs:effectRef idx="0"/>
-    <cs:fontRef idx="minor">
-      <a:schemeClr val="tx1">
-        <a:lumMod val="65000"/>
-        <a:lumOff val="35000"/>
-      </a:schemeClr>
-    </cs:fontRef>
-    <cs:spPr>
-      <a:noFill/>
-      <a:ln w="9525" cap="flat" cmpd="sng" algn="ctr">
-        <a:solidFill>
-          <a:schemeClr val="tx1">
-            <a:lumMod val="15000"/>
-            <a:lumOff val="85000"/>
-          </a:schemeClr>
-        </a:solidFill>
-        <a:round/>
-      </a:ln>
-    </cs:spPr>
-    <cs:defRPr sz="1197" kern="1200"/>
-  </cs:dataTable>
-  <cs:downBar>
-    <cs:lnRef idx="0"/>
-    <cs:fillRef idx="0"/>
-    <cs:effectRef idx="0"/>
-    <cs:fontRef idx="minor">
-      <a:schemeClr val="dk1"/>
-    </cs:fontRef>
-    <cs:spPr>
-      <a:solidFill>
-        <a:schemeClr val="dk1">
-          <a:lumMod val="65000"/>
-          <a:lumOff val="35000"/>
-        </a:schemeClr>
-      </a:solidFill>
-      <a:ln w="9525">
-        <a:solidFill>
-          <a:schemeClr val="tx1">
-            <a:lumMod val="65000"/>
-            <a:lumOff val="35000"/>
-          </a:schemeClr>
-        </a:solidFill>
-      </a:ln>
-    </cs:spPr>
-  </cs:downBar>
-  <cs:dropLine>
-    <cs:lnRef idx="0"/>
-    <cs:fillRef idx="0"/>
-    <cs:effectRef idx="0"/>
-    <cs:fontRef idx="minor">
-      <a:schemeClr val="tx1"/>
-    </cs:fontRef>
-    <cs:spPr>
-      <a:ln w="9525" cap="flat" cmpd="sng" algn="ctr">
-        <a:solidFill>
-          <a:schemeClr val="tx1">
-            <a:lumMod val="35000"/>
-            <a:lumOff val="65000"/>
-          </a:schemeClr>
-        </a:solidFill>
-        <a:round/>
-      </a:ln>
-    </cs:spPr>
-  </cs:dropLine>
-  <cs:errorBar>
-    <cs:lnRef idx="0"/>
-    <cs:fillRef idx="0"/>
-    <cs:effectRef idx="0"/>
-    <cs:fontRef idx="minor">
-      <a:schemeClr val="tx1"/>
-    </cs:fontRef>
-    <cs:spPr>
-      <a:ln w="9525" cap="flat" cmpd="sng" algn="ctr">
-        <a:solidFill>
-          <a:schemeClr val="tx1">
-            <a:lumMod val="65000"/>
-            <a:lumOff val="35000"/>
-          </a:schemeClr>
-        </a:solidFill>
-        <a:round/>
-      </a:ln>
-    </cs:spPr>
-  </cs:errorBar>
-  <cs:floor>
-    <cs:lnRef idx="0"/>
-    <cs:fillRef idx="0"/>
-    <cs:effectRef idx="0"/>
-    <cs:fontRef idx="minor">
-      <a:schemeClr val="tx1"/>
-    </cs:fontRef>
-    <cs:spPr>
-      <a:noFill/>
-      <a:ln>
-        <a:noFill/>
-      </a:ln>
-    </cs:spPr>
-  </cs:floor>
-  <cs:gridlineMajor>
-    <cs:lnRef idx="0"/>
-    <cs:fillRef idx="0"/>
-    <cs:effectRef idx="0"/>
-    <cs:fontRef idx="minor">
-      <a:schemeClr val="tx1"/>
-    </cs:fontRef>
-    <cs:spPr>
-      <a:ln w="9525" cap="flat" cmpd="sng" algn="ctr">
-        <a:solidFill>
-          <a:schemeClr val="tx1">
-            <a:lumMod val="15000"/>
-            <a:lumOff val="85000"/>
-          </a:schemeClr>
-        </a:solidFill>
-        <a:round/>
-      </a:ln>
-    </cs:spPr>
-  </cs:gridlineMajor>
-  <cs:gridlineMinor>
-    <cs:lnRef idx="0"/>
-    <cs:fillRef idx="0"/>
-    <cs:effectRef idx="0"/>
-    <cs:fontRef idx="minor">
-      <a:schemeClr val="tx1"/>
-    </cs:fontRef>
-    <cs:spPr>
-      <a:ln w="9525" cap="flat" cmpd="sng" algn="ctr">
-        <a:solidFill>
-          <a:schemeClr val="tx1">
-            <a:lumMod val="5000"/>
-            <a:lumOff val="95000"/>
-          </a:schemeClr>
-        </a:solidFill>
-        <a:round/>
-      </a:ln>
-    </cs:spPr>
-  </cs:gridlineMinor>
-  <cs:hiLoLine>
-    <cs:lnRef idx="0"/>
-    <cs:fillRef idx="0"/>
-    <cs:effectRef idx="0"/>
-    <cs:fontRef idx="minor">
-      <a:schemeClr val="tx1"/>
-    </cs:fontRef>
-    <cs:spPr>
-      <a:ln w="9525" cap="flat" cmpd="sng" algn="ctr">
-        <a:solidFill>
-          <a:schemeClr val="tx1">
-            <a:lumMod val="75000"/>
-            <a:lumOff val="25000"/>
-          </a:schemeClr>
-        </a:solidFill>
-        <a:round/>
-      </a:ln>
-    </cs:spPr>
-  </cs:hiLoLine>
-  <cs:leaderLine>
-    <cs:lnRef idx="0"/>
-    <cs:fillRef idx="0"/>
-    <cs:effectRef idx="0"/>
-    <cs:fontRef idx="minor">
-      <a:schemeClr val="tx1"/>
-    </cs:fontRef>
-    <cs:spPr>
-      <a:ln w="9525" cap="flat" cmpd="sng" algn="ctr">
-        <a:solidFill>
-          <a:schemeClr val="tx1">
-            <a:lumMod val="35000"/>
-            <a:lumOff val="65000"/>
-          </a:schemeClr>
-        </a:solidFill>
-        <a:round/>
-      </a:ln>
-    </cs:spPr>
-  </cs:leaderLine>
-  <cs:legend>
-    <cs:lnRef idx="0"/>
-    <cs:fillRef idx="0"/>
-    <cs:effectRef idx="0"/>
-    <cs:fontRef idx="minor">
-      <a:schemeClr val="tx1">
-        <a:lumMod val="65000"/>
-        <a:lumOff val="35000"/>
-      </a:schemeClr>
-    </cs:fontRef>
-    <cs:defRPr sz="1197" kern="1200"/>
-  </cs:legend>
-  <cs:plotArea mods="allowNoFillOverride allowNoLineOverride">
-    <cs:lnRef idx="0"/>
-    <cs:fillRef idx="0"/>
-    <cs:effectRef idx="0"/>
-    <cs:fontRef idx="minor">
-      <a:schemeClr val="tx1"/>
-    </cs:fontRef>
-  </cs:plotArea>
-  <cs:plotArea3D mods="allowNoFillOverride allowNoLineOverride">
-    <cs:lnRef idx="0"/>
-    <cs:fillRef idx="0"/>
-    <cs:effectRef idx="0"/>
-    <cs:fontRef idx="minor">
-      <a:schemeClr val="tx1"/>
-    </cs:fontRef>
-  </cs:plotArea3D>
-  <cs:seriesAxis>
-    <cs:lnRef idx="0"/>
-    <cs:fillRef idx="0"/>
-    <cs:effectRef idx="0"/>
-    <cs:fontRef idx="minor">
-      <a:schemeClr val="tx1">
-        <a:lumMod val="65000"/>
-        <a:lumOff val="35000"/>
-      </a:schemeClr>
-    </cs:fontRef>
-    <cs:defRPr sz="1197" kern="1200"/>
-  </cs:seriesAxis>
-  <cs:seriesLine>
-    <cs:lnRef idx="0"/>
-    <cs:fillRef idx="0"/>
-    <cs:effectRef idx="0"/>
-    <cs:fontRef idx="minor">
-      <a:schemeClr val="tx1"/>
-    </cs:fontRef>
-    <cs:spPr>
-      <a:ln w="9525" cap="flat" cmpd="sng" algn="ctr">
-        <a:solidFill>
-          <a:schemeClr val="tx1">
-            <a:lumMod val="35000"/>
-            <a:lumOff val="65000"/>
-          </a:schemeClr>
-        </a:solidFill>
-        <a:round/>
-      </a:ln>
-    </cs:spPr>
-  </cs:seriesLine>
-  <cs:title>
-    <cs:lnRef idx="0"/>
-    <cs:fillRef idx="0"/>
-    <cs:effectRef idx="0"/>
-    <cs:fontRef idx="minor">
-      <a:schemeClr val="tx1">
-        <a:lumMod val="65000"/>
-        <a:lumOff val="35000"/>
-      </a:schemeClr>
-    </cs:fontRef>
-    <cs:defRPr sz="1862" b="0" kern="1200" spc="0" baseline="0"/>
-  </cs:title>
-  <cs:trendline>
-    <cs:lnRef idx="0">
-      <cs:styleClr val="auto"/>
-    </cs:lnRef>
-    <cs:fillRef idx="0"/>
-    <cs:effectRef idx="0"/>
-    <cs:fontRef idx="minor">
-      <a:schemeClr val="tx1"/>
-    </cs:fontRef>
-    <cs:spPr>
-      <a:ln w="19050" cap="rnd">
-        <a:solidFill>
-          <a:schemeClr val="phClr"/>
-        </a:solidFill>
-        <a:prstDash val="sysDot"/>
-      </a:ln>
-    </cs:spPr>
-  </cs:trendline>
-  <cs:trendlineLabel>
-    <cs:lnRef idx="0"/>
-    <cs:fillRef idx="0"/>
-    <cs:effectRef idx="0"/>
-    <cs:fontRef idx="minor">
-      <a:schemeClr val="tx1">
-        <a:lumMod val="65000"/>
-        <a:lumOff val="35000"/>
-      </a:schemeClr>
-    </cs:fontRef>
-    <cs:defRPr sz="1197" kern="1200"/>
-  </cs:trendlineLabel>
-  <cs:upBar>
-    <cs:lnRef idx="0"/>
-    <cs:fillRef idx="0"/>
-    <cs:effectRef idx="0"/>
-    <cs:fontRef idx="minor">
-      <a:schemeClr val="dk1"/>
-    </cs:fontRef>
-    <cs:spPr>
-      <a:solidFill>
-        <a:schemeClr val="lt1"/>
-      </a:solidFill>
-      <a:ln w="9525">
-        <a:solidFill>
-          <a:schemeClr val="tx1">
-            <a:lumMod val="15000"/>
-            <a:lumOff val="85000"/>
-          </a:schemeClr>
-        </a:solidFill>
-      </a:ln>
-    </cs:spPr>
-  </cs:upBar>
-  <cs:valueAxis>
-    <cs:lnRef idx="0"/>
-    <cs:fillRef idx="0"/>
-    <cs:effectRef idx="0"/>
-    <cs:fontRef idx="minor">
-      <a:schemeClr val="tx1">
-        <a:lumMod val="65000"/>
-        <a:lumOff val="35000"/>
-      </a:schemeClr>
-    </cs:fontRef>
-    <cs:defRPr sz="1197" kern="1200"/>
-  </cs:valueAxis>
-  <cs:wall>
-    <cs:lnRef idx="0"/>
-    <cs:fillRef idx="0"/>
-    <cs:effectRef idx="0"/>
-    <cs:fontRef idx="minor">
-      <a:schemeClr val="tx1"/>
-    </cs:fontRef>
-    <cs:spPr>
-      <a:noFill/>
-      <a:ln>
-        <a:noFill/>
-      </a:ln>
-    </cs:spPr>
-  </cs:wall>
-</cs:chartStyle>
-</file>
-
 <file path=ppt/notesMasters/notesMaster1.xml><?xml version="1.0" encoding="utf-8"?>
 <p:notesMaster xmlns:a="http://schemas.openxmlformats.org/drawingml/2006/main" xmlns:r="http://schemas.openxmlformats.org/officeDocument/2006/relationships" xmlns:p="http://schemas.openxmlformats.org/presentationml/2006/main">
   <p:cSld>
@@ -1060,7 +204,7 @@
           <a:p>
             <a:fld id="{09044230-448B-424B-9FBC-6986F83F592D}" type="datetimeFigureOut">
               <a:rPr lang="en-US" smtClean="0"/>
-              <a:t>2/18/17</a:t>
+              <a:t>2/18/2017</a:t>
             </a:fld>
             <a:endParaRPr lang="en-US"/>
           </a:p>
@@ -1124,38 +268,37 @@
           <a:p>
             <a:pPr lvl="0"/>
             <a:r>
-              <a:rPr lang="en-US" smtClean="0"/>
+              <a:rPr lang="en-US"/>
               <a:t>Click to edit Master text styles</a:t>
             </a:r>
           </a:p>
           <a:p>
             <a:pPr lvl="1"/>
             <a:r>
-              <a:rPr lang="en-US" smtClean="0"/>
+              <a:rPr lang="en-US"/>
               <a:t>Second level</a:t>
             </a:r>
           </a:p>
           <a:p>
             <a:pPr lvl="2"/>
             <a:r>
-              <a:rPr lang="en-US" smtClean="0"/>
+              <a:rPr lang="en-US"/>
               <a:t>Third level</a:t>
             </a:r>
           </a:p>
           <a:p>
             <a:pPr lvl="3"/>
             <a:r>
-              <a:rPr lang="en-US" smtClean="0"/>
+              <a:rPr lang="en-US"/>
               <a:t>Fourth level</a:t>
             </a:r>
           </a:p>
           <a:p>
             <a:pPr lvl="4"/>
             <a:r>
-              <a:rPr lang="en-US" smtClean="0"/>
+              <a:rPr lang="en-US"/>
               <a:t>Fifth level</a:t>
             </a:r>
-            <a:endParaRPr lang="en-US"/>
           </a:p>
         </p:txBody>
       </p:sp>
@@ -1372,14 +515,34 @@
           <a:bodyPr/>
           <a:lstStyle/>
           <a:p>
-            <a:r>
-              <a:rPr lang="en-US" dirty="0" smtClean="0"/>
+            <a:pPr marL="0" marR="0" lvl="0" indent="0" algn="l" defTabSz="914400" rtl="0" eaLnBrk="1" fontAlgn="auto" latinLnBrk="0" hangingPunct="1">
+              <a:lnSpc>
+                <a:spcPct val="100000"/>
+              </a:lnSpc>
+              <a:spcBef>
+                <a:spcPts val="0"/>
+              </a:spcBef>
+              <a:spcAft>
+                <a:spcPts val="0"/>
+              </a:spcAft>
+              <a:buClrTx/>
+              <a:buSzTx/>
+              <a:buFontTx/>
+              <a:buNone/>
+              <a:tabLst/>
+              <a:defRPr/>
+            </a:pPr>
+            <a:r>
+              <a:rPr lang="en-US" dirty="0"/>
               <a:t>Our</a:t>
             </a:r>
             <a:r>
-              <a:rPr lang="en-US" baseline="0" dirty="0" smtClean="0"/>
+              <a:rPr lang="en-US" baseline="0" dirty="0"/>
               <a:t> platform will help the industry transform from the past of the customer relationship consisting of the hostile billing relationship and move towards the future of become a more engaging customer engagement relationship. We plan to bring this about in three main ways</a:t>
             </a:r>
+            <a:endParaRPr lang="en-US" dirty="0"/>
+          </a:p>
+          <a:p>
             <a:endParaRPr lang="en-US" dirty="0"/>
           </a:p>
         </p:txBody>
@@ -1410,7 +573,7 @@
     </p:spTree>
     <p:extLst>
       <p:ext uri="{BB962C8B-B14F-4D97-AF65-F5344CB8AC3E}">
-        <p14:creationId xmlns:p14="http://schemas.microsoft.com/office/powerpoint/2010/main" val="406428601"/>
+        <p14:creationId xmlns:p14="http://schemas.microsoft.com/office/powerpoint/2010/main" val="4214423739"/>
       </p:ext>
     </p:extLst>
   </p:cSld>
@@ -1465,45 +628,24 @@
           <a:lstStyle/>
           <a:p>
             <a:r>
-              <a:rPr lang="en-US" dirty="0" smtClean="0"/>
+              <a:rPr lang="en-US" dirty="0"/>
               <a:t>The</a:t>
             </a:r>
             <a:r>
-              <a:rPr lang="en-US" baseline="0" dirty="0" smtClean="0"/>
-              <a:t> </a:t>
-            </a:r>
-            <a:r>
-              <a:rPr lang="en-US" baseline="0" dirty="0" smtClean="0"/>
-              <a:t>first </a:t>
-            </a:r>
-            <a:r>
-              <a:rPr lang="en-US" baseline="0" dirty="0" smtClean="0"/>
-              <a:t>our </a:t>
-            </a:r>
-            <a:r>
-              <a:rPr lang="en-US" baseline="0" dirty="0" err="1" smtClean="0"/>
-              <a:t>omnichannel</a:t>
-            </a:r>
-            <a:r>
-              <a:rPr lang="en-US" baseline="0" dirty="0" smtClean="0"/>
-              <a:t> approach. We will</a:t>
-            </a:r>
-            <a:r>
-              <a:rPr lang="en-US" dirty="0" smtClean="0"/>
+              <a:rPr lang="en-US" baseline="0" dirty="0"/>
+              <a:t> first our omnichannel approach. We will</a:t>
+            </a:r>
+            <a:r>
+              <a:rPr lang="en-US" dirty="0"/>
               <a:t> allow our customers to reach us</a:t>
             </a:r>
             <a:r>
-              <a:rPr lang="en-US" baseline="0" dirty="0" smtClean="0"/>
-              <a:t> </a:t>
-            </a:r>
-            <a:r>
-              <a:rPr lang="en-US" baseline="0" dirty="0" smtClean="0"/>
-              <a:t>in the </a:t>
-            </a:r>
-            <a:r>
-              <a:rPr lang="en-US" baseline="0" dirty="0" smtClean="0"/>
-              <a:t>way that they want to reach us. We offer them the flexibility and we make what was once a very informal relationship into a much more personal relationship. This includes not only an easy to use platform for customers to find all of the support resources they need quickly and in one efficient place but also an approach that very few companies have rolled out, that of the video conference with the support agent. Ultimately our goal is to foster a relationship between the customer and the support agent so that when the customer has problems in the future they come back to the agent that was so helpful before and whom they know will be as helpful once again increasing the customer’s perception of our company, our NPS, and ultimately our bottom line. We also tie in a plethora of other platforms, from the phone call, to instant messaging, to email.</a:t>
-            </a:r>
+              <a:rPr lang="en-US" baseline="0" dirty="0"/>
+              <a:t> in the way that they want to reach us. We offer them the flexibility and we make what was once a very informal relationship into a much more personal relationship. This includes not only an easy to use platform for customers to find all of the support resources they need quickly and in one efficient place but also an approach that very few companies have rolled out, that of the video conference with the support agent. Ultimately our goal is to foster a relationship between the customer and the support agent so that when the customer has problems in the future they come back to the agent that was so helpful before and whom they know will be as helpful once again increasing the customer’s perception of our company, our NPS, and ultimately our bottom line. We also tie in a plethora of other platforms, from the phone call, to instant messaging, to email.</a:t>
+            </a:r>
+            <a:endParaRPr lang="en-US" dirty="0"/>
+          </a:p>
+          <a:p>
             <a:endParaRPr lang="en-US" dirty="0"/>
           </a:p>
         </p:txBody>
@@ -1534,7 +676,7 @@
     </p:spTree>
     <p:extLst>
       <p:ext uri="{BB962C8B-B14F-4D97-AF65-F5344CB8AC3E}">
-        <p14:creationId xmlns:p14="http://schemas.microsoft.com/office/powerpoint/2010/main" val="161117767"/>
+        <p14:creationId xmlns:p14="http://schemas.microsoft.com/office/powerpoint/2010/main" val="744280766"/>
       </p:ext>
     </p:extLst>
   </p:cSld>
@@ -1589,20 +731,20 @@
           <a:lstStyle/>
           <a:p>
             <a:r>
-              <a:rPr lang="en-US" dirty="0" smtClean="0"/>
-              <a:t>Second</a:t>
-            </a:r>
-            <a:r>
-              <a:rPr lang="en-US" baseline="0" dirty="0" smtClean="0"/>
-              <a:t> w</a:t>
-            </a:r>
-            <a:r>
-              <a:rPr lang="en-US" dirty="0" smtClean="0"/>
-              <a:t>e</a:t>
-            </a:r>
-            <a:r>
-              <a:rPr lang="en-US" baseline="0" dirty="0" smtClean="0"/>
-              <a:t> recognize that the stronger the moral of our support team the better the service that they will provide to our customer. Therefore we will also incorporate a platform to motivate the support team and to enable them to have the best experience they can possibly have while working for our company. We do this through a badge earning system. Many of the badges that they are able to earn revolve around the video experience, the more videos you are able to make the bigger badges you unlock, the more people who view your videos the more recognition you get. Who doesn’t want to be the best at their job? We provide a measurable route to obtain this.</a:t>
+              <a:rPr lang="en-US" dirty="0"/>
+              <a:t>Finally</a:t>
+            </a:r>
+            <a:r>
+              <a:rPr lang="en-US" baseline="0" dirty="0"/>
+              <a:t> we have been disappointed in the number of tutorials that are out there by way of video. For class we can go online and find a plethora of information about the topic and many easy to use videos, however once you enter the real world quality seems to drop.</a:t>
+            </a:r>
+            <a:r>
+              <a:rPr lang="en-US" dirty="0"/>
+              <a:t> we</a:t>
+            </a:r>
+            <a:r>
+              <a:rPr lang="en-US" baseline="0" dirty="0"/>
+              <a:t> recognize that many of our customers will have the same problems and in an effort to search for efficiencies our agents will host live sessions where they will not only train the viewers in the topic of the session, but also will be ready to answer questions as they arise. After these sessions have been streamed they will be made available on the support team website ready whoever needs to view them in the future.</a:t>
             </a:r>
             <a:endParaRPr lang="en-US" dirty="0"/>
           </a:p>
@@ -1634,7 +776,7 @@
     </p:spTree>
     <p:extLst>
       <p:ext uri="{BB962C8B-B14F-4D97-AF65-F5344CB8AC3E}">
-        <p14:creationId xmlns:p14="http://schemas.microsoft.com/office/powerpoint/2010/main" val="1806585414"/>
+        <p14:creationId xmlns:p14="http://schemas.microsoft.com/office/powerpoint/2010/main" val="1393868729"/>
       </p:ext>
     </p:extLst>
   </p:cSld>
@@ -1689,19 +831,19 @@
           <a:lstStyle/>
           <a:p>
             <a:r>
-              <a:rPr lang="en-US" dirty="0" smtClean="0"/>
+              <a:rPr lang="en-US" dirty="0"/>
               <a:t>Finally</a:t>
             </a:r>
             <a:r>
-              <a:rPr lang="en-US" baseline="0" dirty="0" smtClean="0"/>
+              <a:rPr lang="en-US" baseline="0" dirty="0"/>
               <a:t> we have been disappointed in the number of tutorials that are out there by way of video. For class we can go online and find a plethora of information about the topic and many easy to use videos, however once you enter the real world quality seems to drop.</a:t>
             </a:r>
             <a:r>
-              <a:rPr lang="en-US" dirty="0" smtClean="0"/>
+              <a:rPr lang="en-US" dirty="0"/>
               <a:t> we</a:t>
             </a:r>
             <a:r>
-              <a:rPr lang="en-US" baseline="0" dirty="0" smtClean="0"/>
+              <a:rPr lang="en-US" baseline="0" dirty="0"/>
               <a:t> recognize that many of our customers will have the same problems and in an effort to search for efficiencies our agents will host live sessions where they will not only train the viewers in the topic of the session, but also will be ready to answer questions as they arise. After these sessions have been streamed they will be made available on the support team website ready whoever needs to view them in the future.</a:t>
             </a:r>
             <a:endParaRPr lang="en-US" dirty="0"/>
@@ -1734,7 +876,191 @@
     </p:spTree>
     <p:extLst>
       <p:ext uri="{BB962C8B-B14F-4D97-AF65-F5344CB8AC3E}">
-        <p14:creationId xmlns:p14="http://schemas.microsoft.com/office/powerpoint/2010/main" val="1198666546"/>
+        <p14:creationId xmlns:p14="http://schemas.microsoft.com/office/powerpoint/2010/main" val="1099368748"/>
+      </p:ext>
+    </p:extLst>
+  </p:cSld>
+  <p:clrMapOvr>
+    <a:masterClrMapping/>
+  </p:clrMapOvr>
+</p:notes>
+</file>
+
+<file path=ppt/notesSlides/notesSlide5.xml><?xml version="1.0" encoding="utf-8"?>
+<p:notes xmlns:a="http://schemas.openxmlformats.org/drawingml/2006/main" xmlns:r="http://schemas.openxmlformats.org/officeDocument/2006/relationships" xmlns:p="http://schemas.openxmlformats.org/presentationml/2006/main">
+  <p:cSld>
+    <p:spTree>
+      <p:nvGrpSpPr>
+        <p:cNvPr id="1" name=""/>
+        <p:cNvGrpSpPr/>
+        <p:nvPr/>
+      </p:nvGrpSpPr>
+      <p:grpSpPr>
+        <a:xfrm>
+          <a:off x="0" y="0"/>
+          <a:ext cx="0" cy="0"/>
+          <a:chOff x="0" y="0"/>
+          <a:chExt cx="0" cy="0"/>
+        </a:xfrm>
+      </p:grpSpPr>
+      <p:sp>
+        <p:nvSpPr>
+          <p:cNvPr id="2" name="Slide Image Placeholder 1"/>
+          <p:cNvSpPr>
+            <a:spLocks noGrp="1" noRot="1" noChangeAspect="1"/>
+          </p:cNvSpPr>
+          <p:nvPr>
+            <p:ph type="sldImg"/>
+          </p:nvPr>
+        </p:nvSpPr>
+        <p:spPr/>
+      </p:sp>
+      <p:sp>
+        <p:nvSpPr>
+          <p:cNvPr id="3" name="Notes Placeholder 2"/>
+          <p:cNvSpPr>
+            <a:spLocks noGrp="1"/>
+          </p:cNvSpPr>
+          <p:nvPr>
+            <p:ph type="body" idx="1"/>
+          </p:nvPr>
+        </p:nvSpPr>
+        <p:spPr/>
+        <p:txBody>
+          <a:bodyPr/>
+          <a:lstStyle/>
+          <a:p>
+            <a:r>
+              <a:rPr lang="en-US" dirty="0"/>
+              <a:t>Second</a:t>
+            </a:r>
+            <a:r>
+              <a:rPr lang="en-US" baseline="0" dirty="0"/>
+              <a:t> w</a:t>
+            </a:r>
+            <a:r>
+              <a:rPr lang="en-US" dirty="0"/>
+              <a:t>e</a:t>
+            </a:r>
+            <a:r>
+              <a:rPr lang="en-US" baseline="0" dirty="0"/>
+              <a:t> recognize that the stronger the moral of our support team the better the service that they will provide to our customer. Therefore we will also incorporate a platform to motivate the support team and to enable them to have the best experience they can possibly have while working for our company. We do this through a badge earning system. Many of the badges that they are able to earn revolve around the video experience, the more videos you are able to make the bigger badges you unlock, the more people who view your videos the more recognition you get. Who doesn’t want to be the best at their job? We provide a measurable route to obtain this.</a:t>
+            </a:r>
+            <a:endParaRPr lang="en-US" dirty="0"/>
+          </a:p>
+        </p:txBody>
+      </p:sp>
+      <p:sp>
+        <p:nvSpPr>
+          <p:cNvPr id="4" name="Slide Number Placeholder 3"/>
+          <p:cNvSpPr>
+            <a:spLocks noGrp="1"/>
+          </p:cNvSpPr>
+          <p:nvPr>
+            <p:ph type="sldNum" sz="quarter" idx="10"/>
+          </p:nvPr>
+        </p:nvSpPr>
+        <p:spPr/>
+        <p:txBody>
+          <a:bodyPr/>
+          <a:lstStyle/>
+          <a:p>
+            <a:fld id="{1CD89728-F500-124C-89B1-3497A931BF0D}" type="slidenum">
+              <a:rPr lang="en-US" smtClean="0"/>
+              <a:t>7</a:t>
+            </a:fld>
+            <a:endParaRPr lang="en-US"/>
+          </a:p>
+        </p:txBody>
+      </p:sp>
+    </p:spTree>
+    <p:extLst>
+      <p:ext uri="{BB962C8B-B14F-4D97-AF65-F5344CB8AC3E}">
+        <p14:creationId xmlns:p14="http://schemas.microsoft.com/office/powerpoint/2010/main" val="771089067"/>
+      </p:ext>
+    </p:extLst>
+  </p:cSld>
+  <p:clrMapOvr>
+    <a:masterClrMapping/>
+  </p:clrMapOvr>
+</p:notes>
+</file>
+
+<file path=ppt/notesSlides/notesSlide6.xml><?xml version="1.0" encoding="utf-8"?>
+<p:notes xmlns:a="http://schemas.openxmlformats.org/drawingml/2006/main" xmlns:r="http://schemas.openxmlformats.org/officeDocument/2006/relationships" xmlns:p="http://schemas.openxmlformats.org/presentationml/2006/main">
+  <p:cSld>
+    <p:spTree>
+      <p:nvGrpSpPr>
+        <p:cNvPr id="1" name=""/>
+        <p:cNvGrpSpPr/>
+        <p:nvPr/>
+      </p:nvGrpSpPr>
+      <p:grpSpPr>
+        <a:xfrm>
+          <a:off x="0" y="0"/>
+          <a:ext cx="0" cy="0"/>
+          <a:chOff x="0" y="0"/>
+          <a:chExt cx="0" cy="0"/>
+        </a:xfrm>
+      </p:grpSpPr>
+      <p:sp>
+        <p:nvSpPr>
+          <p:cNvPr id="2" name="Slide Image Placeholder 1"/>
+          <p:cNvSpPr>
+            <a:spLocks noGrp="1" noRot="1" noChangeAspect="1"/>
+          </p:cNvSpPr>
+          <p:nvPr>
+            <p:ph type="sldImg"/>
+          </p:nvPr>
+        </p:nvSpPr>
+        <p:spPr/>
+      </p:sp>
+      <p:sp>
+        <p:nvSpPr>
+          <p:cNvPr id="3" name="Notes Placeholder 2"/>
+          <p:cNvSpPr>
+            <a:spLocks noGrp="1"/>
+          </p:cNvSpPr>
+          <p:nvPr>
+            <p:ph type="body" idx="1"/>
+          </p:nvPr>
+        </p:nvSpPr>
+        <p:spPr/>
+        <p:txBody>
+          <a:bodyPr/>
+          <a:lstStyle/>
+          <a:p>
+            <a:endParaRPr lang="en-US" dirty="0"/>
+          </a:p>
+        </p:txBody>
+      </p:sp>
+      <p:sp>
+        <p:nvSpPr>
+          <p:cNvPr id="4" name="Slide Number Placeholder 3"/>
+          <p:cNvSpPr>
+            <a:spLocks noGrp="1"/>
+          </p:cNvSpPr>
+          <p:nvPr>
+            <p:ph type="sldNum" sz="quarter" idx="10"/>
+          </p:nvPr>
+        </p:nvSpPr>
+        <p:spPr/>
+        <p:txBody>
+          <a:bodyPr/>
+          <a:lstStyle/>
+          <a:p>
+            <a:fld id="{1CD89728-F500-124C-89B1-3497A931BF0D}" type="slidenum">
+              <a:rPr lang="en-US" smtClean="0"/>
+              <a:t>8</a:t>
+            </a:fld>
+            <a:endParaRPr lang="en-US"/>
+          </a:p>
+        </p:txBody>
+      </p:sp>
+    </p:spTree>
+    <p:extLst>
+      <p:ext uri="{BB962C8B-B14F-4D97-AF65-F5344CB8AC3E}">
+        <p14:creationId xmlns:p14="http://schemas.microsoft.com/office/powerpoint/2010/main" val="3544070611"/>
       </p:ext>
     </p:extLst>
   </p:cSld>
@@ -1873,7 +1199,7 @@
           <a:p>
             <a:fld id="{6A1D080F-7B83-441F-9CDD-78EF1E6746D4}" type="datetimeFigureOut">
               <a:rPr lang="en-US" smtClean="0"/>
-              <a:t>2/18/17</a:t>
+              <a:t>2/18/2017</a:t>
             </a:fld>
             <a:endParaRPr lang="en-US"/>
           </a:p>
@@ -2041,7 +1367,7 @@
           <a:p>
             <a:fld id="{6A1D080F-7B83-441F-9CDD-78EF1E6746D4}" type="datetimeFigureOut">
               <a:rPr lang="en-US" smtClean="0"/>
-              <a:t>2/18/17</a:t>
+              <a:t>2/18/2017</a:t>
             </a:fld>
             <a:endParaRPr lang="en-US"/>
           </a:p>
@@ -2219,7 +1545,7 @@
           <a:p>
             <a:fld id="{6A1D080F-7B83-441F-9CDD-78EF1E6746D4}" type="datetimeFigureOut">
               <a:rPr lang="en-US" smtClean="0"/>
-              <a:t>2/18/17</a:t>
+              <a:t>2/18/2017</a:t>
             </a:fld>
             <a:endParaRPr lang="en-US"/>
           </a:p>
@@ -2387,7 +1713,7 @@
           <a:p>
             <a:fld id="{6A1D080F-7B83-441F-9CDD-78EF1E6746D4}" type="datetimeFigureOut">
               <a:rPr lang="en-US" smtClean="0"/>
-              <a:t>2/18/17</a:t>
+              <a:t>2/18/2017</a:t>
             </a:fld>
             <a:endParaRPr lang="en-US"/>
           </a:p>
@@ -2632,7 +1958,7 @@
           <a:p>
             <a:fld id="{6A1D080F-7B83-441F-9CDD-78EF1E6746D4}" type="datetimeFigureOut">
               <a:rPr lang="en-US" smtClean="0"/>
-              <a:t>2/18/17</a:t>
+              <a:t>2/18/2017</a:t>
             </a:fld>
             <a:endParaRPr lang="en-US"/>
           </a:p>
@@ -2861,7 +2187,7 @@
           <a:p>
             <a:fld id="{6A1D080F-7B83-441F-9CDD-78EF1E6746D4}" type="datetimeFigureOut">
               <a:rPr lang="en-US" smtClean="0"/>
-              <a:t>2/18/17</a:t>
+              <a:t>2/18/2017</a:t>
             </a:fld>
             <a:endParaRPr lang="en-US"/>
           </a:p>
@@ -3225,7 +2551,7 @@
           <a:p>
             <a:fld id="{6A1D080F-7B83-441F-9CDD-78EF1E6746D4}" type="datetimeFigureOut">
               <a:rPr lang="en-US" smtClean="0"/>
-              <a:t>2/18/17</a:t>
+              <a:t>2/18/2017</a:t>
             </a:fld>
             <a:endParaRPr lang="en-US"/>
           </a:p>
@@ -3342,7 +2668,7 @@
           <a:p>
             <a:fld id="{6A1D080F-7B83-441F-9CDD-78EF1E6746D4}" type="datetimeFigureOut">
               <a:rPr lang="en-US" smtClean="0"/>
-              <a:t>2/18/17</a:t>
+              <a:t>2/18/2017</a:t>
             </a:fld>
             <a:endParaRPr lang="en-US"/>
           </a:p>
@@ -3437,7 +2763,7 @@
           <a:p>
             <a:fld id="{6A1D080F-7B83-441F-9CDD-78EF1E6746D4}" type="datetimeFigureOut">
               <a:rPr lang="en-US" smtClean="0"/>
-              <a:t>2/18/17</a:t>
+              <a:t>2/18/2017</a:t>
             </a:fld>
             <a:endParaRPr lang="en-US"/>
           </a:p>
@@ -3712,7 +3038,7 @@
           <a:p>
             <a:fld id="{6A1D080F-7B83-441F-9CDD-78EF1E6746D4}" type="datetimeFigureOut">
               <a:rPr lang="en-US" smtClean="0"/>
-              <a:t>2/18/17</a:t>
+              <a:t>2/18/2017</a:t>
             </a:fld>
             <a:endParaRPr lang="en-US"/>
           </a:p>
@@ -3964,7 +3290,7 @@
           <a:p>
             <a:fld id="{6A1D080F-7B83-441F-9CDD-78EF1E6746D4}" type="datetimeFigureOut">
               <a:rPr lang="en-US" smtClean="0"/>
-              <a:t>2/18/17</a:t>
+              <a:t>2/18/2017</a:t>
             </a:fld>
             <a:endParaRPr lang="en-US"/>
           </a:p>
@@ -4175,7 +3501,7 @@
           <a:p>
             <a:fld id="{6A1D080F-7B83-441F-9CDD-78EF1E6746D4}" type="datetimeFigureOut">
               <a:rPr lang="en-US" smtClean="0"/>
-              <a:t>2/18/17</a:t>
+              <a:t>2/18/2017</a:t>
             </a:fld>
             <a:endParaRPr lang="en-US"/>
           </a:p>
@@ -4582,6 +3908,54 @@
       </p:grpSpPr>
       <p:sp>
         <p:nvSpPr>
+          <p:cNvPr id="23" name="Rectangle 22"/>
+          <p:cNvSpPr/>
+          <p:nvPr/>
+        </p:nvSpPr>
+        <p:spPr>
+          <a:xfrm rot="954585">
+            <a:off x="-3640756" y="3465974"/>
+            <a:ext cx="15291295" cy="9725135"/>
+          </a:xfrm>
+          <a:prstGeom prst="rect">
+            <a:avLst/>
+          </a:prstGeom>
+          <a:solidFill>
+            <a:schemeClr val="bg2">
+              <a:lumMod val="90000"/>
+            </a:schemeClr>
+          </a:solidFill>
+          <a:ln>
+            <a:noFill/>
+          </a:ln>
+        </p:spPr>
+        <p:style>
+          <a:lnRef idx="2">
+            <a:schemeClr val="accent1">
+              <a:shade val="50000"/>
+            </a:schemeClr>
+          </a:lnRef>
+          <a:fillRef idx="1">
+            <a:schemeClr val="accent1"/>
+          </a:fillRef>
+          <a:effectRef idx="0">
+            <a:schemeClr val="accent1"/>
+          </a:effectRef>
+          <a:fontRef idx="minor">
+            <a:schemeClr val="lt1"/>
+          </a:fontRef>
+        </p:style>
+        <p:txBody>
+          <a:bodyPr rtlCol="0" anchor="ctr"/>
+          <a:lstStyle/>
+          <a:p>
+            <a:pPr algn="ctr"/>
+            <a:endParaRPr lang="en-US" sz="1200"/>
+          </a:p>
+        </p:txBody>
+      </p:sp>
+      <p:sp>
+        <p:nvSpPr>
           <p:cNvPr id="2" name="Title 1"/>
           <p:cNvSpPr>
             <a:spLocks noGrp="1"/>
@@ -4590,16 +3964,28 @@
             <p:ph type="ctrTitle"/>
           </p:nvPr>
         </p:nvSpPr>
-        <p:spPr/>
-        <p:txBody>
-          <a:bodyPr/>
-          <a:lstStyle/>
-          <a:p>
-            <a:r>
-              <a:rPr lang="en-US" dirty="0" err="1" smtClean="0"/>
-              <a:t>SupportPage</a:t>
-            </a:r>
-            <a:endParaRPr lang="en-US" dirty="0"/>
+        <p:spPr>
+          <a:xfrm>
+            <a:off x="1524000" y="1749402"/>
+            <a:ext cx="9144000" cy="914400"/>
+          </a:xfrm>
+          <a:noFill/>
+          <a:ln>
+            <a:noFill/>
+          </a:ln>
+        </p:spPr>
+        <p:txBody>
+          <a:bodyPr>
+            <a:normAutofit/>
+          </a:bodyPr>
+          <a:lstStyle/>
+          <a:p>
+            <a:r>
+              <a:rPr lang="en-US" sz="4000" dirty="0">
+                <a:latin typeface="Work Sans ExtraLight" panose="00000300000000000000" pitchFamily="2" charset="0"/>
+              </a:rPr>
+              <a:t>CSG International</a:t>
+            </a:r>
           </a:p>
         </p:txBody>
       </p:sp>
@@ -4613,35 +3999,324 @@
             <p:ph type="subTitle" idx="1"/>
           </p:nvPr>
         </p:nvSpPr>
-        <p:spPr/>
-        <p:txBody>
-          <a:bodyPr/>
-          <a:lstStyle/>
-          <a:p>
-            <a:r>
-              <a:rPr lang="en-US" dirty="0"/>
-              <a:t>Jake </a:t>
-            </a:r>
-            <a:r>
-              <a:rPr lang="en-US" dirty="0" err="1"/>
-              <a:t>Koperski</a:t>
-            </a:r>
-            <a:r>
-              <a:rPr lang="en-US" dirty="0"/>
-              <a:t>, Matthew </a:t>
-            </a:r>
-            <a:r>
-              <a:rPr lang="en-US" dirty="0" smtClean="0"/>
-              <a:t>Meacham, Spencer </a:t>
-            </a:r>
-            <a:r>
-              <a:rPr lang="en-US" dirty="0" smtClean="0"/>
-              <a:t>Nussrallah </a:t>
-            </a:r>
-            <a:endParaRPr lang="en-US" dirty="0"/>
-          </a:p>
-        </p:txBody>
-      </p:sp>
+        <p:spPr>
+          <a:xfrm>
+            <a:off x="4246485" y="5191064"/>
+            <a:ext cx="3699030" cy="1655762"/>
+          </a:xfrm>
+        </p:spPr>
+        <p:txBody>
+          <a:bodyPr>
+            <a:normAutofit/>
+          </a:bodyPr>
+          <a:lstStyle/>
+          <a:p>
+            <a:r>
+              <a:rPr lang="en-US" sz="1800" dirty="0">
+                <a:latin typeface="Work Sans" panose="00000500000000000000" pitchFamily="2" charset="0"/>
+              </a:rPr>
+              <a:t>Jake Koperski</a:t>
+            </a:r>
+          </a:p>
+          <a:p>
+            <a:r>
+              <a:rPr lang="en-US" sz="1800" dirty="0">
+                <a:latin typeface="Work Sans" panose="00000500000000000000" pitchFamily="2" charset="0"/>
+              </a:rPr>
+              <a:t>Matthew Meacham</a:t>
+            </a:r>
+          </a:p>
+          <a:p>
+            <a:r>
+              <a:rPr lang="en-US" sz="1800" dirty="0">
+                <a:latin typeface="Work Sans" panose="00000500000000000000" pitchFamily="2" charset="0"/>
+              </a:rPr>
+              <a:t>Spencer Nussrallah </a:t>
+            </a:r>
+          </a:p>
+        </p:txBody>
+      </p:sp>
+      <p:sp>
+        <p:nvSpPr>
+          <p:cNvPr id="4" name="Title 1"/>
+          <p:cNvSpPr txBox="1">
+            <a:spLocks/>
+          </p:cNvSpPr>
+          <p:nvPr/>
+        </p:nvSpPr>
+        <p:spPr>
+          <a:xfrm>
+            <a:off x="1524000" y="2639966"/>
+            <a:ext cx="9144000" cy="962072"/>
+          </a:xfrm>
+          <a:prstGeom prst="rect">
+            <a:avLst/>
+          </a:prstGeom>
+          <a:noFill/>
+          <a:ln>
+            <a:noFill/>
+          </a:ln>
+        </p:spPr>
+        <p:txBody>
+          <a:bodyPr vert="horz" lIns="91440" tIns="45720" rIns="91440" bIns="45720" rtlCol="0" anchor="b">
+            <a:normAutofit/>
+          </a:bodyPr>
+          <a:lstStyle>
+            <a:lvl1pPr algn="ctr" defTabSz="914400" rtl="0" eaLnBrk="1" latinLnBrk="0" hangingPunct="1">
+              <a:lnSpc>
+                <a:spcPct val="90000"/>
+              </a:lnSpc>
+              <a:spcBef>
+                <a:spcPct val="0"/>
+              </a:spcBef>
+              <a:buNone/>
+              <a:defRPr sz="6000" kern="1200">
+                <a:solidFill>
+                  <a:schemeClr val="tx1"/>
+                </a:solidFill>
+                <a:latin typeface="+mj-lt"/>
+                <a:ea typeface="+mj-ea"/>
+                <a:cs typeface="+mj-cs"/>
+              </a:defRPr>
+            </a:lvl1pPr>
+          </a:lstStyle>
+          <a:p>
+            <a:r>
+              <a:rPr lang="en-US" dirty="0">
+                <a:latin typeface="Work Sans ExtraLight" panose="00000300000000000000" pitchFamily="2" charset="0"/>
+              </a:rPr>
+              <a:t>Hackathon 2017</a:t>
+            </a:r>
+          </a:p>
+        </p:txBody>
+      </p:sp>
+      <p:cxnSp>
+        <p:nvCxnSpPr>
+          <p:cNvPr id="6" name="Straight Connector 5"/>
+          <p:cNvCxnSpPr/>
+          <p:nvPr/>
+        </p:nvCxnSpPr>
+        <p:spPr>
+          <a:xfrm>
+            <a:off x="-159798" y="1749402"/>
+            <a:ext cx="3142695" cy="0"/>
+          </a:xfrm>
+          <a:prstGeom prst="line">
+            <a:avLst/>
+          </a:prstGeom>
+          <a:ln w="12700"/>
+        </p:spPr>
+        <p:style>
+          <a:lnRef idx="1">
+            <a:schemeClr val="dk1"/>
+          </a:lnRef>
+          <a:fillRef idx="0">
+            <a:schemeClr val="dk1"/>
+          </a:fillRef>
+          <a:effectRef idx="0">
+            <a:schemeClr val="dk1"/>
+          </a:effectRef>
+          <a:fontRef idx="minor">
+            <a:schemeClr val="tx1"/>
+          </a:fontRef>
+        </p:style>
+      </p:cxnSp>
+      <p:cxnSp>
+        <p:nvCxnSpPr>
+          <p:cNvPr id="10" name="Straight Connector 9"/>
+          <p:cNvCxnSpPr>
+            <a:cxnSpLocks/>
+          </p:cNvCxnSpPr>
+          <p:nvPr/>
+        </p:nvCxnSpPr>
+        <p:spPr>
+          <a:xfrm>
+            <a:off x="9206143" y="1728888"/>
+            <a:ext cx="0" cy="4822832"/>
+          </a:xfrm>
+          <a:prstGeom prst="line">
+            <a:avLst/>
+          </a:prstGeom>
+          <a:ln w="12700"/>
+        </p:spPr>
+        <p:style>
+          <a:lnRef idx="1">
+            <a:schemeClr val="dk1"/>
+          </a:lnRef>
+          <a:fillRef idx="0">
+            <a:schemeClr val="dk1"/>
+          </a:fillRef>
+          <a:effectRef idx="0">
+            <a:schemeClr val="dk1"/>
+          </a:effectRef>
+          <a:fontRef idx="minor">
+            <a:schemeClr val="tx1"/>
+          </a:fontRef>
+        </p:style>
+      </p:cxnSp>
+      <p:cxnSp>
+        <p:nvCxnSpPr>
+          <p:cNvPr id="11" name="Straight Connector 10"/>
+          <p:cNvCxnSpPr>
+            <a:cxnSpLocks/>
+          </p:cNvCxnSpPr>
+          <p:nvPr/>
+        </p:nvCxnSpPr>
+        <p:spPr>
+          <a:xfrm>
+            <a:off x="2993254" y="1350886"/>
+            <a:ext cx="0" cy="2504003"/>
+          </a:xfrm>
+          <a:prstGeom prst="line">
+            <a:avLst/>
+          </a:prstGeom>
+          <a:ln w="12700"/>
+        </p:spPr>
+        <p:style>
+          <a:lnRef idx="1">
+            <a:schemeClr val="dk1"/>
+          </a:lnRef>
+          <a:fillRef idx="0">
+            <a:schemeClr val="dk1"/>
+          </a:fillRef>
+          <a:effectRef idx="0">
+            <a:schemeClr val="dk1"/>
+          </a:effectRef>
+          <a:fontRef idx="minor">
+            <a:schemeClr val="tx1"/>
+          </a:fontRef>
+        </p:style>
+      </p:cxnSp>
+      <p:cxnSp>
+        <p:nvCxnSpPr>
+          <p:cNvPr id="12" name="Straight Connector 11"/>
+          <p:cNvCxnSpPr>
+            <a:cxnSpLocks/>
+          </p:cNvCxnSpPr>
+          <p:nvPr/>
+        </p:nvCxnSpPr>
+        <p:spPr>
+          <a:xfrm>
+            <a:off x="2583543" y="3648722"/>
+            <a:ext cx="908340" cy="0"/>
+          </a:xfrm>
+          <a:prstGeom prst="line">
+            <a:avLst/>
+          </a:prstGeom>
+          <a:ln w="12700"/>
+        </p:spPr>
+        <p:style>
+          <a:lnRef idx="1">
+            <a:schemeClr val="dk1"/>
+          </a:lnRef>
+          <a:fillRef idx="0">
+            <a:schemeClr val="dk1"/>
+          </a:fillRef>
+          <a:effectRef idx="0">
+            <a:schemeClr val="dk1"/>
+          </a:effectRef>
+          <a:fontRef idx="minor">
+            <a:schemeClr val="tx1"/>
+          </a:fontRef>
+        </p:style>
+      </p:cxnSp>
+      <p:cxnSp>
+        <p:nvCxnSpPr>
+          <p:cNvPr id="15" name="Straight Connector 14"/>
+          <p:cNvCxnSpPr>
+            <a:cxnSpLocks/>
+          </p:cNvCxnSpPr>
+          <p:nvPr/>
+        </p:nvCxnSpPr>
+        <p:spPr>
+          <a:xfrm>
+            <a:off x="2993254" y="1361744"/>
+            <a:ext cx="152400" cy="0"/>
+          </a:xfrm>
+          <a:prstGeom prst="line">
+            <a:avLst/>
+          </a:prstGeom>
+          <a:ln w="12700"/>
+        </p:spPr>
+        <p:style>
+          <a:lnRef idx="1">
+            <a:schemeClr val="dk1"/>
+          </a:lnRef>
+          <a:fillRef idx="0">
+            <a:schemeClr val="dk1"/>
+          </a:fillRef>
+          <a:effectRef idx="0">
+            <a:schemeClr val="dk1"/>
+          </a:effectRef>
+          <a:fontRef idx="minor">
+            <a:schemeClr val="tx1"/>
+          </a:fontRef>
+        </p:style>
+      </p:cxnSp>
+      <p:cxnSp>
+        <p:nvCxnSpPr>
+          <p:cNvPr id="19" name="Straight Connector 18"/>
+          <p:cNvCxnSpPr/>
+          <p:nvPr/>
+        </p:nvCxnSpPr>
+        <p:spPr>
+          <a:xfrm>
+            <a:off x="6063448" y="6551720"/>
+            <a:ext cx="3142695" cy="0"/>
+          </a:xfrm>
+          <a:prstGeom prst="line">
+            <a:avLst/>
+          </a:prstGeom>
+          <a:ln w="12700"/>
+        </p:spPr>
+        <p:style>
+          <a:lnRef idx="1">
+            <a:schemeClr val="dk1"/>
+          </a:lnRef>
+          <a:fillRef idx="0">
+            <a:schemeClr val="dk1"/>
+          </a:fillRef>
+          <a:effectRef idx="0">
+            <a:schemeClr val="dk1"/>
+          </a:effectRef>
+          <a:fontRef idx="minor">
+            <a:schemeClr val="tx1"/>
+          </a:fontRef>
+        </p:style>
+      </p:cxnSp>
+      <p:cxnSp>
+        <p:nvCxnSpPr>
+          <p:cNvPr id="20" name="Straight Connector 19"/>
+          <p:cNvCxnSpPr>
+            <a:cxnSpLocks/>
+          </p:cNvCxnSpPr>
+          <p:nvPr/>
+        </p:nvCxnSpPr>
+        <p:spPr>
+          <a:xfrm>
+            <a:off x="8868229" y="3854889"/>
+            <a:ext cx="3480609" cy="0"/>
+          </a:xfrm>
+          <a:prstGeom prst="line">
+            <a:avLst/>
+          </a:prstGeom>
+          <a:ln w="12700"/>
+        </p:spPr>
+        <p:style>
+          <a:lnRef idx="1">
+            <a:schemeClr val="dk1"/>
+          </a:lnRef>
+          <a:fillRef idx="0">
+            <a:schemeClr val="dk1"/>
+          </a:fillRef>
+          <a:effectRef idx="0">
+            <a:schemeClr val="dk1"/>
+          </a:effectRef>
+          <a:fontRef idx="minor">
+            <a:schemeClr val="tx1"/>
+          </a:fontRef>
+        </p:style>
+      </p:cxnSp>
     </p:spTree>
     <p:extLst>
       <p:ext uri="{BB962C8B-B14F-4D97-AF65-F5344CB8AC3E}">
@@ -4652,13 +4327,6 @@
   <p:clrMapOvr>
     <a:masterClrMapping/>
   </p:clrMapOvr>
-  <p:timing>
-    <p:tnLst>
-      <p:par>
-        <p:cTn id="1" dur="indefinite" restart="never" nodeType="tmRoot"/>
-      </p:par>
-    </p:tnLst>
-  </p:timing>
 </p:sld>
 </file>
 
@@ -4681,69 +4349,562 @@
       </p:grpSpPr>
       <p:sp>
         <p:nvSpPr>
-          <p:cNvPr id="2" name="Title 1"/>
-          <p:cNvSpPr>
-            <a:spLocks noGrp="1"/>
-          </p:cNvSpPr>
-          <p:nvPr>
-            <p:ph type="title"/>
-          </p:nvPr>
-        </p:nvSpPr>
-        <p:spPr/>
-        <p:txBody>
-          <a:bodyPr/>
+          <p:cNvPr id="23" name="Rectangle 22"/>
+          <p:cNvSpPr/>
+          <p:nvPr/>
+        </p:nvSpPr>
+        <p:spPr>
+          <a:xfrm rot="7731468">
+            <a:off x="-6131636" y="-4031935"/>
+            <a:ext cx="16657732" cy="7563070"/>
+          </a:xfrm>
+          <a:prstGeom prst="rect">
+            <a:avLst/>
+          </a:prstGeom>
+          <a:solidFill>
+            <a:schemeClr val="bg2">
+              <a:lumMod val="90000"/>
+            </a:schemeClr>
+          </a:solidFill>
+          <a:ln>
+            <a:noFill/>
+          </a:ln>
+        </p:spPr>
+        <p:style>
+          <a:lnRef idx="2">
+            <a:schemeClr val="accent1">
+              <a:shade val="50000"/>
+            </a:schemeClr>
+          </a:lnRef>
+          <a:fillRef idx="1">
+            <a:schemeClr val="accent1"/>
+          </a:fillRef>
+          <a:effectRef idx="0">
+            <a:schemeClr val="accent1"/>
+          </a:effectRef>
+          <a:fontRef idx="minor">
+            <a:schemeClr val="lt1"/>
+          </a:fontRef>
+        </p:style>
+        <p:txBody>
+          <a:bodyPr rtlCol="0" anchor="ctr"/>
           <a:lstStyle/>
           <a:p>
             <a:pPr algn="ctr"/>
-            <a:r>
-              <a:rPr lang="en-US" dirty="0"/>
-              <a:t>The Numbers</a:t>
-            </a:r>
-          </a:p>
-        </p:txBody>
-      </p:sp>
-      <p:graphicFrame>
-        <p:nvGraphicFramePr>
-          <p:cNvPr id="6" name="Content Placeholder 5"/>
-          <p:cNvGraphicFramePr>
-            <a:graphicFrameLocks noGrp="1"/>
-          </p:cNvGraphicFramePr>
-          <p:nvPr>
-            <p:ph idx="1"/>
-            <p:extLst>
-              <p:ext uri="{D42A27DB-BD31-4B8C-83A1-F6EECF244321}">
-                <p14:modId xmlns:p14="http://schemas.microsoft.com/office/powerpoint/2010/main" val="183124251"/>
-              </p:ext>
-            </p:extLst>
-          </p:nvPr>
-        </p:nvGraphicFramePr>
-        <p:xfrm>
-          <a:off x="838200" y="1825625"/>
-          <a:ext cx="10515600" cy="4351338"/>
-        </p:xfrm>
-        <a:graphic>
-          <a:graphicData uri="http://schemas.openxmlformats.org/drawingml/2006/chart">
-            <c:chart xmlns:c="http://schemas.openxmlformats.org/drawingml/2006/chart" xmlns:r="http://schemas.openxmlformats.org/officeDocument/2006/relationships" r:id="rId2"/>
-          </a:graphicData>
-        </a:graphic>
-      </p:graphicFrame>
+            <a:endParaRPr lang="en-US" sz="1200"/>
+          </a:p>
+        </p:txBody>
+      </p:sp>
+      <p:sp>
+        <p:nvSpPr>
+          <p:cNvPr id="17" name="Title 1"/>
+          <p:cNvSpPr txBox="1">
+            <a:spLocks/>
+          </p:cNvSpPr>
+          <p:nvPr/>
+        </p:nvSpPr>
+        <p:spPr>
+          <a:xfrm>
+            <a:off x="179110" y="5391035"/>
+            <a:ext cx="9426804" cy="1325563"/>
+          </a:xfrm>
+          <a:prstGeom prst="rect">
+            <a:avLst/>
+          </a:prstGeom>
+        </p:spPr>
+        <p:txBody>
+          <a:bodyPr vert="horz" lIns="91440" tIns="45720" rIns="91440" bIns="45720" rtlCol="0" anchor="b">
+            <a:normAutofit fontScale="92500"/>
+          </a:bodyPr>
+          <a:lstStyle>
+            <a:lvl1pPr algn="ctr" defTabSz="914400" rtl="0" eaLnBrk="1" latinLnBrk="0" hangingPunct="1">
+              <a:lnSpc>
+                <a:spcPct val="90000"/>
+              </a:lnSpc>
+              <a:spcBef>
+                <a:spcPct val="0"/>
+              </a:spcBef>
+              <a:buNone/>
+              <a:defRPr sz="6000" kern="1200">
+                <a:solidFill>
+                  <a:schemeClr val="tx1"/>
+                </a:solidFill>
+                <a:latin typeface="+mj-lt"/>
+                <a:ea typeface="+mj-ea"/>
+                <a:cs typeface="+mj-cs"/>
+              </a:defRPr>
+            </a:lvl1pPr>
+          </a:lstStyle>
+          <a:p>
+            <a:r>
+              <a:rPr lang="en-US" dirty="0">
+                <a:latin typeface="Work Sans Light" panose="00000400000000000000" pitchFamily="2" charset="0"/>
+              </a:rPr>
+              <a:t>Meacham by the numbers</a:t>
+            </a:r>
+          </a:p>
+        </p:txBody>
+      </p:sp>
+      <p:sp>
+        <p:nvSpPr>
+          <p:cNvPr id="14" name="Oval 13"/>
+          <p:cNvSpPr/>
+          <p:nvPr/>
+        </p:nvSpPr>
+        <p:spPr>
+          <a:xfrm>
+            <a:off x="8238736" y="260283"/>
+            <a:ext cx="3239520" cy="3239520"/>
+          </a:xfrm>
+          <a:prstGeom prst="ellipse">
+            <a:avLst/>
+          </a:prstGeom>
+          <a:solidFill>
+            <a:srgbClr val="D0CECE"/>
+          </a:solidFill>
+          <a:ln>
+            <a:noFill/>
+          </a:ln>
+        </p:spPr>
+        <p:style>
+          <a:lnRef idx="2">
+            <a:schemeClr val="accent1">
+              <a:shade val="50000"/>
+            </a:schemeClr>
+          </a:lnRef>
+          <a:fillRef idx="1">
+            <a:schemeClr val="accent1"/>
+          </a:fillRef>
+          <a:effectRef idx="0">
+            <a:schemeClr val="accent1"/>
+          </a:effectRef>
+          <a:fontRef idx="minor">
+            <a:schemeClr val="lt1"/>
+          </a:fontRef>
+        </p:style>
+        <p:txBody>
+          <a:bodyPr rtlCol="0" anchor="ctr"/>
+          <a:lstStyle/>
+          <a:p>
+            <a:pPr algn="ctr"/>
+            <a:endParaRPr lang="en-US"/>
+          </a:p>
+        </p:txBody>
+      </p:sp>
+      <p:sp>
+        <p:nvSpPr>
+          <p:cNvPr id="22" name="Oval 21"/>
+          <p:cNvSpPr/>
+          <p:nvPr/>
+        </p:nvSpPr>
+        <p:spPr>
+          <a:xfrm>
+            <a:off x="9402714" y="3935979"/>
+            <a:ext cx="2075542" cy="2075542"/>
+          </a:xfrm>
+          <a:prstGeom prst="ellipse">
+            <a:avLst/>
+          </a:prstGeom>
+          <a:solidFill>
+            <a:srgbClr val="D0CECE"/>
+          </a:solidFill>
+          <a:ln>
+            <a:noFill/>
+          </a:ln>
+        </p:spPr>
+        <p:style>
+          <a:lnRef idx="2">
+            <a:schemeClr val="accent1">
+              <a:shade val="50000"/>
+            </a:schemeClr>
+          </a:lnRef>
+          <a:fillRef idx="1">
+            <a:schemeClr val="accent1"/>
+          </a:fillRef>
+          <a:effectRef idx="0">
+            <a:schemeClr val="accent1"/>
+          </a:effectRef>
+          <a:fontRef idx="minor">
+            <a:schemeClr val="lt1"/>
+          </a:fontRef>
+        </p:style>
+        <p:txBody>
+          <a:bodyPr rtlCol="0" anchor="ctr"/>
+          <a:lstStyle/>
+          <a:p>
+            <a:pPr algn="ctr"/>
+            <a:endParaRPr lang="en-US"/>
+          </a:p>
+        </p:txBody>
+      </p:sp>
+      <p:sp>
+        <p:nvSpPr>
+          <p:cNvPr id="24" name="Oval 23"/>
+          <p:cNvSpPr/>
+          <p:nvPr/>
+        </p:nvSpPr>
+        <p:spPr>
+          <a:xfrm>
+            <a:off x="5319486" y="2470036"/>
+            <a:ext cx="2503714" cy="2503714"/>
+          </a:xfrm>
+          <a:prstGeom prst="ellipse">
+            <a:avLst/>
+          </a:prstGeom>
+          <a:solidFill>
+            <a:srgbClr val="D0CECE"/>
+          </a:solidFill>
+          <a:ln>
+            <a:noFill/>
+          </a:ln>
+        </p:spPr>
+        <p:style>
+          <a:lnRef idx="2">
+            <a:schemeClr val="accent1">
+              <a:shade val="50000"/>
+            </a:schemeClr>
+          </a:lnRef>
+          <a:fillRef idx="1">
+            <a:schemeClr val="accent1"/>
+          </a:fillRef>
+          <a:effectRef idx="0">
+            <a:schemeClr val="accent1"/>
+          </a:effectRef>
+          <a:fontRef idx="minor">
+            <a:schemeClr val="lt1"/>
+          </a:fontRef>
+        </p:style>
+        <p:txBody>
+          <a:bodyPr rtlCol="0" anchor="ctr"/>
+          <a:lstStyle/>
+          <a:p>
+            <a:pPr algn="ctr"/>
+            <a:endParaRPr lang="en-US"/>
+          </a:p>
+        </p:txBody>
+      </p:sp>
+      <p:sp>
+        <p:nvSpPr>
+          <p:cNvPr id="25" name="Title 1"/>
+          <p:cNvSpPr txBox="1">
+            <a:spLocks/>
+          </p:cNvSpPr>
+          <p:nvPr/>
+        </p:nvSpPr>
+        <p:spPr>
+          <a:xfrm>
+            <a:off x="9000994" y="419202"/>
+            <a:ext cx="1715004" cy="1325563"/>
+          </a:xfrm>
+          <a:prstGeom prst="rect">
+            <a:avLst/>
+          </a:prstGeom>
+        </p:spPr>
+        <p:txBody>
+          <a:bodyPr vert="horz" lIns="91440" tIns="45720" rIns="91440" bIns="45720" rtlCol="0" anchor="b">
+            <a:normAutofit/>
+          </a:bodyPr>
+          <a:lstStyle>
+            <a:lvl1pPr algn="ctr" defTabSz="914400" rtl="0" eaLnBrk="1" latinLnBrk="0" hangingPunct="1">
+              <a:lnSpc>
+                <a:spcPct val="90000"/>
+              </a:lnSpc>
+              <a:spcBef>
+                <a:spcPct val="0"/>
+              </a:spcBef>
+              <a:buNone/>
+              <a:defRPr sz="6000" kern="1200">
+                <a:solidFill>
+                  <a:schemeClr val="tx1"/>
+                </a:solidFill>
+                <a:latin typeface="+mj-lt"/>
+                <a:ea typeface="+mj-ea"/>
+                <a:cs typeface="+mj-cs"/>
+              </a:defRPr>
+            </a:lvl1pPr>
+          </a:lstStyle>
+          <a:p>
+            <a:r>
+              <a:rPr lang="en-US" dirty="0">
+                <a:latin typeface="Work Sans Light" panose="00000400000000000000" pitchFamily="2" charset="0"/>
+              </a:rPr>
+              <a:t>8</a:t>
+            </a:r>
+          </a:p>
+        </p:txBody>
+      </p:sp>
+      <p:sp>
+        <p:nvSpPr>
+          <p:cNvPr id="26" name="Title 1"/>
+          <p:cNvSpPr txBox="1">
+            <a:spLocks/>
+          </p:cNvSpPr>
+          <p:nvPr/>
+        </p:nvSpPr>
+        <p:spPr>
+          <a:xfrm>
+            <a:off x="5713841" y="2364521"/>
+            <a:ext cx="1715004" cy="1325563"/>
+          </a:xfrm>
+          <a:prstGeom prst="rect">
+            <a:avLst/>
+          </a:prstGeom>
+        </p:spPr>
+        <p:txBody>
+          <a:bodyPr vert="horz" lIns="91440" tIns="45720" rIns="91440" bIns="45720" rtlCol="0" anchor="b">
+            <a:normAutofit/>
+          </a:bodyPr>
+          <a:lstStyle>
+            <a:lvl1pPr algn="ctr" defTabSz="914400" rtl="0" eaLnBrk="1" latinLnBrk="0" hangingPunct="1">
+              <a:lnSpc>
+                <a:spcPct val="90000"/>
+              </a:lnSpc>
+              <a:spcBef>
+                <a:spcPct val="0"/>
+              </a:spcBef>
+              <a:buNone/>
+              <a:defRPr sz="6000" kern="1200">
+                <a:solidFill>
+                  <a:schemeClr val="tx1"/>
+                </a:solidFill>
+                <a:latin typeface="+mj-lt"/>
+                <a:ea typeface="+mj-ea"/>
+                <a:cs typeface="+mj-cs"/>
+              </a:defRPr>
+            </a:lvl1pPr>
+          </a:lstStyle>
+          <a:p>
+            <a:r>
+              <a:rPr lang="en-US" sz="5400" dirty="0">
+                <a:latin typeface="Work Sans Light" panose="00000400000000000000" pitchFamily="2" charset="0"/>
+              </a:rPr>
+              <a:t>6</a:t>
+            </a:r>
+          </a:p>
+        </p:txBody>
+      </p:sp>
+      <p:sp>
+        <p:nvSpPr>
+          <p:cNvPr id="27" name="Title 1"/>
+          <p:cNvSpPr txBox="1">
+            <a:spLocks/>
+          </p:cNvSpPr>
+          <p:nvPr/>
+        </p:nvSpPr>
+        <p:spPr>
+          <a:xfrm>
+            <a:off x="9582983" y="3508041"/>
+            <a:ext cx="1715004" cy="1325563"/>
+          </a:xfrm>
+          <a:prstGeom prst="rect">
+            <a:avLst/>
+          </a:prstGeom>
+        </p:spPr>
+        <p:txBody>
+          <a:bodyPr vert="horz" lIns="91440" tIns="45720" rIns="91440" bIns="45720" rtlCol="0" anchor="b">
+            <a:normAutofit/>
+          </a:bodyPr>
+          <a:lstStyle>
+            <a:lvl1pPr algn="ctr" defTabSz="914400" rtl="0" eaLnBrk="1" latinLnBrk="0" hangingPunct="1">
+              <a:lnSpc>
+                <a:spcPct val="90000"/>
+              </a:lnSpc>
+              <a:spcBef>
+                <a:spcPct val="0"/>
+              </a:spcBef>
+              <a:buNone/>
+              <a:defRPr sz="6000" kern="1200">
+                <a:solidFill>
+                  <a:schemeClr val="tx1"/>
+                </a:solidFill>
+                <a:latin typeface="+mj-lt"/>
+                <a:ea typeface="+mj-ea"/>
+                <a:cs typeface="+mj-cs"/>
+              </a:defRPr>
+            </a:lvl1pPr>
+          </a:lstStyle>
+          <a:p>
+            <a:r>
+              <a:rPr lang="en-US" sz="3600" dirty="0">
+                <a:latin typeface="Work Sans Light" panose="00000400000000000000" pitchFamily="2" charset="0"/>
+              </a:rPr>
+              <a:t>3</a:t>
+            </a:r>
+          </a:p>
+        </p:txBody>
+      </p:sp>
+      <p:sp>
+        <p:nvSpPr>
+          <p:cNvPr id="28" name="Title 1"/>
+          <p:cNvSpPr txBox="1">
+            <a:spLocks/>
+          </p:cNvSpPr>
+          <p:nvPr/>
+        </p:nvSpPr>
+        <p:spPr>
+          <a:xfrm>
+            <a:off x="8530986" y="1253773"/>
+            <a:ext cx="2655589" cy="1325563"/>
+          </a:xfrm>
+          <a:prstGeom prst="rect">
+            <a:avLst/>
+          </a:prstGeom>
+        </p:spPr>
+        <p:txBody>
+          <a:bodyPr vert="horz" lIns="91440" tIns="45720" rIns="91440" bIns="45720" rtlCol="0" anchor="b">
+            <a:normAutofit fontScale="92500"/>
+          </a:bodyPr>
+          <a:lstStyle>
+            <a:lvl1pPr algn="ctr" defTabSz="914400" rtl="0" eaLnBrk="1" latinLnBrk="0" hangingPunct="1">
+              <a:lnSpc>
+                <a:spcPct val="90000"/>
+              </a:lnSpc>
+              <a:spcBef>
+                <a:spcPct val="0"/>
+              </a:spcBef>
+              <a:buNone/>
+              <a:defRPr sz="6000" kern="1200">
+                <a:solidFill>
+                  <a:schemeClr val="tx1"/>
+                </a:solidFill>
+                <a:latin typeface="+mj-lt"/>
+                <a:ea typeface="+mj-ea"/>
+                <a:cs typeface="+mj-cs"/>
+              </a:defRPr>
+            </a:lvl1pPr>
+          </a:lstStyle>
+          <a:p>
+            <a:r>
+              <a:rPr lang="en-US" dirty="0">
+                <a:latin typeface="Work Sans Light" panose="00000400000000000000" pitchFamily="2" charset="0"/>
+              </a:rPr>
+              <a:t>coffees</a:t>
+            </a:r>
+          </a:p>
+        </p:txBody>
+      </p:sp>
+      <p:sp>
+        <p:nvSpPr>
+          <p:cNvPr id="29" name="Title 1"/>
+          <p:cNvSpPr txBox="1">
+            <a:spLocks/>
+          </p:cNvSpPr>
+          <p:nvPr/>
+        </p:nvSpPr>
+        <p:spPr>
+          <a:xfrm>
+            <a:off x="5414360" y="3059111"/>
+            <a:ext cx="2313966" cy="1325563"/>
+          </a:xfrm>
+          <a:prstGeom prst="rect">
+            <a:avLst/>
+          </a:prstGeom>
+        </p:spPr>
+        <p:txBody>
+          <a:bodyPr vert="horz" lIns="91440" tIns="45720" rIns="91440" bIns="45720" rtlCol="0" anchor="b">
+            <a:normAutofit/>
+          </a:bodyPr>
+          <a:lstStyle>
+            <a:lvl1pPr algn="ctr" defTabSz="914400" rtl="0" eaLnBrk="1" latinLnBrk="0" hangingPunct="1">
+              <a:lnSpc>
+                <a:spcPct val="90000"/>
+              </a:lnSpc>
+              <a:spcBef>
+                <a:spcPct val="0"/>
+              </a:spcBef>
+              <a:buNone/>
+              <a:defRPr sz="6000" kern="1200">
+                <a:solidFill>
+                  <a:schemeClr val="tx1"/>
+                </a:solidFill>
+                <a:latin typeface="+mj-lt"/>
+                <a:ea typeface="+mj-ea"/>
+                <a:cs typeface="+mj-cs"/>
+              </a:defRPr>
+            </a:lvl1pPr>
+          </a:lstStyle>
+          <a:p>
+            <a:r>
+              <a:rPr lang="en-US" sz="5400" dirty="0">
+                <a:latin typeface="Work Sans Light" panose="00000400000000000000" pitchFamily="2" charset="0"/>
+              </a:rPr>
+              <a:t>sodas</a:t>
+            </a:r>
+          </a:p>
+        </p:txBody>
+      </p:sp>
+      <p:sp>
+        <p:nvSpPr>
+          <p:cNvPr id="30" name="Title 1"/>
+          <p:cNvSpPr txBox="1">
+            <a:spLocks/>
+          </p:cNvSpPr>
+          <p:nvPr/>
+        </p:nvSpPr>
+        <p:spPr>
+          <a:xfrm>
+            <a:off x="9582983" y="4428508"/>
+            <a:ext cx="1715004" cy="1325563"/>
+          </a:xfrm>
+          <a:prstGeom prst="rect">
+            <a:avLst/>
+          </a:prstGeom>
+        </p:spPr>
+        <p:txBody>
+          <a:bodyPr vert="horz" lIns="91440" tIns="45720" rIns="91440" bIns="45720" rtlCol="0" anchor="b">
+            <a:normAutofit/>
+          </a:bodyPr>
+          <a:lstStyle>
+            <a:lvl1pPr algn="ctr" defTabSz="914400" rtl="0" eaLnBrk="1" latinLnBrk="0" hangingPunct="1">
+              <a:lnSpc>
+                <a:spcPct val="90000"/>
+              </a:lnSpc>
+              <a:spcBef>
+                <a:spcPct val="0"/>
+              </a:spcBef>
+              <a:buNone/>
+              <a:defRPr sz="6000" kern="1200">
+                <a:solidFill>
+                  <a:schemeClr val="tx1"/>
+                </a:solidFill>
+                <a:latin typeface="+mj-lt"/>
+                <a:ea typeface="+mj-ea"/>
+                <a:cs typeface="+mj-cs"/>
+              </a:defRPr>
+            </a:lvl1pPr>
+          </a:lstStyle>
+          <a:p>
+            <a:r>
+              <a:rPr lang="en-US" sz="3600" dirty="0">
+                <a:latin typeface="Work Sans Light" panose="00000400000000000000" pitchFamily="2" charset="0"/>
+              </a:rPr>
+              <a:t>Red Bull</a:t>
+            </a:r>
+          </a:p>
+        </p:txBody>
+      </p:sp>
     </p:spTree>
     <p:extLst>
       <p:ext uri="{BB962C8B-B14F-4D97-AF65-F5344CB8AC3E}">
-        <p14:creationId xmlns:p14="http://schemas.microsoft.com/office/powerpoint/2010/main" val="3176922922"/>
+        <p14:creationId xmlns:p14="http://schemas.microsoft.com/office/powerpoint/2010/main" val="1467964082"/>
       </p:ext>
     </p:extLst>
   </p:cSld>
   <p:clrMapOvr>
     <a:masterClrMapping/>
   </p:clrMapOvr>
-  <p:timing>
-    <p:tnLst>
-      <p:par>
-        <p:cTn id="1" dur="indefinite" restart="never" nodeType="tmRoot"/>
-      </p:par>
-    </p:tnLst>
-  </p:timing>
+  <mc:AlternateContent xmlns:mc="http://schemas.openxmlformats.org/markup-compatibility/2006">
+    <mc:Choice xmlns:p159="http://schemas.microsoft.com/office/powerpoint/2015/09/main" Requires="p159">
+      <p:transition xmlns:p14="http://schemas.microsoft.com/office/powerpoint/2010/main" spd="slow" p14:dur="1500">
+        <p159:morph option="byObject"/>
+      </p:transition>
+    </mc:Choice>
+    <mc:Fallback>
+      <p:transition spd="slow">
+        <p:fade/>
+      </p:transition>
+    </mc:Fallback>
+  </mc:AlternateContent>
 </p:sld>
 </file>
 
@@ -4764,148 +4925,376 @@
           <a:chExt cx="0" cy="0"/>
         </a:xfrm>
       </p:grpSpPr>
-      <p:pic>
-        <p:nvPicPr>
-          <p:cNvPr id="3" name="Picture 2"/>
-          <p:cNvPicPr>
-            <a:picLocks noChangeAspect="1"/>
-          </p:cNvPicPr>
+      <p:sp>
+        <p:nvSpPr>
+          <p:cNvPr id="23" name="Rectangle 22"/>
+          <p:cNvSpPr/>
           <p:nvPr/>
-        </p:nvPicPr>
-        <p:blipFill>
-          <a:blip r:embed="rId3">
-            <a:extLst>
-              <a:ext uri="{28A0092B-C50C-407E-A947-70E740481C1C}">
-                <a14:useLocalDpi xmlns:a14="http://schemas.microsoft.com/office/drawing/2010/main" val="0"/>
-              </a:ext>
-            </a:extLst>
-          </a:blip>
-          <a:stretch>
-            <a:fillRect/>
-          </a:stretch>
-        </p:blipFill>
-        <p:spPr>
-          <a:xfrm>
-            <a:off x="1004341" y="1858781"/>
-            <a:ext cx="3372786" cy="4247940"/>
+        </p:nvSpPr>
+        <p:spPr>
+          <a:xfrm rot="8957808">
+            <a:off x="742133" y="3003562"/>
+            <a:ext cx="16959855" cy="7563070"/>
           </a:xfrm>
           <a:prstGeom prst="rect">
             <a:avLst/>
           </a:prstGeom>
-        </p:spPr>
-      </p:pic>
-      <p:cxnSp>
-        <p:nvCxnSpPr>
-          <p:cNvPr id="5" name="Straight Arrow Connector 4"/>
-          <p:cNvCxnSpPr/>
-          <p:nvPr/>
-        </p:nvCxnSpPr>
-        <p:spPr>
-          <a:xfrm>
-            <a:off x="4916773" y="3982751"/>
-            <a:ext cx="2758190" cy="0"/>
-          </a:xfrm>
-          <a:prstGeom prst="straightConnector1">
-            <a:avLst/>
-          </a:prstGeom>
-          <a:ln w="139700">
-            <a:solidFill>
-              <a:srgbClr val="FF0000"/>
-            </a:solidFill>
-            <a:tailEnd type="triangle"/>
+          <a:solidFill>
+            <a:schemeClr val="bg2">
+              <a:lumMod val="90000"/>
+            </a:schemeClr>
+          </a:solidFill>
+          <a:ln>
+            <a:noFill/>
           </a:ln>
         </p:spPr>
         <p:style>
-          <a:lnRef idx="1">
-            <a:schemeClr val="accent1"/>
+          <a:lnRef idx="2">
+            <a:schemeClr val="accent1">
+              <a:shade val="50000"/>
+            </a:schemeClr>
           </a:lnRef>
-          <a:fillRef idx="0">
+          <a:fillRef idx="1">
             <a:schemeClr val="accent1"/>
           </a:fillRef>
           <a:effectRef idx="0">
             <a:schemeClr val="accent1"/>
           </a:effectRef>
           <a:fontRef idx="minor">
+            <a:schemeClr val="lt1"/>
+          </a:fontRef>
+        </p:style>
+        <p:txBody>
+          <a:bodyPr rtlCol="0" anchor="ctr"/>
+          <a:lstStyle/>
+          <a:p>
+            <a:pPr algn="ctr"/>
+            <a:endParaRPr lang="en-US" sz="1200"/>
+          </a:p>
+        </p:txBody>
+      </p:sp>
+      <p:sp>
+        <p:nvSpPr>
+          <p:cNvPr id="17" name="Title 1"/>
+          <p:cNvSpPr txBox="1">
+            <a:spLocks/>
+          </p:cNvSpPr>
+          <p:nvPr/>
+        </p:nvSpPr>
+        <p:spPr>
+          <a:xfrm>
+            <a:off x="-1" y="-267104"/>
+            <a:ext cx="9426804" cy="1325563"/>
+          </a:xfrm>
+          <a:prstGeom prst="rect">
+            <a:avLst/>
+          </a:prstGeom>
+        </p:spPr>
+        <p:txBody>
+          <a:bodyPr vert="horz" lIns="91440" tIns="45720" rIns="91440" bIns="45720" rtlCol="0" anchor="b">
+            <a:normAutofit fontScale="92500"/>
+          </a:bodyPr>
+          <a:lstStyle>
+            <a:lvl1pPr algn="ctr" defTabSz="914400" rtl="0" eaLnBrk="1" latinLnBrk="0" hangingPunct="1">
+              <a:lnSpc>
+                <a:spcPct val="90000"/>
+              </a:lnSpc>
+              <a:spcBef>
+                <a:spcPct val="0"/>
+              </a:spcBef>
+              <a:buNone/>
+              <a:defRPr sz="6000" kern="1200">
+                <a:solidFill>
+                  <a:schemeClr val="tx1"/>
+                </a:solidFill>
+                <a:latin typeface="+mj-lt"/>
+                <a:ea typeface="+mj-ea"/>
+                <a:cs typeface="+mj-cs"/>
+              </a:defRPr>
+            </a:lvl1pPr>
+          </a:lstStyle>
+          <a:p>
+            <a:r>
+              <a:rPr lang="en-US" dirty="0">
+                <a:latin typeface="Work Sans Light" panose="00000400000000000000" pitchFamily="2" charset="0"/>
+              </a:rPr>
+              <a:t>Building customer relations</a:t>
+            </a:r>
+          </a:p>
+        </p:txBody>
+      </p:sp>
+      <p:cxnSp>
+        <p:nvCxnSpPr>
+          <p:cNvPr id="3" name="Straight Connector 2"/>
+          <p:cNvCxnSpPr/>
+          <p:nvPr/>
+        </p:nvCxnSpPr>
+        <p:spPr>
+          <a:xfrm>
+            <a:off x="-1" y="1216058"/>
+            <a:ext cx="9530500" cy="0"/>
+          </a:xfrm>
+          <a:prstGeom prst="line">
+            <a:avLst/>
+          </a:prstGeom>
+          <a:ln w="12700"/>
+        </p:spPr>
+        <p:style>
+          <a:lnRef idx="1">
+            <a:schemeClr val="dk1"/>
+          </a:lnRef>
+          <a:fillRef idx="0">
+            <a:schemeClr val="dk1"/>
+          </a:fillRef>
+          <a:effectRef idx="0">
+            <a:schemeClr val="dk1"/>
+          </a:effectRef>
+          <a:fontRef idx="minor">
             <a:schemeClr val="tx1"/>
           </a:fontRef>
         </p:style>
       </p:cxnSp>
-      <p:pic>
-        <p:nvPicPr>
-          <p:cNvPr id="6" name="Picture 5"/>
-          <p:cNvPicPr>
-            <a:picLocks noChangeAspect="1"/>
-          </p:cNvPicPr>
+      <p:cxnSp>
+        <p:nvCxnSpPr>
+          <p:cNvPr id="5" name="Straight Connector 4"/>
+          <p:cNvCxnSpPr/>
           <p:nvPr/>
-        </p:nvPicPr>
-        <p:blipFill>
-          <a:blip r:embed="rId4">
-            <a:extLst>
-              <a:ext uri="{28A0092B-C50C-407E-A947-70E740481C1C}">
-                <a14:useLocalDpi xmlns:a14="http://schemas.microsoft.com/office/drawing/2010/main" val="0"/>
-              </a:ext>
-            </a:extLst>
-          </a:blip>
-          <a:stretch>
-            <a:fillRect/>
-          </a:stretch>
-        </p:blipFill>
-        <p:spPr>
-          <a:xfrm>
-            <a:off x="7839855" y="2453025"/>
-            <a:ext cx="4210254" cy="3059451"/>
+        </p:nvCxnSpPr>
+        <p:spPr>
+          <a:xfrm>
+            <a:off x="9530499" y="829559"/>
+            <a:ext cx="0" cy="386499"/>
+          </a:xfrm>
+          <a:prstGeom prst="line">
+            <a:avLst/>
+          </a:prstGeom>
+          <a:ln w="12700"/>
+        </p:spPr>
+        <p:style>
+          <a:lnRef idx="1">
+            <a:schemeClr val="dk1"/>
+          </a:lnRef>
+          <a:fillRef idx="0">
+            <a:schemeClr val="dk1"/>
+          </a:fillRef>
+          <a:effectRef idx="0">
+            <a:schemeClr val="dk1"/>
+          </a:effectRef>
+          <a:fontRef idx="minor">
+            <a:schemeClr val="tx1"/>
+          </a:fontRef>
+        </p:style>
+      </p:cxnSp>
+      <p:cxnSp>
+        <p:nvCxnSpPr>
+          <p:cNvPr id="7" name="Straight Connector 6"/>
+          <p:cNvCxnSpPr/>
+          <p:nvPr/>
+        </p:nvCxnSpPr>
+        <p:spPr>
+          <a:xfrm>
+            <a:off x="1046375" y="1216058"/>
+            <a:ext cx="0" cy="3497344"/>
+          </a:xfrm>
+          <a:prstGeom prst="line">
+            <a:avLst/>
+          </a:prstGeom>
+          <a:ln w="12700"/>
+        </p:spPr>
+        <p:style>
+          <a:lnRef idx="1">
+            <a:schemeClr val="dk1"/>
+          </a:lnRef>
+          <a:fillRef idx="0">
+            <a:schemeClr val="dk1"/>
+          </a:fillRef>
+          <a:effectRef idx="0">
+            <a:schemeClr val="dk1"/>
+          </a:effectRef>
+          <a:fontRef idx="minor">
+            <a:schemeClr val="tx1"/>
+          </a:fontRef>
+        </p:style>
+      </p:cxnSp>
+      <p:cxnSp>
+        <p:nvCxnSpPr>
+          <p:cNvPr id="9" name="Straight Connector 8"/>
+          <p:cNvCxnSpPr/>
+          <p:nvPr/>
+        </p:nvCxnSpPr>
+        <p:spPr>
+          <a:xfrm flipH="1">
+            <a:off x="1046375" y="4722829"/>
+            <a:ext cx="2215299" cy="0"/>
+          </a:xfrm>
+          <a:prstGeom prst="line">
+            <a:avLst/>
+          </a:prstGeom>
+          <a:ln w="12700"/>
+        </p:spPr>
+        <p:style>
+          <a:lnRef idx="1">
+            <a:schemeClr val="dk1"/>
+          </a:lnRef>
+          <a:fillRef idx="0">
+            <a:schemeClr val="dk1"/>
+          </a:fillRef>
+          <a:effectRef idx="0">
+            <a:schemeClr val="dk1"/>
+          </a:effectRef>
+          <a:fontRef idx="minor">
+            <a:schemeClr val="tx1"/>
+          </a:fontRef>
+        </p:style>
+      </p:cxnSp>
+      <p:cxnSp>
+        <p:nvCxnSpPr>
+          <p:cNvPr id="11" name="Straight Connector 10"/>
+          <p:cNvCxnSpPr>
+            <a:cxnSpLocks/>
+          </p:cNvCxnSpPr>
+          <p:nvPr/>
+        </p:nvCxnSpPr>
+        <p:spPr>
+          <a:xfrm flipV="1">
+            <a:off x="3043960" y="4252686"/>
+            <a:ext cx="0" cy="592691"/>
+          </a:xfrm>
+          <a:prstGeom prst="line">
+            <a:avLst/>
+          </a:prstGeom>
+          <a:ln w="12700"/>
+        </p:spPr>
+        <p:style>
+          <a:lnRef idx="1">
+            <a:schemeClr val="dk1"/>
+          </a:lnRef>
+          <a:fillRef idx="0">
+            <a:schemeClr val="dk1"/>
+          </a:fillRef>
+          <a:effectRef idx="0">
+            <a:schemeClr val="dk1"/>
+          </a:effectRef>
+          <a:fontRef idx="minor">
+            <a:schemeClr val="tx1"/>
+          </a:fontRef>
+        </p:style>
+      </p:cxnSp>
+      <p:sp>
+        <p:nvSpPr>
+          <p:cNvPr id="12" name="TextBox 11"/>
+          <p:cNvSpPr txBox="1"/>
+          <p:nvPr/>
+        </p:nvSpPr>
+        <p:spPr>
+          <a:xfrm>
+            <a:off x="1385740" y="1687398"/>
+            <a:ext cx="4685122" cy="461665"/>
           </a:xfrm>
           <a:prstGeom prst="rect">
             <a:avLst/>
           </a:prstGeom>
-        </p:spPr>
-      </p:pic>
-      <p:sp>
-        <p:nvSpPr>
-          <p:cNvPr id="10" name="Title 1"/>
-          <p:cNvSpPr>
-            <a:spLocks noGrp="1"/>
-          </p:cNvSpPr>
-          <p:nvPr>
-            <p:ph type="title"/>
-          </p:nvPr>
-        </p:nvSpPr>
-        <p:spPr>
-          <a:xfrm>
-            <a:off x="838200" y="380115"/>
-            <a:ext cx="10515600" cy="1325563"/>
-          </a:xfrm>
-        </p:spPr>
-        <p:txBody>
-          <a:bodyPr/>
-          <a:lstStyle/>
-          <a:p>
-            <a:pPr algn="ctr"/>
-            <a:r>
-              <a:rPr lang="en-US" dirty="0" smtClean="0"/>
-              <a:t>Building Customer Relationships</a:t>
-            </a:r>
-            <a:endParaRPr lang="en-US" dirty="0"/>
+          <a:noFill/>
+        </p:spPr>
+        <p:txBody>
+          <a:bodyPr wrap="square" rtlCol="0">
+            <a:spAutoFit/>
+          </a:bodyPr>
+          <a:lstStyle/>
+          <a:p>
+            <a:r>
+              <a:rPr lang="en-US" sz="2400" dirty="0">
+                <a:latin typeface="Work Sans Light" panose="00000400000000000000" pitchFamily="2" charset="0"/>
+              </a:rPr>
+              <a:t>Headache to heartwarming</a:t>
+            </a:r>
+          </a:p>
+        </p:txBody>
+      </p:sp>
+      <p:sp>
+        <p:nvSpPr>
+          <p:cNvPr id="15" name="TextBox 14"/>
+          <p:cNvSpPr txBox="1"/>
+          <p:nvPr/>
+        </p:nvSpPr>
+        <p:spPr>
+          <a:xfrm>
+            <a:off x="1385740" y="2620402"/>
+            <a:ext cx="4685122" cy="461665"/>
+          </a:xfrm>
+          <a:prstGeom prst="rect">
+            <a:avLst/>
+          </a:prstGeom>
+          <a:noFill/>
+        </p:spPr>
+        <p:txBody>
+          <a:bodyPr wrap="square" rtlCol="0">
+            <a:spAutoFit/>
+          </a:bodyPr>
+          <a:lstStyle/>
+          <a:p>
+            <a:r>
+              <a:rPr lang="en-US" sz="2400" dirty="0">
+                <a:latin typeface="Work Sans Light" panose="00000400000000000000" pitchFamily="2" charset="0"/>
+              </a:rPr>
+              <a:t>Personal connections</a:t>
+            </a:r>
+          </a:p>
+        </p:txBody>
+      </p:sp>
+      <p:sp>
+        <p:nvSpPr>
+          <p:cNvPr id="16" name="TextBox 15"/>
+          <p:cNvSpPr txBox="1"/>
+          <p:nvPr/>
+        </p:nvSpPr>
+        <p:spPr>
+          <a:xfrm>
+            <a:off x="1385740" y="3516698"/>
+            <a:ext cx="4685122" cy="461665"/>
+          </a:xfrm>
+          <a:prstGeom prst="rect">
+            <a:avLst/>
+          </a:prstGeom>
+          <a:noFill/>
+        </p:spPr>
+        <p:txBody>
+          <a:bodyPr wrap="square" rtlCol="0">
+            <a:spAutoFit/>
+          </a:bodyPr>
+          <a:lstStyle/>
+          <a:p>
+            <a:r>
+              <a:rPr lang="en-US" sz="2400" dirty="0">
+                <a:latin typeface="Work Sans Light" panose="00000400000000000000" pitchFamily="2" charset="0"/>
+              </a:rPr>
+              <a:t>Customization</a:t>
+            </a:r>
           </a:p>
         </p:txBody>
       </p:sp>
     </p:spTree>
     <p:extLst>
       <p:ext uri="{BB962C8B-B14F-4D97-AF65-F5344CB8AC3E}">
-        <p14:creationId xmlns:p14="http://schemas.microsoft.com/office/powerpoint/2010/main" val="3378697368"/>
+        <p14:creationId xmlns:p14="http://schemas.microsoft.com/office/powerpoint/2010/main" val="3034209116"/>
       </p:ext>
     </p:extLst>
   </p:cSld>
   <p:clrMapOvr>
     <a:masterClrMapping/>
   </p:clrMapOvr>
-  <p:timing>
-    <p:tnLst>
-      <p:par>
-        <p:cTn id="1" dur="indefinite" restart="never" nodeType="tmRoot"/>
-      </p:par>
-    </p:tnLst>
-  </p:timing>
+  <mc:AlternateContent xmlns:mc="http://schemas.openxmlformats.org/markup-compatibility/2006">
+    <mc:Choice xmlns:p159="http://schemas.microsoft.com/office/powerpoint/2015/09/main" Requires="p159">
+      <p:transition xmlns:p14="http://schemas.microsoft.com/office/powerpoint/2010/main" spd="slow" p14:dur="1500">
+        <p159:morph option="byObject"/>
+      </p:transition>
+    </mc:Choice>
+    <mc:Fallback>
+      <p:transition spd="slow">
+        <p:fade/>
+      </p:transition>
+    </mc:Fallback>
+  </mc:AlternateContent>
 </p:sld>
 </file>
 
@@ -4928,41 +5317,59 @@
       </p:grpSpPr>
       <p:sp>
         <p:nvSpPr>
-          <p:cNvPr id="2" name="Title 1"/>
-          <p:cNvSpPr>
-            <a:spLocks noGrp="1"/>
-          </p:cNvSpPr>
-          <p:nvPr>
-            <p:ph type="title"/>
-          </p:nvPr>
-        </p:nvSpPr>
-        <p:spPr>
-          <a:xfrm>
-            <a:off x="838200" y="380115"/>
-            <a:ext cx="10515600" cy="1325563"/>
-          </a:xfrm>
-        </p:spPr>
-        <p:txBody>
-          <a:bodyPr/>
+          <p:cNvPr id="23" name="Rectangle 22"/>
+          <p:cNvSpPr/>
+          <p:nvPr/>
+        </p:nvSpPr>
+        <p:spPr>
+          <a:xfrm rot="4723492">
+            <a:off x="3183675" y="1985467"/>
+            <a:ext cx="16959855" cy="7563070"/>
+          </a:xfrm>
+          <a:prstGeom prst="rect">
+            <a:avLst/>
+          </a:prstGeom>
+          <a:solidFill>
+            <a:schemeClr val="bg2">
+              <a:lumMod val="90000"/>
+            </a:schemeClr>
+          </a:solidFill>
+          <a:ln>
+            <a:noFill/>
+          </a:ln>
+        </p:spPr>
+        <p:style>
+          <a:lnRef idx="2">
+            <a:schemeClr val="accent1">
+              <a:shade val="50000"/>
+            </a:schemeClr>
+          </a:lnRef>
+          <a:fillRef idx="1">
+            <a:schemeClr val="accent1"/>
+          </a:fillRef>
+          <a:effectRef idx="0">
+            <a:schemeClr val="accent1"/>
+          </a:effectRef>
+          <a:fontRef idx="minor">
+            <a:schemeClr val="lt1"/>
+          </a:fontRef>
+        </p:style>
+        <p:txBody>
+          <a:bodyPr rtlCol="0" anchor="ctr"/>
           <a:lstStyle/>
           <a:p>
             <a:pPr algn="ctr"/>
-            <a:r>
-              <a:rPr lang="en-US" dirty="0"/>
-              <a:t>Omnichannel Approach</a:t>
-            </a:r>
+            <a:endParaRPr lang="en-US" sz="1200"/>
           </a:p>
         </p:txBody>
       </p:sp>
       <p:pic>
         <p:nvPicPr>
-          <p:cNvPr id="1026" name="Picture 2" descr="omnichannel-comm.png"/>
+          <p:cNvPr id="13" name="Picture 2" descr="omnichannel-comm.png"/>
           <p:cNvPicPr>
-            <a:picLocks noGrp="1" noChangeAspect="1" noChangeArrowheads="1"/>
+            <a:picLocks noChangeAspect="1" noChangeArrowheads="1"/>
           </p:cNvPicPr>
-          <p:nvPr>
-            <p:ph idx="1"/>
-          </p:nvPr>
+          <p:nvPr/>
         </p:nvPicPr>
         <p:blipFill>
           <a:blip r:embed="rId3">
@@ -4979,7 +5386,7 @@
         </p:blipFill>
         <p:spPr bwMode="auto">
           <a:xfrm>
-            <a:off x="3376414" y="1585020"/>
+            <a:off x="451480" y="1661220"/>
             <a:ext cx="5439172" cy="4351338"/>
           </a:xfrm>
           <a:prstGeom prst="rect">
@@ -4997,23 +5404,133 @@
           </a:extLst>
         </p:spPr>
       </p:pic>
+      <p:sp>
+        <p:nvSpPr>
+          <p:cNvPr id="2" name="TextBox 1"/>
+          <p:cNvSpPr txBox="1"/>
+          <p:nvPr/>
+        </p:nvSpPr>
+        <p:spPr>
+          <a:xfrm>
+            <a:off x="6843152" y="622102"/>
+            <a:ext cx="4127500" cy="1446550"/>
+          </a:xfrm>
+          <a:prstGeom prst="rect">
+            <a:avLst/>
+          </a:prstGeom>
+          <a:noFill/>
+        </p:spPr>
+        <p:txBody>
+          <a:bodyPr wrap="square" rtlCol="0">
+            <a:spAutoFit/>
+          </a:bodyPr>
+          <a:lstStyle/>
+          <a:p>
+            <a:pPr algn="r"/>
+            <a:r>
+              <a:rPr lang="en-US" sz="4400" dirty="0">
+                <a:latin typeface="Work Sans Light" panose="00000400000000000000" pitchFamily="2" charset="0"/>
+              </a:rPr>
+              <a:t>Omnichannel</a:t>
+            </a:r>
+          </a:p>
+          <a:p>
+            <a:pPr algn="r"/>
+            <a:r>
+              <a:rPr lang="en-US" sz="4400" dirty="0">
+                <a:latin typeface="Work Sans Light" panose="00000400000000000000" pitchFamily="2" charset="0"/>
+              </a:rPr>
+              <a:t>Approach</a:t>
+            </a:r>
+          </a:p>
+        </p:txBody>
+      </p:sp>
+      <p:sp>
+        <p:nvSpPr>
+          <p:cNvPr id="24" name="TextBox 23"/>
+          <p:cNvSpPr txBox="1"/>
+          <p:nvPr/>
+        </p:nvSpPr>
+        <p:spPr>
+          <a:xfrm>
+            <a:off x="6843152" y="5030402"/>
+            <a:ext cx="4127500" cy="584775"/>
+          </a:xfrm>
+          <a:prstGeom prst="rect">
+            <a:avLst/>
+          </a:prstGeom>
+          <a:noFill/>
+        </p:spPr>
+        <p:txBody>
+          <a:bodyPr wrap="square" rtlCol="0">
+            <a:spAutoFit/>
+          </a:bodyPr>
+          <a:lstStyle/>
+          <a:p>
+            <a:pPr algn="r"/>
+            <a:r>
+              <a:rPr lang="en-US" sz="3200" dirty="0">
+                <a:latin typeface="Work Sans ExtraLight" panose="00000300000000000000" pitchFamily="2" charset="0"/>
+              </a:rPr>
+              <a:t>Efficiency</a:t>
+            </a:r>
+          </a:p>
+        </p:txBody>
+      </p:sp>
+      <p:sp>
+        <p:nvSpPr>
+          <p:cNvPr id="25" name="TextBox 24"/>
+          <p:cNvSpPr txBox="1"/>
+          <p:nvPr/>
+        </p:nvSpPr>
+        <p:spPr>
+          <a:xfrm>
+            <a:off x="6843152" y="4332327"/>
+            <a:ext cx="4127500" cy="584775"/>
+          </a:xfrm>
+          <a:prstGeom prst="rect">
+            <a:avLst/>
+          </a:prstGeom>
+          <a:noFill/>
+        </p:spPr>
+        <p:txBody>
+          <a:bodyPr wrap="square" rtlCol="0">
+            <a:spAutoFit/>
+          </a:bodyPr>
+          <a:lstStyle/>
+          <a:p>
+            <a:pPr algn="r"/>
+            <a:r>
+              <a:rPr lang="en-US" sz="3200" dirty="0">
+                <a:latin typeface="Work Sans ExtraLight" panose="00000300000000000000" pitchFamily="2" charset="0"/>
+              </a:rPr>
+              <a:t>Customizability</a:t>
+            </a:r>
+          </a:p>
+        </p:txBody>
+      </p:sp>
     </p:spTree>
     <p:extLst>
       <p:ext uri="{BB962C8B-B14F-4D97-AF65-F5344CB8AC3E}">
-        <p14:creationId xmlns:p14="http://schemas.microsoft.com/office/powerpoint/2010/main" val="2971203279"/>
+        <p14:creationId xmlns:p14="http://schemas.microsoft.com/office/powerpoint/2010/main" val="1698242455"/>
       </p:ext>
     </p:extLst>
   </p:cSld>
   <p:clrMapOvr>
     <a:masterClrMapping/>
   </p:clrMapOvr>
-  <p:timing>
-    <p:tnLst>
-      <p:par>
-        <p:cTn id="1" dur="indefinite" restart="never" nodeType="tmRoot"/>
-      </p:par>
-    </p:tnLst>
-  </p:timing>
+  <mc:AlternateContent xmlns:mc="http://schemas.openxmlformats.org/markup-compatibility/2006">
+    <mc:Choice xmlns:p159="http://schemas.microsoft.com/office/powerpoint/2015/09/main" Requires="p159">
+      <p:transition xmlns:p14="http://schemas.microsoft.com/office/powerpoint/2010/main" spd="slow" p14:dur="2000">
+        <p159:morph option="byObject"/>
+      </p:transition>
+    </mc:Choice>
+    <mc:Fallback>
+      <p:transition spd="slow">
+        <p:fade/>
+      </p:transition>
+    </mc:Fallback>
+  </mc:AlternateContent>
 </p:sld>
 </file>
 
@@ -5036,132 +5553,1047 @@
       </p:grpSpPr>
       <p:sp>
         <p:nvSpPr>
-          <p:cNvPr id="2" name="Title 1"/>
-          <p:cNvSpPr>
-            <a:spLocks noGrp="1"/>
-          </p:cNvSpPr>
-          <p:nvPr>
-            <p:ph type="title"/>
-          </p:nvPr>
-        </p:nvSpPr>
-        <p:spPr/>
-        <p:txBody>
-          <a:bodyPr>
-            <a:normAutofit/>
+          <p:cNvPr id="23" name="Rectangle 22"/>
+          <p:cNvSpPr/>
+          <p:nvPr/>
+        </p:nvSpPr>
+        <p:spPr>
+          <a:xfrm rot="332780">
+            <a:off x="-2340824" y="-5799634"/>
+            <a:ext cx="16959855" cy="7563070"/>
+          </a:xfrm>
+          <a:prstGeom prst="rect">
+            <a:avLst/>
+          </a:prstGeom>
+          <a:solidFill>
+            <a:schemeClr val="bg2">
+              <a:lumMod val="90000"/>
+            </a:schemeClr>
+          </a:solidFill>
+          <a:ln>
+            <a:noFill/>
+          </a:ln>
+        </p:spPr>
+        <p:style>
+          <a:lnRef idx="2">
+            <a:schemeClr val="accent1">
+              <a:shade val="50000"/>
+            </a:schemeClr>
+          </a:lnRef>
+          <a:fillRef idx="1">
+            <a:schemeClr val="accent1"/>
+          </a:fillRef>
+          <a:effectRef idx="0">
+            <a:schemeClr val="accent1"/>
+          </a:effectRef>
+          <a:fontRef idx="minor">
+            <a:schemeClr val="lt1"/>
+          </a:fontRef>
+        </p:style>
+        <p:txBody>
+          <a:bodyPr rtlCol="0" anchor="ctr"/>
+          <a:lstStyle/>
+          <a:p>
+            <a:pPr algn="ctr"/>
+            <a:endParaRPr lang="en-US" sz="1200"/>
+          </a:p>
+        </p:txBody>
+      </p:sp>
+      <p:sp>
+        <p:nvSpPr>
+          <p:cNvPr id="2" name="TextBox 1"/>
+          <p:cNvSpPr txBox="1"/>
+          <p:nvPr/>
+        </p:nvSpPr>
+        <p:spPr>
+          <a:xfrm>
+            <a:off x="7160652" y="711200"/>
+            <a:ext cx="4127500" cy="769441"/>
+          </a:xfrm>
+          <a:prstGeom prst="rect">
+            <a:avLst/>
+          </a:prstGeom>
+          <a:noFill/>
+        </p:spPr>
+        <p:txBody>
+          <a:bodyPr wrap="square" rtlCol="0">
+            <a:spAutoFit/>
           </a:bodyPr>
           <a:lstStyle/>
           <a:p>
+            <a:pPr algn="r"/>
+            <a:r>
+              <a:rPr lang="en-US" sz="4400" dirty="0">
+                <a:latin typeface="Work Sans Light" panose="00000400000000000000" pitchFamily="2" charset="0"/>
+              </a:rPr>
+              <a:t>Webcasts</a:t>
+            </a:r>
+          </a:p>
+        </p:txBody>
+      </p:sp>
+      <p:sp>
+        <p:nvSpPr>
+          <p:cNvPr id="6" name="Oval 5"/>
+          <p:cNvSpPr/>
+          <p:nvPr/>
+        </p:nvSpPr>
+        <p:spPr>
+          <a:xfrm>
+            <a:off x="6540500" y="4457700"/>
+            <a:ext cx="1358900" cy="1358900"/>
+          </a:xfrm>
+          <a:prstGeom prst="ellipse">
+            <a:avLst/>
+          </a:prstGeom>
+          <a:noFill/>
+          <a:ln w="57150">
+            <a:solidFill>
+              <a:srgbClr val="EE3525"/>
+            </a:solidFill>
+          </a:ln>
+        </p:spPr>
+        <p:style>
+          <a:lnRef idx="2">
+            <a:schemeClr val="accent1">
+              <a:shade val="50000"/>
+            </a:schemeClr>
+          </a:lnRef>
+          <a:fillRef idx="1">
+            <a:schemeClr val="accent1"/>
+          </a:fillRef>
+          <a:effectRef idx="0">
+            <a:schemeClr val="accent1"/>
+          </a:effectRef>
+          <a:fontRef idx="minor">
+            <a:schemeClr val="lt1"/>
+          </a:fontRef>
+        </p:style>
+        <p:txBody>
+          <a:bodyPr rtlCol="0" anchor="ctr"/>
+          <a:lstStyle/>
+          <a:p>
             <a:pPr algn="ctr"/>
-            <a:r>
-              <a:rPr lang="en-US" dirty="0" smtClean="0"/>
-              <a:t>The Support Team</a:t>
-            </a:r>
-            <a:r>
-              <a:rPr lang="en-US" dirty="0">
-                <a:ln w="0"/>
-                <a:effectLst>
-                  <a:outerShdw blurRad="38100" dist="19050" dir="2700000" algn="tl" rotWithShape="0">
-                    <a:schemeClr val="dk1">
-                      <a:alpha val="40000"/>
-                    </a:schemeClr>
-                  </a:outerShdw>
-                </a:effectLst>
+            <a:endParaRPr lang="en-US"/>
+          </a:p>
+        </p:txBody>
+      </p:sp>
+      <p:sp>
+        <p:nvSpPr>
+          <p:cNvPr id="7" name="Oval 6"/>
+          <p:cNvSpPr/>
+          <p:nvPr/>
+        </p:nvSpPr>
+        <p:spPr>
+          <a:xfrm>
+            <a:off x="2476500" y="2819400"/>
+            <a:ext cx="228600" cy="228600"/>
+          </a:xfrm>
+          <a:prstGeom prst="ellipse">
+            <a:avLst/>
+          </a:prstGeom>
+          <a:noFill/>
+          <a:ln w="57150">
+            <a:solidFill>
+              <a:schemeClr val="tx1">
+                <a:lumMod val="75000"/>
+                <a:lumOff val="25000"/>
+              </a:schemeClr>
+            </a:solidFill>
+          </a:ln>
+        </p:spPr>
+        <p:style>
+          <a:lnRef idx="2">
+            <a:schemeClr val="accent1">
+              <a:shade val="50000"/>
+            </a:schemeClr>
+          </a:lnRef>
+          <a:fillRef idx="1">
+            <a:schemeClr val="accent1"/>
+          </a:fillRef>
+          <a:effectRef idx="0">
+            <a:schemeClr val="accent1"/>
+          </a:effectRef>
+          <a:fontRef idx="minor">
+            <a:schemeClr val="lt1"/>
+          </a:fontRef>
+        </p:style>
+        <p:txBody>
+          <a:bodyPr rtlCol="0" anchor="ctr"/>
+          <a:lstStyle/>
+          <a:p>
+            <a:pPr algn="ctr"/>
+            <a:endParaRPr lang="en-US"/>
+          </a:p>
+        </p:txBody>
+      </p:sp>
+      <p:sp>
+        <p:nvSpPr>
+          <p:cNvPr id="8" name="Oval 7"/>
+          <p:cNvSpPr/>
+          <p:nvPr/>
+        </p:nvSpPr>
+        <p:spPr>
+          <a:xfrm>
+            <a:off x="419100" y="5346700"/>
+            <a:ext cx="673100" cy="673100"/>
+          </a:xfrm>
+          <a:prstGeom prst="ellipse">
+            <a:avLst/>
+          </a:prstGeom>
+          <a:noFill/>
+          <a:ln w="57150">
+            <a:solidFill>
+              <a:schemeClr val="tx1">
+                <a:lumMod val="75000"/>
+                <a:lumOff val="25000"/>
+              </a:schemeClr>
+            </a:solidFill>
+          </a:ln>
+        </p:spPr>
+        <p:style>
+          <a:lnRef idx="2">
+            <a:schemeClr val="accent1">
+              <a:shade val="50000"/>
+            </a:schemeClr>
+          </a:lnRef>
+          <a:fillRef idx="1">
+            <a:schemeClr val="accent1"/>
+          </a:fillRef>
+          <a:effectRef idx="0">
+            <a:schemeClr val="accent1"/>
+          </a:effectRef>
+          <a:fontRef idx="minor">
+            <a:schemeClr val="lt1"/>
+          </a:fontRef>
+        </p:style>
+        <p:txBody>
+          <a:bodyPr rtlCol="0" anchor="ctr"/>
+          <a:lstStyle/>
+          <a:p>
+            <a:pPr algn="ctr"/>
+            <a:endParaRPr lang="en-US"/>
+          </a:p>
+        </p:txBody>
+      </p:sp>
+      <p:sp>
+        <p:nvSpPr>
+          <p:cNvPr id="9" name="Oval 8"/>
+          <p:cNvSpPr/>
+          <p:nvPr/>
+        </p:nvSpPr>
+        <p:spPr>
+          <a:xfrm>
+            <a:off x="5143500" y="4940300"/>
+            <a:ext cx="203200" cy="203200"/>
+          </a:xfrm>
+          <a:prstGeom prst="ellipse">
+            <a:avLst/>
+          </a:prstGeom>
+          <a:noFill/>
+          <a:ln w="57150">
+            <a:solidFill>
+              <a:schemeClr val="tx1">
+                <a:lumMod val="75000"/>
+                <a:lumOff val="25000"/>
+              </a:schemeClr>
+            </a:solidFill>
+          </a:ln>
+        </p:spPr>
+        <p:style>
+          <a:lnRef idx="2">
+            <a:schemeClr val="accent1">
+              <a:shade val="50000"/>
+            </a:schemeClr>
+          </a:lnRef>
+          <a:fillRef idx="1">
+            <a:schemeClr val="accent1"/>
+          </a:fillRef>
+          <a:effectRef idx="0">
+            <a:schemeClr val="accent1"/>
+          </a:effectRef>
+          <a:fontRef idx="minor">
+            <a:schemeClr val="lt1"/>
+          </a:fontRef>
+        </p:style>
+        <p:txBody>
+          <a:bodyPr rtlCol="0" anchor="ctr"/>
+          <a:lstStyle/>
+          <a:p>
+            <a:pPr algn="ctr"/>
+            <a:endParaRPr lang="en-US"/>
+          </a:p>
+        </p:txBody>
+      </p:sp>
+      <p:sp>
+        <p:nvSpPr>
+          <p:cNvPr id="11" name="Oval 10"/>
+          <p:cNvSpPr/>
+          <p:nvPr/>
+        </p:nvSpPr>
+        <p:spPr>
+          <a:xfrm>
+            <a:off x="2590800" y="4216400"/>
+            <a:ext cx="596900" cy="596900"/>
+          </a:xfrm>
+          <a:prstGeom prst="ellipse">
+            <a:avLst/>
+          </a:prstGeom>
+          <a:noFill/>
+          <a:ln w="57150">
+            <a:solidFill>
+              <a:schemeClr val="tx1">
+                <a:lumMod val="75000"/>
+                <a:lumOff val="25000"/>
+              </a:schemeClr>
+            </a:solidFill>
+          </a:ln>
+        </p:spPr>
+        <p:style>
+          <a:lnRef idx="2">
+            <a:schemeClr val="accent1">
+              <a:shade val="50000"/>
+            </a:schemeClr>
+          </a:lnRef>
+          <a:fillRef idx="1">
+            <a:schemeClr val="accent1"/>
+          </a:fillRef>
+          <a:effectRef idx="0">
+            <a:schemeClr val="accent1"/>
+          </a:effectRef>
+          <a:fontRef idx="minor">
+            <a:schemeClr val="lt1"/>
+          </a:fontRef>
+        </p:style>
+        <p:txBody>
+          <a:bodyPr rtlCol="0" anchor="ctr"/>
+          <a:lstStyle/>
+          <a:p>
+            <a:pPr algn="ctr"/>
+            <a:endParaRPr lang="en-US"/>
+          </a:p>
+        </p:txBody>
+      </p:sp>
+      <p:sp>
+        <p:nvSpPr>
+          <p:cNvPr id="12" name="Oval 11"/>
+          <p:cNvSpPr/>
+          <p:nvPr/>
+        </p:nvSpPr>
+        <p:spPr>
+          <a:xfrm>
+            <a:off x="-508000" y="1301673"/>
+            <a:ext cx="1263650" cy="1263650"/>
+          </a:xfrm>
+          <a:prstGeom prst="ellipse">
+            <a:avLst/>
+          </a:prstGeom>
+          <a:noFill/>
+          <a:ln w="57150">
+            <a:solidFill>
+              <a:schemeClr val="tx1">
+                <a:lumMod val="75000"/>
+                <a:lumOff val="25000"/>
+              </a:schemeClr>
+            </a:solidFill>
+          </a:ln>
+        </p:spPr>
+        <p:style>
+          <a:lnRef idx="2">
+            <a:schemeClr val="accent1">
+              <a:shade val="50000"/>
+            </a:schemeClr>
+          </a:lnRef>
+          <a:fillRef idx="1">
+            <a:schemeClr val="accent1"/>
+          </a:fillRef>
+          <a:effectRef idx="0">
+            <a:schemeClr val="accent1"/>
+          </a:effectRef>
+          <a:fontRef idx="minor">
+            <a:schemeClr val="lt1"/>
+          </a:fontRef>
+        </p:style>
+        <p:txBody>
+          <a:bodyPr rtlCol="0" anchor="ctr"/>
+          <a:lstStyle/>
+          <a:p>
+            <a:pPr algn="ctr"/>
+            <a:endParaRPr lang="en-US"/>
+          </a:p>
+        </p:txBody>
+      </p:sp>
+      <p:cxnSp>
+        <p:nvCxnSpPr>
+          <p:cNvPr id="15" name="Straight Connector 14"/>
+          <p:cNvCxnSpPr>
+            <a:cxnSpLocks/>
+          </p:cNvCxnSpPr>
+          <p:nvPr/>
+        </p:nvCxnSpPr>
+        <p:spPr>
+          <a:xfrm>
+            <a:off x="381000" y="2505075"/>
+            <a:ext cx="476250" cy="1085850"/>
+          </a:xfrm>
+          <a:prstGeom prst="line">
+            <a:avLst/>
+          </a:prstGeom>
+          <a:ln w="57150">
+            <a:solidFill>
+              <a:schemeClr val="tx1">
+                <a:lumMod val="75000"/>
+                <a:lumOff val="25000"/>
+              </a:schemeClr>
+            </a:solidFill>
+          </a:ln>
+        </p:spPr>
+        <p:style>
+          <a:lnRef idx="1">
+            <a:schemeClr val="accent1"/>
+          </a:lnRef>
+          <a:fillRef idx="0">
+            <a:schemeClr val="accent1"/>
+          </a:fillRef>
+          <a:effectRef idx="0">
+            <a:schemeClr val="accent1"/>
+          </a:effectRef>
+          <a:fontRef idx="minor">
+            <a:schemeClr val="tx1"/>
+          </a:fontRef>
+        </p:style>
+      </p:cxnSp>
+      <p:cxnSp>
+        <p:nvCxnSpPr>
+          <p:cNvPr id="17" name="Straight Connector 16"/>
+          <p:cNvCxnSpPr>
+            <a:cxnSpLocks/>
+          </p:cNvCxnSpPr>
+          <p:nvPr/>
+        </p:nvCxnSpPr>
+        <p:spPr>
+          <a:xfrm flipV="1">
+            <a:off x="809625" y="4219575"/>
+            <a:ext cx="133350" cy="1123951"/>
+          </a:xfrm>
+          <a:prstGeom prst="line">
+            <a:avLst/>
+          </a:prstGeom>
+          <a:ln w="57150">
+            <a:solidFill>
+              <a:schemeClr val="tx1">
+                <a:lumMod val="75000"/>
+                <a:lumOff val="25000"/>
+              </a:schemeClr>
+            </a:solidFill>
+          </a:ln>
+        </p:spPr>
+        <p:style>
+          <a:lnRef idx="1">
+            <a:schemeClr val="accent1"/>
+          </a:lnRef>
+          <a:fillRef idx="0">
+            <a:schemeClr val="accent1"/>
+          </a:fillRef>
+          <a:effectRef idx="0">
+            <a:schemeClr val="accent1"/>
+          </a:effectRef>
+          <a:fontRef idx="minor">
+            <a:schemeClr val="tx1"/>
+          </a:fontRef>
+        </p:style>
+      </p:cxnSp>
+      <p:cxnSp>
+        <p:nvCxnSpPr>
+          <p:cNvPr id="19" name="Straight Connector 18"/>
+          <p:cNvCxnSpPr>
+            <a:cxnSpLocks/>
+          </p:cNvCxnSpPr>
+          <p:nvPr/>
+        </p:nvCxnSpPr>
+        <p:spPr>
+          <a:xfrm flipV="1">
+            <a:off x="1295400" y="3000375"/>
+            <a:ext cx="1171575" cy="742951"/>
+          </a:xfrm>
+          <a:prstGeom prst="line">
+            <a:avLst/>
+          </a:prstGeom>
+          <a:ln w="57150">
+            <a:solidFill>
+              <a:schemeClr val="tx1">
+                <a:lumMod val="75000"/>
+                <a:lumOff val="25000"/>
+              </a:schemeClr>
+            </a:solidFill>
+          </a:ln>
+        </p:spPr>
+        <p:style>
+          <a:lnRef idx="1">
+            <a:schemeClr val="accent1"/>
+          </a:lnRef>
+          <a:fillRef idx="0">
+            <a:schemeClr val="accent1"/>
+          </a:fillRef>
+          <a:effectRef idx="0">
+            <a:schemeClr val="accent1"/>
+          </a:effectRef>
+          <a:fontRef idx="minor">
+            <a:schemeClr val="tx1"/>
+          </a:fontRef>
+        </p:style>
+      </p:cxnSp>
+      <p:cxnSp>
+        <p:nvCxnSpPr>
+          <p:cNvPr id="21" name="Straight Connector 20"/>
+          <p:cNvCxnSpPr>
+            <a:cxnSpLocks/>
+            <a:endCxn id="7" idx="6"/>
+          </p:cNvCxnSpPr>
+          <p:nvPr/>
+        </p:nvCxnSpPr>
+        <p:spPr>
+          <a:xfrm flipH="1" flipV="1">
+            <a:off x="2705100" y="2933700"/>
+            <a:ext cx="971550" cy="323850"/>
+          </a:xfrm>
+          <a:prstGeom prst="line">
+            <a:avLst/>
+          </a:prstGeom>
+          <a:ln w="57150">
+            <a:solidFill>
+              <a:schemeClr val="tx1">
+                <a:lumMod val="75000"/>
+                <a:lumOff val="25000"/>
+              </a:schemeClr>
+            </a:solidFill>
+          </a:ln>
+        </p:spPr>
+        <p:style>
+          <a:lnRef idx="1">
+            <a:schemeClr val="accent1"/>
+          </a:lnRef>
+          <a:fillRef idx="0">
+            <a:schemeClr val="accent1"/>
+          </a:fillRef>
+          <a:effectRef idx="0">
+            <a:schemeClr val="accent1"/>
+          </a:effectRef>
+          <a:fontRef idx="minor">
+            <a:schemeClr val="tx1"/>
+          </a:fontRef>
+        </p:style>
+      </p:cxnSp>
+      <p:cxnSp>
+        <p:nvCxnSpPr>
+          <p:cNvPr id="26" name="Straight Connector 25"/>
+          <p:cNvCxnSpPr>
+            <a:cxnSpLocks/>
+            <a:endCxn id="7" idx="4"/>
+          </p:cNvCxnSpPr>
+          <p:nvPr/>
+        </p:nvCxnSpPr>
+        <p:spPr>
+          <a:xfrm flipH="1" flipV="1">
+            <a:off x="2590800" y="3048000"/>
+            <a:ext cx="209550" cy="1181100"/>
+          </a:xfrm>
+          <a:prstGeom prst="line">
+            <a:avLst/>
+          </a:prstGeom>
+          <a:ln w="57150">
+            <a:solidFill>
+              <a:schemeClr val="tx1">
+                <a:lumMod val="75000"/>
+                <a:lumOff val="25000"/>
+              </a:schemeClr>
+            </a:solidFill>
+          </a:ln>
+        </p:spPr>
+        <p:style>
+          <a:lnRef idx="1">
+            <a:schemeClr val="accent1"/>
+          </a:lnRef>
+          <a:fillRef idx="0">
+            <a:schemeClr val="accent1"/>
+          </a:fillRef>
+          <a:effectRef idx="0">
+            <a:schemeClr val="accent1"/>
+          </a:effectRef>
+          <a:fontRef idx="minor">
+            <a:schemeClr val="tx1"/>
+          </a:fontRef>
+        </p:style>
+      </p:cxnSp>
+      <p:cxnSp>
+        <p:nvCxnSpPr>
+          <p:cNvPr id="28" name="Straight Connector 27"/>
+          <p:cNvCxnSpPr>
+            <a:stCxn id="3" idx="5"/>
+            <a:endCxn id="4" idx="1"/>
+          </p:cNvCxnSpPr>
+          <p:nvPr/>
+        </p:nvCxnSpPr>
+        <p:spPr>
+          <a:xfrm>
+            <a:off x="1227806" y="4123406"/>
+            <a:ext cx="1261394" cy="1388394"/>
+          </a:xfrm>
+          <a:prstGeom prst="line">
+            <a:avLst/>
+          </a:prstGeom>
+          <a:ln w="57150">
+            <a:solidFill>
+              <a:schemeClr val="tx1">
+                <a:lumMod val="75000"/>
+                <a:lumOff val="25000"/>
+              </a:schemeClr>
+            </a:solidFill>
+          </a:ln>
+        </p:spPr>
+        <p:style>
+          <a:lnRef idx="1">
+            <a:schemeClr val="accent1"/>
+          </a:lnRef>
+          <a:fillRef idx="0">
+            <a:schemeClr val="accent1"/>
+          </a:fillRef>
+          <a:effectRef idx="0">
+            <a:schemeClr val="accent1"/>
+          </a:effectRef>
+          <a:fontRef idx="minor">
+            <a:schemeClr val="tx1"/>
+          </a:fontRef>
+        </p:style>
+      </p:cxnSp>
+      <p:cxnSp>
+        <p:nvCxnSpPr>
+          <p:cNvPr id="30" name="Straight Connector 29"/>
+          <p:cNvCxnSpPr>
+            <a:cxnSpLocks/>
+          </p:cNvCxnSpPr>
+          <p:nvPr/>
+        </p:nvCxnSpPr>
+        <p:spPr>
+          <a:xfrm flipH="1">
+            <a:off x="3568701" y="4048125"/>
+            <a:ext cx="488949" cy="1247775"/>
+          </a:xfrm>
+          <a:prstGeom prst="line">
+            <a:avLst/>
+          </a:prstGeom>
+          <a:ln w="57150">
+            <a:solidFill>
+              <a:srgbClr val="EE3525"/>
+            </a:solidFill>
+          </a:ln>
+        </p:spPr>
+        <p:style>
+          <a:lnRef idx="1">
+            <a:schemeClr val="accent1"/>
+          </a:lnRef>
+          <a:fillRef idx="0">
+            <a:schemeClr val="accent1"/>
+          </a:fillRef>
+          <a:effectRef idx="0">
+            <a:schemeClr val="accent1"/>
+          </a:effectRef>
+          <a:fontRef idx="minor">
+            <a:schemeClr val="tx1"/>
+          </a:fontRef>
+        </p:style>
+      </p:cxnSp>
+      <p:cxnSp>
+        <p:nvCxnSpPr>
+          <p:cNvPr id="32" name="Straight Connector 31"/>
+          <p:cNvCxnSpPr>
+            <a:cxnSpLocks/>
+          </p:cNvCxnSpPr>
+          <p:nvPr/>
+        </p:nvCxnSpPr>
+        <p:spPr>
+          <a:xfrm flipH="1" flipV="1">
+            <a:off x="4924426" y="3590926"/>
+            <a:ext cx="952499" cy="180974"/>
+          </a:xfrm>
+          <a:prstGeom prst="line">
+            <a:avLst/>
+          </a:prstGeom>
+          <a:ln w="57150">
+            <a:solidFill>
+              <a:schemeClr val="tx1">
+                <a:lumMod val="75000"/>
+                <a:lumOff val="25000"/>
+              </a:schemeClr>
+            </a:solidFill>
+          </a:ln>
+        </p:spPr>
+        <p:style>
+          <a:lnRef idx="1">
+            <a:schemeClr val="accent1"/>
+          </a:lnRef>
+          <a:fillRef idx="0">
+            <a:schemeClr val="accent1"/>
+          </a:fillRef>
+          <a:effectRef idx="0">
+            <a:schemeClr val="accent1"/>
+          </a:effectRef>
+          <a:fontRef idx="minor">
+            <a:schemeClr val="tx1"/>
+          </a:fontRef>
+        </p:style>
+      </p:cxnSp>
+      <p:cxnSp>
+        <p:nvCxnSpPr>
+          <p:cNvPr id="34" name="Straight Connector 33"/>
+          <p:cNvCxnSpPr>
+            <a:cxnSpLocks/>
+            <a:endCxn id="10" idx="5"/>
+          </p:cNvCxnSpPr>
+          <p:nvPr/>
+        </p:nvCxnSpPr>
+        <p:spPr>
+          <a:xfrm flipH="1" flipV="1">
+            <a:off x="6301005" y="4015005"/>
+            <a:ext cx="490320" cy="595095"/>
+          </a:xfrm>
+          <a:prstGeom prst="line">
+            <a:avLst/>
+          </a:prstGeom>
+          <a:ln w="57150">
+            <a:solidFill>
+              <a:srgbClr val="EE3525"/>
+            </a:solidFill>
+          </a:ln>
+        </p:spPr>
+        <p:style>
+          <a:lnRef idx="1">
+            <a:schemeClr val="accent1"/>
+          </a:lnRef>
+          <a:fillRef idx="0">
+            <a:schemeClr val="accent1"/>
+          </a:fillRef>
+          <a:effectRef idx="0">
+            <a:schemeClr val="accent1"/>
+          </a:effectRef>
+          <a:fontRef idx="minor">
+            <a:schemeClr val="tx1"/>
+          </a:fontRef>
+        </p:style>
+      </p:cxnSp>
+      <p:cxnSp>
+        <p:nvCxnSpPr>
+          <p:cNvPr id="36" name="Straight Connector 35"/>
+          <p:cNvCxnSpPr>
+            <a:stCxn id="10" idx="3"/>
+            <a:endCxn id="9" idx="7"/>
+          </p:cNvCxnSpPr>
+          <p:nvPr/>
+        </p:nvCxnSpPr>
+        <p:spPr>
+          <a:xfrm flipH="1">
+            <a:off x="5308600" y="4015005"/>
+            <a:ext cx="633195" cy="950695"/>
+          </a:xfrm>
+          <a:prstGeom prst="line">
+            <a:avLst/>
+          </a:prstGeom>
+          <a:ln w="57150">
+            <a:solidFill>
+              <a:schemeClr val="tx1">
+                <a:lumMod val="75000"/>
+                <a:lumOff val="25000"/>
+              </a:schemeClr>
+            </a:solidFill>
+          </a:ln>
+        </p:spPr>
+        <p:style>
+          <a:lnRef idx="1">
+            <a:schemeClr val="accent1"/>
+          </a:lnRef>
+          <a:fillRef idx="0">
+            <a:schemeClr val="accent1"/>
+          </a:fillRef>
+          <a:effectRef idx="0">
+            <a:schemeClr val="accent1"/>
+          </a:effectRef>
+          <a:fontRef idx="minor">
+            <a:schemeClr val="tx1"/>
+          </a:fontRef>
+        </p:style>
+      </p:cxnSp>
+      <p:sp>
+        <p:nvSpPr>
+          <p:cNvPr id="10" name="Oval 9"/>
+          <p:cNvSpPr/>
+          <p:nvPr/>
+        </p:nvSpPr>
+        <p:spPr>
+          <a:xfrm>
+            <a:off x="5867400" y="3581400"/>
+            <a:ext cx="508000" cy="508000"/>
+          </a:xfrm>
+          <a:prstGeom prst="ellipse">
+            <a:avLst/>
+          </a:prstGeom>
+          <a:noFill/>
+          <a:ln w="57150">
+            <a:solidFill>
+              <a:schemeClr val="tx1">
+                <a:lumMod val="75000"/>
+                <a:lumOff val="25000"/>
+              </a:schemeClr>
+            </a:solidFill>
+          </a:ln>
+        </p:spPr>
+        <p:style>
+          <a:lnRef idx="2">
+            <a:schemeClr val="accent1">
+              <a:shade val="50000"/>
+            </a:schemeClr>
+          </a:lnRef>
+          <a:fillRef idx="1">
+            <a:schemeClr val="accent1"/>
+          </a:fillRef>
+          <a:effectRef idx="0">
+            <a:schemeClr val="accent1"/>
+          </a:effectRef>
+          <a:fontRef idx="minor">
+            <a:schemeClr val="lt1"/>
+          </a:fontRef>
+        </p:style>
+        <p:txBody>
+          <a:bodyPr rtlCol="0" anchor="ctr"/>
+          <a:lstStyle/>
+          <a:p>
+            <a:pPr algn="ctr"/>
+            <a:endParaRPr lang="en-US"/>
+          </a:p>
+        </p:txBody>
+      </p:sp>
+      <p:sp>
+        <p:nvSpPr>
+          <p:cNvPr id="5" name="Oval 4"/>
+          <p:cNvSpPr/>
+          <p:nvPr/>
+        </p:nvSpPr>
+        <p:spPr>
+          <a:xfrm>
+            <a:off x="3644900" y="2819400"/>
+            <a:ext cx="1270000" cy="1270000"/>
+          </a:xfrm>
+          <a:prstGeom prst="ellipse">
+            <a:avLst/>
+          </a:prstGeom>
+          <a:noFill/>
+          <a:ln w="57150">
+            <a:solidFill>
+              <a:srgbClr val="EE3525"/>
+            </a:solidFill>
+          </a:ln>
+        </p:spPr>
+        <p:style>
+          <a:lnRef idx="2">
+            <a:schemeClr val="accent1">
+              <a:shade val="50000"/>
+            </a:schemeClr>
+          </a:lnRef>
+          <a:fillRef idx="1">
+            <a:schemeClr val="accent1"/>
+          </a:fillRef>
+          <a:effectRef idx="0">
+            <a:schemeClr val="accent1"/>
+          </a:effectRef>
+          <a:fontRef idx="minor">
+            <a:schemeClr val="lt1"/>
+          </a:fontRef>
+        </p:style>
+        <p:txBody>
+          <a:bodyPr rtlCol="0" anchor="ctr"/>
+          <a:lstStyle/>
+          <a:p>
+            <a:pPr algn="ctr"/>
+            <a:endParaRPr lang="en-US"/>
+          </a:p>
+        </p:txBody>
+      </p:sp>
+      <p:sp>
+        <p:nvSpPr>
+          <p:cNvPr id="4" name="Oval 3"/>
+          <p:cNvSpPr/>
+          <p:nvPr/>
+        </p:nvSpPr>
+        <p:spPr>
+          <a:xfrm>
+            <a:off x="2197100" y="5232400"/>
+            <a:ext cx="1981200" cy="1981200"/>
+          </a:xfrm>
+          <a:prstGeom prst="ellipse">
+            <a:avLst/>
+          </a:prstGeom>
+          <a:noFill/>
+          <a:ln w="57150">
+            <a:solidFill>
+              <a:srgbClr val="EE3525"/>
+            </a:solidFill>
+          </a:ln>
+        </p:spPr>
+        <p:style>
+          <a:lnRef idx="2">
+            <a:schemeClr val="accent1">
+              <a:shade val="50000"/>
+            </a:schemeClr>
+          </a:lnRef>
+          <a:fillRef idx="1">
+            <a:schemeClr val="accent1"/>
+          </a:fillRef>
+          <a:effectRef idx="0">
+            <a:schemeClr val="accent1"/>
+          </a:effectRef>
+          <a:fontRef idx="minor">
+            <a:schemeClr val="lt1"/>
+          </a:fontRef>
+        </p:style>
+        <p:txBody>
+          <a:bodyPr rtlCol="0" anchor="ctr"/>
+          <a:lstStyle/>
+          <a:p>
+            <a:pPr algn="ctr"/>
+            <a:endParaRPr lang="en-US"/>
+          </a:p>
+        </p:txBody>
+      </p:sp>
+      <p:sp>
+        <p:nvSpPr>
+          <p:cNvPr id="3" name="Oval 2"/>
+          <p:cNvSpPr/>
+          <p:nvPr/>
+        </p:nvSpPr>
+        <p:spPr>
+          <a:xfrm>
+            <a:off x="685800" y="3581400"/>
+            <a:ext cx="635000" cy="635000"/>
+          </a:xfrm>
+          <a:prstGeom prst="ellipse">
+            <a:avLst/>
+          </a:prstGeom>
+          <a:noFill/>
+          <a:ln w="57150">
+            <a:solidFill>
+              <a:srgbClr val="EE3525"/>
+            </a:solidFill>
+          </a:ln>
+        </p:spPr>
+        <p:style>
+          <a:lnRef idx="2">
+            <a:schemeClr val="accent1">
+              <a:shade val="50000"/>
+            </a:schemeClr>
+          </a:lnRef>
+          <a:fillRef idx="1">
+            <a:schemeClr val="accent1"/>
+          </a:fillRef>
+          <a:effectRef idx="0">
+            <a:schemeClr val="accent1"/>
+          </a:effectRef>
+          <a:fontRef idx="minor">
+            <a:schemeClr val="lt1"/>
+          </a:fontRef>
+        </p:style>
+        <p:txBody>
+          <a:bodyPr rtlCol="0" anchor="ctr"/>
+          <a:lstStyle/>
+          <a:p>
+            <a:pPr algn="ctr"/>
+            <a:endParaRPr lang="en-US"/>
+          </a:p>
+        </p:txBody>
+      </p:sp>
+      <p:sp>
+        <p:nvSpPr>
+          <p:cNvPr id="50" name="TextBox 49"/>
+          <p:cNvSpPr txBox="1"/>
+          <p:nvPr/>
+        </p:nvSpPr>
+        <p:spPr>
+          <a:xfrm>
+            <a:off x="6791325" y="2906963"/>
+            <a:ext cx="4676775" cy="523220"/>
+          </a:xfrm>
+          <a:prstGeom prst="rect">
+            <a:avLst/>
+          </a:prstGeom>
+          <a:noFill/>
+        </p:spPr>
+        <p:txBody>
+          <a:bodyPr wrap="square" rtlCol="0">
+            <a:spAutoFit/>
+          </a:bodyPr>
+          <a:lstStyle/>
+          <a:p>
+            <a:pPr algn="r"/>
+            <a:r>
+              <a:rPr lang="en-US" sz="2800" dirty="0">
+                <a:latin typeface="Work Sans ExtraLight" panose="00000300000000000000" pitchFamily="2" charset="0"/>
               </a:rPr>
-              <a:t/>
-            </a:r>
-            <a:br>
-              <a:rPr lang="en-US" dirty="0">
-                <a:ln w="0"/>
-                <a:effectLst>
-                  <a:outerShdw blurRad="38100" dist="19050" dir="2700000" algn="tl" rotWithShape="0">
-                    <a:schemeClr val="dk1">
-                      <a:alpha val="40000"/>
-                    </a:schemeClr>
-                  </a:outerShdw>
-                </a:effectLst>
+              <a:t>Livestream tutorials</a:t>
+            </a:r>
+          </a:p>
+        </p:txBody>
+      </p:sp>
+      <p:sp>
+        <p:nvSpPr>
+          <p:cNvPr id="51" name="TextBox 50"/>
+          <p:cNvSpPr txBox="1"/>
+          <p:nvPr/>
+        </p:nvSpPr>
+        <p:spPr>
+          <a:xfrm>
+            <a:off x="6791325" y="3524905"/>
+            <a:ext cx="4676775" cy="523220"/>
+          </a:xfrm>
+          <a:prstGeom prst="rect">
+            <a:avLst/>
+          </a:prstGeom>
+          <a:noFill/>
+        </p:spPr>
+        <p:txBody>
+          <a:bodyPr wrap="square" rtlCol="0">
+            <a:spAutoFit/>
+          </a:bodyPr>
+          <a:lstStyle/>
+          <a:p>
+            <a:pPr algn="r"/>
+            <a:r>
+              <a:rPr lang="en-US" sz="2800" dirty="0">
+                <a:latin typeface="Work Sans ExtraLight" panose="00000300000000000000" pitchFamily="2" charset="0"/>
               </a:rPr>
-            </a:br>
-            <a:endParaRPr lang="en-US" dirty="0"/>
-          </a:p>
-        </p:txBody>
-      </p:sp>
-      <p:pic>
-        <p:nvPicPr>
-          <p:cNvPr id="5" name="Picture 4"/>
-          <p:cNvPicPr>
-            <a:picLocks noChangeAspect="1"/>
-          </p:cNvPicPr>
-          <p:nvPr/>
-        </p:nvPicPr>
-        <p:blipFill>
-          <a:blip r:embed="rId3">
-            <a:extLst>
-              <a:ext uri="{28A0092B-C50C-407E-A947-70E740481C1C}">
-                <a14:useLocalDpi xmlns:a14="http://schemas.microsoft.com/office/drawing/2010/main" val="0"/>
-              </a:ext>
-            </a:extLst>
-          </a:blip>
-          <a:stretch>
-            <a:fillRect/>
-          </a:stretch>
-        </p:blipFill>
-        <p:spPr>
-          <a:xfrm>
-            <a:off x="1124262" y="1165456"/>
-            <a:ext cx="6250898" cy="3513004"/>
-          </a:xfrm>
-          <a:prstGeom prst="rect">
-            <a:avLst/>
-          </a:prstGeom>
-        </p:spPr>
-      </p:pic>
-      <p:pic>
-        <p:nvPicPr>
-          <p:cNvPr id="6" name="Picture 5"/>
-          <p:cNvPicPr>
-            <a:picLocks noChangeAspect="1"/>
-          </p:cNvPicPr>
-          <p:nvPr/>
-        </p:nvPicPr>
-        <p:blipFill>
-          <a:blip r:embed="rId4">
-            <a:extLst>
-              <a:ext uri="{28A0092B-C50C-407E-A947-70E740481C1C}">
-                <a14:useLocalDpi xmlns:a14="http://schemas.microsoft.com/office/drawing/2010/main" val="0"/>
-              </a:ext>
-            </a:extLst>
-          </a:blip>
-          <a:stretch>
-            <a:fillRect/>
-          </a:stretch>
-        </p:blipFill>
-        <p:spPr>
-          <a:xfrm>
-            <a:off x="7375160" y="3818640"/>
-            <a:ext cx="3832902" cy="2491386"/>
-          </a:xfrm>
-          <a:prstGeom prst="rect">
-            <a:avLst/>
-          </a:prstGeom>
-        </p:spPr>
-      </p:pic>
+              <a:t>Archive of webcasts</a:t>
+            </a:r>
+          </a:p>
+        </p:txBody>
+      </p:sp>
     </p:spTree>
     <p:extLst>
       <p:ext uri="{BB962C8B-B14F-4D97-AF65-F5344CB8AC3E}">
-        <p14:creationId xmlns:p14="http://schemas.microsoft.com/office/powerpoint/2010/main" val="2036722264"/>
+        <p14:creationId xmlns:p14="http://schemas.microsoft.com/office/powerpoint/2010/main" val="3443441795"/>
       </p:ext>
     </p:extLst>
   </p:cSld>
   <p:clrMapOvr>
     <a:masterClrMapping/>
   </p:clrMapOvr>
-  <p:timing>
-    <p:tnLst>
-      <p:par>
-        <p:cTn id="1" dur="indefinite" restart="never" nodeType="tmRoot"/>
-      </p:par>
-    </p:tnLst>
-  </p:timing>
+  <mc:AlternateContent xmlns:mc="http://schemas.openxmlformats.org/markup-compatibility/2006">
+    <mc:Choice xmlns:p159="http://schemas.microsoft.com/office/powerpoint/2015/09/main" Requires="p159">
+      <p:transition xmlns:p14="http://schemas.microsoft.com/office/powerpoint/2010/main" spd="slow" p14:dur="2000">
+        <p159:morph option="byObject"/>
+      </p:transition>
+    </mc:Choice>
+    <mc:Fallback>
+      <p:transition spd="slow">
+        <p:fade/>
+      </p:transition>
+    </mc:Fallback>
+  </mc:AlternateContent>
 </p:sld>
 </file>
 
@@ -5184,43 +6616,96 @@
       </p:grpSpPr>
       <p:sp>
         <p:nvSpPr>
-          <p:cNvPr id="2" name="Title 1"/>
-          <p:cNvSpPr>
-            <a:spLocks noGrp="1"/>
-          </p:cNvSpPr>
-          <p:nvPr>
-            <p:ph type="title"/>
-          </p:nvPr>
-        </p:nvSpPr>
-        <p:spPr>
-          <a:xfrm>
-            <a:off x="853190" y="200233"/>
-            <a:ext cx="10515600" cy="1325563"/>
-          </a:xfrm>
-        </p:spPr>
-        <p:txBody>
-          <a:bodyPr/>
+          <p:cNvPr id="23" name="Rectangle 22"/>
+          <p:cNvSpPr/>
+          <p:nvPr/>
+        </p:nvSpPr>
+        <p:spPr>
+          <a:xfrm>
+            <a:off x="-2512273" y="-819150"/>
+            <a:ext cx="16959855" cy="8792886"/>
+          </a:xfrm>
+          <a:prstGeom prst="rect">
+            <a:avLst/>
+          </a:prstGeom>
+          <a:solidFill>
+            <a:schemeClr val="bg2">
+              <a:lumMod val="90000"/>
+            </a:schemeClr>
+          </a:solidFill>
+          <a:ln>
+            <a:noFill/>
+          </a:ln>
+        </p:spPr>
+        <p:style>
+          <a:lnRef idx="2">
+            <a:schemeClr val="accent1">
+              <a:shade val="50000"/>
+            </a:schemeClr>
+          </a:lnRef>
+          <a:fillRef idx="1">
+            <a:schemeClr val="accent1"/>
+          </a:fillRef>
+          <a:effectRef idx="0">
+            <a:schemeClr val="accent1"/>
+          </a:effectRef>
+          <a:fontRef idx="minor">
+            <a:schemeClr val="lt1"/>
+          </a:fontRef>
+        </p:style>
+        <p:txBody>
+          <a:bodyPr rtlCol="0" anchor="ctr"/>
           <a:lstStyle/>
           <a:p>
             <a:pPr algn="ctr"/>
-            <a:r>
-              <a:rPr lang="en-US" dirty="0" smtClean="0"/>
-              <a:t>Webcasts</a:t>
-            </a:r>
-            <a:endParaRPr lang="en-US" dirty="0"/>
+            <a:endParaRPr lang="en-US" sz="1200"/>
+          </a:p>
+        </p:txBody>
+      </p:sp>
+      <p:sp>
+        <p:nvSpPr>
+          <p:cNvPr id="2" name="TextBox 1"/>
+          <p:cNvSpPr txBox="1"/>
+          <p:nvPr/>
+        </p:nvSpPr>
+        <p:spPr>
+          <a:xfrm>
+            <a:off x="3903904" y="425450"/>
+            <a:ext cx="4127500" cy="769441"/>
+          </a:xfrm>
+          <a:prstGeom prst="rect">
+            <a:avLst/>
+          </a:prstGeom>
+          <a:noFill/>
+        </p:spPr>
+        <p:txBody>
+          <a:bodyPr wrap="square" rtlCol="0">
+            <a:spAutoFit/>
+          </a:bodyPr>
+          <a:lstStyle/>
+          <a:p>
+            <a:pPr algn="ctr"/>
+            <a:r>
+              <a:rPr lang="en-US" sz="4400" dirty="0">
+                <a:latin typeface="Work Sans Light" panose="00000400000000000000" pitchFamily="2" charset="0"/>
+              </a:rPr>
+              <a:t>Live Demo</a:t>
+            </a:r>
           </a:p>
         </p:txBody>
       </p:sp>
       <p:pic>
         <p:nvPicPr>
-          <p:cNvPr id="5" name="Picture 4"/>
+          <p:cNvPr id="27" name="Picture 26">
+            <a:hlinkClick r:id="rId3"/>
+          </p:cNvPr>
           <p:cNvPicPr>
             <a:picLocks noChangeAspect="1"/>
           </p:cNvPicPr>
           <p:nvPr/>
         </p:nvPicPr>
         <p:blipFill>
-          <a:blip r:embed="rId3">
+          <a:blip r:embed="rId4">
             <a:extLst>
               <a:ext uri="{28A0092B-C50C-407E-A947-70E740481C1C}">
                 <a14:useLocalDpi xmlns:a14="http://schemas.microsoft.com/office/drawing/2010/main" val="0"/>
@@ -5233,31 +6718,226 @@
         </p:blipFill>
         <p:spPr>
           <a:xfrm>
-            <a:off x="2754859" y="1525796"/>
-            <a:ext cx="6712262" cy="5034197"/>
+            <a:off x="4325226" y="2771775"/>
+            <a:ext cx="3284855" cy="3284855"/>
           </a:xfrm>
           <a:prstGeom prst="rect">
             <a:avLst/>
           </a:prstGeom>
         </p:spPr>
       </p:pic>
+      <p:cxnSp>
+        <p:nvCxnSpPr>
+          <p:cNvPr id="14" name="Straight Connector 13"/>
+          <p:cNvCxnSpPr/>
+          <p:nvPr/>
+        </p:nvCxnSpPr>
+        <p:spPr>
+          <a:xfrm>
+            <a:off x="-3233057" y="4790623"/>
+            <a:ext cx="5581650" cy="0"/>
+          </a:xfrm>
+          <a:prstGeom prst="line">
+            <a:avLst/>
+          </a:prstGeom>
+          <a:ln w="12700"/>
+        </p:spPr>
+        <p:style>
+          <a:lnRef idx="1">
+            <a:schemeClr val="dk1"/>
+          </a:lnRef>
+          <a:fillRef idx="0">
+            <a:schemeClr val="dk1"/>
+          </a:fillRef>
+          <a:effectRef idx="0">
+            <a:schemeClr val="dk1"/>
+          </a:effectRef>
+          <a:fontRef idx="minor">
+            <a:schemeClr val="tx1"/>
+          </a:fontRef>
+        </p:style>
+      </p:cxnSp>
+      <p:cxnSp>
+        <p:nvCxnSpPr>
+          <p:cNvPr id="18" name="Straight Connector 17"/>
+          <p:cNvCxnSpPr/>
+          <p:nvPr/>
+        </p:nvCxnSpPr>
+        <p:spPr>
+          <a:xfrm>
+            <a:off x="2348593" y="2496004"/>
+            <a:ext cx="0" cy="3284855"/>
+          </a:xfrm>
+          <a:prstGeom prst="line">
+            <a:avLst/>
+          </a:prstGeom>
+          <a:ln w="12700"/>
+        </p:spPr>
+        <p:style>
+          <a:lnRef idx="1">
+            <a:schemeClr val="dk1"/>
+          </a:lnRef>
+          <a:fillRef idx="0">
+            <a:schemeClr val="dk1"/>
+          </a:fillRef>
+          <a:effectRef idx="0">
+            <a:schemeClr val="dk1"/>
+          </a:effectRef>
+          <a:fontRef idx="minor">
+            <a:schemeClr val="tx1"/>
+          </a:fontRef>
+        </p:style>
+      </p:cxnSp>
+      <p:cxnSp>
+        <p:nvCxnSpPr>
+          <p:cNvPr id="31" name="Straight Connector 30"/>
+          <p:cNvCxnSpPr>
+            <a:cxnSpLocks/>
+          </p:cNvCxnSpPr>
+          <p:nvPr/>
+        </p:nvCxnSpPr>
+        <p:spPr>
+          <a:xfrm>
+            <a:off x="2130879" y="2771775"/>
+            <a:ext cx="1441450" cy="0"/>
+          </a:xfrm>
+          <a:prstGeom prst="line">
+            <a:avLst/>
+          </a:prstGeom>
+          <a:ln w="12700"/>
+        </p:spPr>
+        <p:style>
+          <a:lnRef idx="1">
+            <a:schemeClr val="dk1"/>
+          </a:lnRef>
+          <a:fillRef idx="0">
+            <a:schemeClr val="dk1"/>
+          </a:fillRef>
+          <a:effectRef idx="0">
+            <a:schemeClr val="dk1"/>
+          </a:effectRef>
+          <a:fontRef idx="minor">
+            <a:schemeClr val="tx1"/>
+          </a:fontRef>
+        </p:style>
+      </p:cxnSp>
+      <p:cxnSp>
+        <p:nvCxnSpPr>
+          <p:cNvPr id="33" name="Straight Connector 32"/>
+          <p:cNvCxnSpPr/>
+          <p:nvPr/>
+        </p:nvCxnSpPr>
+        <p:spPr>
+          <a:xfrm>
+            <a:off x="8995229" y="2925537"/>
+            <a:ext cx="5581650" cy="0"/>
+          </a:xfrm>
+          <a:prstGeom prst="line">
+            <a:avLst/>
+          </a:prstGeom>
+          <a:ln w="12700"/>
+        </p:spPr>
+        <p:style>
+          <a:lnRef idx="1">
+            <a:schemeClr val="dk1"/>
+          </a:lnRef>
+          <a:fillRef idx="0">
+            <a:schemeClr val="dk1"/>
+          </a:fillRef>
+          <a:effectRef idx="0">
+            <a:schemeClr val="dk1"/>
+          </a:effectRef>
+          <a:fontRef idx="minor">
+            <a:schemeClr val="tx1"/>
+          </a:fontRef>
+        </p:style>
+      </p:cxnSp>
+      <p:cxnSp>
+        <p:nvCxnSpPr>
+          <p:cNvPr id="37" name="Straight Connector 36"/>
+          <p:cNvCxnSpPr>
+            <a:cxnSpLocks/>
+          </p:cNvCxnSpPr>
+          <p:nvPr/>
+        </p:nvCxnSpPr>
+        <p:spPr>
+          <a:xfrm>
+            <a:off x="8995229" y="352879"/>
+            <a:ext cx="0" cy="6309178"/>
+          </a:xfrm>
+          <a:prstGeom prst="line">
+            <a:avLst/>
+          </a:prstGeom>
+          <a:ln w="12700"/>
+        </p:spPr>
+        <p:style>
+          <a:lnRef idx="1">
+            <a:schemeClr val="dk1"/>
+          </a:lnRef>
+          <a:fillRef idx="0">
+            <a:schemeClr val="dk1"/>
+          </a:fillRef>
+          <a:effectRef idx="0">
+            <a:schemeClr val="dk1"/>
+          </a:effectRef>
+          <a:fontRef idx="minor">
+            <a:schemeClr val="tx1"/>
+          </a:fontRef>
+        </p:style>
+      </p:cxnSp>
+      <p:cxnSp>
+        <p:nvCxnSpPr>
+          <p:cNvPr id="40" name="Straight Connector 39"/>
+          <p:cNvCxnSpPr/>
+          <p:nvPr/>
+        </p:nvCxnSpPr>
+        <p:spPr>
+          <a:xfrm>
+            <a:off x="4218744" y="1194891"/>
+            <a:ext cx="5581650" cy="0"/>
+          </a:xfrm>
+          <a:prstGeom prst="line">
+            <a:avLst/>
+          </a:prstGeom>
+          <a:ln w="12700"/>
+        </p:spPr>
+        <p:style>
+          <a:lnRef idx="1">
+            <a:schemeClr val="dk1"/>
+          </a:lnRef>
+          <a:fillRef idx="0">
+            <a:schemeClr val="dk1"/>
+          </a:fillRef>
+          <a:effectRef idx="0">
+            <a:schemeClr val="dk1"/>
+          </a:effectRef>
+          <a:fontRef idx="minor">
+            <a:schemeClr val="tx1"/>
+          </a:fontRef>
+        </p:style>
+      </p:cxnSp>
     </p:spTree>
     <p:extLst>
       <p:ext uri="{BB962C8B-B14F-4D97-AF65-F5344CB8AC3E}">
-        <p14:creationId xmlns:p14="http://schemas.microsoft.com/office/powerpoint/2010/main" val="1158216486"/>
+        <p14:creationId xmlns:p14="http://schemas.microsoft.com/office/powerpoint/2010/main" val="974911636"/>
       </p:ext>
     </p:extLst>
   </p:cSld>
   <p:clrMapOvr>
     <a:masterClrMapping/>
   </p:clrMapOvr>
-  <p:timing>
-    <p:tnLst>
-      <p:par>
-        <p:cTn id="1" dur="indefinite" restart="never" nodeType="tmRoot"/>
-      </p:par>
-    </p:tnLst>
-  </p:timing>
+  <mc:AlternateContent xmlns:mc="http://schemas.openxmlformats.org/markup-compatibility/2006">
+    <mc:Choice xmlns:p159="http://schemas.microsoft.com/office/powerpoint/2015/09/main" Requires="p159">
+      <p:transition xmlns:p14="http://schemas.microsoft.com/office/powerpoint/2010/main" spd="slow" p14:dur="2000">
+        <p159:morph option="byObject"/>
+      </p:transition>
+    </mc:Choice>
+    <mc:Fallback>
+      <p:transition spd="slow">
+        <p:fade/>
+      </p:transition>
+    </mc:Fallback>
+  </mc:AlternateContent>
 </p:sld>
 </file>
 
@@ -5280,101 +6960,422 @@
       </p:grpSpPr>
       <p:sp>
         <p:nvSpPr>
-          <p:cNvPr id="2" name="Title 1"/>
-          <p:cNvSpPr>
-            <a:spLocks noGrp="1"/>
-          </p:cNvSpPr>
-          <p:nvPr>
-            <p:ph type="title"/>
-          </p:nvPr>
-        </p:nvSpPr>
-        <p:spPr/>
-        <p:txBody>
-          <a:bodyPr/>
-          <a:lstStyle/>
-          <a:p>
-            <a:pPr algn="ctr"/>
-            <a:r>
-              <a:rPr lang="en-US" dirty="0" smtClean="0"/>
-              <a:t>Live Demo</a:t>
-            </a:r>
-            <a:endParaRPr lang="en-US" dirty="0"/>
-          </a:p>
-        </p:txBody>
-      </p:sp>
-      <p:sp>
-        <p:nvSpPr>
-          <p:cNvPr id="4" name="Rectangle 3"/>
+          <p:cNvPr id="23" name="Rectangle 22"/>
           <p:cNvSpPr/>
           <p:nvPr/>
         </p:nvSpPr>
         <p:spPr>
-          <a:xfrm>
-            <a:off x="5269437" y="2547609"/>
-            <a:ext cx="1653125" cy="1569660"/>
+          <a:xfrm rot="312229">
+            <a:off x="-1989716" y="-1203798"/>
+            <a:ext cx="16959855" cy="2703219"/>
           </a:xfrm>
           <a:prstGeom prst="rect">
             <a:avLst/>
           </a:prstGeom>
+          <a:solidFill>
+            <a:schemeClr val="bg2">
+              <a:lumMod val="90000"/>
+            </a:schemeClr>
+          </a:solidFill>
+          <a:ln>
+            <a:noFill/>
+          </a:ln>
+        </p:spPr>
+        <p:style>
+          <a:lnRef idx="2">
+            <a:schemeClr val="accent1">
+              <a:shade val="50000"/>
+            </a:schemeClr>
+          </a:lnRef>
+          <a:fillRef idx="1">
+            <a:schemeClr val="accent1"/>
+          </a:fillRef>
+          <a:effectRef idx="0">
+            <a:schemeClr val="accent1"/>
+          </a:effectRef>
+          <a:fontRef idx="minor">
+            <a:schemeClr val="lt1"/>
+          </a:fontRef>
+        </p:style>
+        <p:txBody>
+          <a:bodyPr rtlCol="0" anchor="ctr"/>
+          <a:lstStyle/>
+          <a:p>
+            <a:pPr algn="ctr"/>
+            <a:endParaRPr lang="en-US" sz="1200"/>
+          </a:p>
+        </p:txBody>
+      </p:sp>
+      <p:sp>
+        <p:nvSpPr>
+          <p:cNvPr id="2" name="TextBox 1"/>
+          <p:cNvSpPr txBox="1"/>
+          <p:nvPr/>
+        </p:nvSpPr>
+        <p:spPr>
+          <a:xfrm>
+            <a:off x="3009900" y="330002"/>
+            <a:ext cx="8811652" cy="769441"/>
+          </a:xfrm>
+          <a:prstGeom prst="rect">
+            <a:avLst/>
+          </a:prstGeom>
           <a:noFill/>
         </p:spPr>
         <p:txBody>
-          <a:bodyPr wrap="square" lIns="91440" tIns="45720" rIns="91440" bIns="45720">
+          <a:bodyPr wrap="square" rtlCol="0">
             <a:spAutoFit/>
           </a:bodyPr>
           <a:lstStyle/>
           <a:p>
+            <a:pPr algn="r"/>
+            <a:r>
+              <a:rPr lang="en-US" sz="4400" dirty="0">
+                <a:latin typeface="Work Sans Light" panose="00000400000000000000" pitchFamily="2" charset="0"/>
+              </a:rPr>
+              <a:t>If we had a bit more time…</a:t>
+            </a:r>
+          </a:p>
+        </p:txBody>
+      </p:sp>
+      <p:sp>
+        <p:nvSpPr>
+          <p:cNvPr id="7" name="TextBox 6"/>
+          <p:cNvSpPr txBox="1"/>
+          <p:nvPr/>
+        </p:nvSpPr>
+        <p:spPr>
+          <a:xfrm>
+            <a:off x="5962650" y="2460016"/>
+            <a:ext cx="4696852" cy="769441"/>
+          </a:xfrm>
+          <a:prstGeom prst="rect">
+            <a:avLst/>
+          </a:prstGeom>
+          <a:noFill/>
+        </p:spPr>
+        <p:txBody>
+          <a:bodyPr wrap="square" rtlCol="0">
+            <a:spAutoFit/>
+          </a:bodyPr>
+          <a:lstStyle/>
+          <a:p>
             <a:pPr algn="ctr"/>
             <a:r>
-              <a:rPr lang="en-US" sz="9600" b="0" cap="none" spc="0" dirty="0" smtClean="0">
-                <a:ln w="0"/>
-                <a:solidFill>
-                  <a:schemeClr val="tx1"/>
-                </a:solidFill>
-                <a:effectLst>
-                  <a:outerShdw blurRad="38100" dist="19050" dir="2700000" algn="tl" rotWithShape="0">
-                    <a:schemeClr val="dk1">
-                      <a:alpha val="40000"/>
-                    </a:schemeClr>
-                  </a:outerShdw>
-                </a:effectLst>
-                <a:hlinkClick r:id="rId2"/>
+              <a:rPr lang="en-US" sz="4400" dirty="0">
+                <a:latin typeface="Work Sans" panose="00000500000000000000" pitchFamily="2" charset="0"/>
               </a:rPr>
-              <a:t>Go</a:t>
-            </a:r>
-            <a:endParaRPr lang="en-US" sz="9600" b="0" cap="none" spc="0" dirty="0">
-              <a:ln w="0"/>
-              <a:solidFill>
-                <a:schemeClr val="tx1"/>
-              </a:solidFill>
-              <a:effectLst>
-                <a:outerShdw blurRad="38100" dist="19050" dir="2700000" algn="tl" rotWithShape="0">
-                  <a:schemeClr val="dk1">
-                    <a:alpha val="40000"/>
-                  </a:schemeClr>
-                </a:outerShdw>
-              </a:effectLst>
-            </a:endParaRPr>
+              <a:t>Badges</a:t>
+            </a:r>
+          </a:p>
+        </p:txBody>
+      </p:sp>
+      <p:sp>
+        <p:nvSpPr>
+          <p:cNvPr id="8" name="TextBox 7"/>
+          <p:cNvSpPr txBox="1"/>
+          <p:nvPr/>
+        </p:nvSpPr>
+        <p:spPr>
+          <a:xfrm>
+            <a:off x="1265798" y="4977255"/>
+            <a:ext cx="4696852" cy="769441"/>
+          </a:xfrm>
+          <a:prstGeom prst="rect">
+            <a:avLst/>
+          </a:prstGeom>
+          <a:noFill/>
+        </p:spPr>
+        <p:txBody>
+          <a:bodyPr wrap="square" rtlCol="0">
+            <a:spAutoFit/>
+          </a:bodyPr>
+          <a:lstStyle/>
+          <a:p>
+            <a:pPr algn="ctr"/>
+            <a:r>
+              <a:rPr lang="en-US" sz="4400" dirty="0">
+                <a:latin typeface="Work Sans" panose="00000500000000000000" pitchFamily="2" charset="0"/>
+              </a:rPr>
+              <a:t>Agent Ratings</a:t>
+            </a:r>
+          </a:p>
+        </p:txBody>
+      </p:sp>
+      <p:sp>
+        <p:nvSpPr>
+          <p:cNvPr id="9" name="TextBox 8"/>
+          <p:cNvSpPr txBox="1"/>
+          <p:nvPr/>
+        </p:nvSpPr>
+        <p:spPr>
+          <a:xfrm>
+            <a:off x="514350" y="2121461"/>
+            <a:ext cx="4696852" cy="1446550"/>
+          </a:xfrm>
+          <a:prstGeom prst="rect">
+            <a:avLst/>
+          </a:prstGeom>
+          <a:noFill/>
+        </p:spPr>
+        <p:txBody>
+          <a:bodyPr wrap="square" rtlCol="0">
+            <a:spAutoFit/>
+          </a:bodyPr>
+          <a:lstStyle/>
+          <a:p>
+            <a:pPr algn="ctr"/>
+            <a:r>
+              <a:rPr lang="en-US" sz="4400" dirty="0">
+                <a:latin typeface="Work Sans" panose="00000500000000000000" pitchFamily="2" charset="0"/>
+              </a:rPr>
+              <a:t>Downloadable Content</a:t>
+            </a:r>
+          </a:p>
+        </p:txBody>
+      </p:sp>
+      <p:sp>
+        <p:nvSpPr>
+          <p:cNvPr id="10" name="TextBox 9"/>
+          <p:cNvSpPr txBox="1"/>
+          <p:nvPr/>
+        </p:nvSpPr>
+        <p:spPr>
+          <a:xfrm>
+            <a:off x="7124700" y="4178801"/>
+            <a:ext cx="4696852" cy="1446550"/>
+          </a:xfrm>
+          <a:prstGeom prst="rect">
+            <a:avLst/>
+          </a:prstGeom>
+          <a:noFill/>
+        </p:spPr>
+        <p:txBody>
+          <a:bodyPr wrap="square" rtlCol="0">
+            <a:spAutoFit/>
+          </a:bodyPr>
+          <a:lstStyle/>
+          <a:p>
+            <a:pPr algn="ctr"/>
+            <a:r>
+              <a:rPr lang="en-US" sz="4400" dirty="0">
+                <a:latin typeface="Work Sans" panose="00000500000000000000" pitchFamily="2" charset="0"/>
+              </a:rPr>
+              <a:t>Interactive Documents</a:t>
+            </a:r>
           </a:p>
         </p:txBody>
       </p:sp>
     </p:spTree>
     <p:extLst>
       <p:ext uri="{BB962C8B-B14F-4D97-AF65-F5344CB8AC3E}">
-        <p14:creationId xmlns:p14="http://schemas.microsoft.com/office/powerpoint/2010/main" val="2086283660"/>
+        <p14:creationId xmlns:p14="http://schemas.microsoft.com/office/powerpoint/2010/main" val="2864525828"/>
       </p:ext>
     </p:extLst>
   </p:cSld>
   <p:clrMapOvr>
     <a:masterClrMapping/>
   </p:clrMapOvr>
-  <p:timing>
-    <p:tnLst>
-      <p:par>
-        <p:cTn id="1" dur="indefinite" restart="never" nodeType="tmRoot"/>
-      </p:par>
-    </p:tnLst>
-  </p:timing>
+  <mc:AlternateContent xmlns:mc="http://schemas.openxmlformats.org/markup-compatibility/2006">
+    <mc:Choice xmlns:p159="http://schemas.microsoft.com/office/powerpoint/2015/09/main" Requires="p159">
+      <p:transition xmlns:p14="http://schemas.microsoft.com/office/powerpoint/2010/main" spd="slow" p14:dur="2000">
+        <p159:morph option="byObject"/>
+      </p:transition>
+    </mc:Choice>
+    <mc:Fallback>
+      <p:transition spd="slow">
+        <p:fade/>
+      </p:transition>
+    </mc:Fallback>
+  </mc:AlternateContent>
+</p:sld>
+</file>
+
+<file path=ppt/slides/slide8.xml><?xml version="1.0" encoding="utf-8"?>
+<p:sld xmlns:a="http://schemas.openxmlformats.org/drawingml/2006/main" xmlns:r="http://schemas.openxmlformats.org/officeDocument/2006/relationships" xmlns:p="http://schemas.openxmlformats.org/presentationml/2006/main">
+  <p:cSld>
+    <p:spTree>
+      <p:nvGrpSpPr>
+        <p:cNvPr id="1" name=""/>
+        <p:cNvGrpSpPr/>
+        <p:nvPr/>
+      </p:nvGrpSpPr>
+      <p:grpSpPr>
+        <a:xfrm>
+          <a:off x="0" y="0"/>
+          <a:ext cx="0" cy="0"/>
+          <a:chOff x="0" y="0"/>
+          <a:chExt cx="0" cy="0"/>
+        </a:xfrm>
+      </p:grpSpPr>
+      <p:sp>
+        <p:nvSpPr>
+          <p:cNvPr id="23" name="Rectangle 22"/>
+          <p:cNvSpPr/>
+          <p:nvPr/>
+        </p:nvSpPr>
+        <p:spPr>
+          <a:xfrm>
+            <a:off x="-2512273" y="-819150"/>
+            <a:ext cx="16959855" cy="8792886"/>
+          </a:xfrm>
+          <a:prstGeom prst="rect">
+            <a:avLst/>
+          </a:prstGeom>
+          <a:solidFill>
+            <a:schemeClr val="bg2">
+              <a:lumMod val="90000"/>
+            </a:schemeClr>
+          </a:solidFill>
+          <a:ln>
+            <a:noFill/>
+          </a:ln>
+        </p:spPr>
+        <p:style>
+          <a:lnRef idx="2">
+            <a:schemeClr val="accent1">
+              <a:shade val="50000"/>
+            </a:schemeClr>
+          </a:lnRef>
+          <a:fillRef idx="1">
+            <a:schemeClr val="accent1"/>
+          </a:fillRef>
+          <a:effectRef idx="0">
+            <a:schemeClr val="accent1"/>
+          </a:effectRef>
+          <a:fontRef idx="minor">
+            <a:schemeClr val="lt1"/>
+          </a:fontRef>
+        </p:style>
+        <p:txBody>
+          <a:bodyPr rtlCol="0" anchor="ctr"/>
+          <a:lstStyle/>
+          <a:p>
+            <a:pPr algn="ctr"/>
+            <a:endParaRPr lang="en-US" sz="1200"/>
+          </a:p>
+        </p:txBody>
+      </p:sp>
+      <p:sp>
+        <p:nvSpPr>
+          <p:cNvPr id="2" name="TextBox 1"/>
+          <p:cNvSpPr txBox="1"/>
+          <p:nvPr/>
+        </p:nvSpPr>
+        <p:spPr>
+          <a:xfrm>
+            <a:off x="3903904" y="3192572"/>
+            <a:ext cx="4127500" cy="769441"/>
+          </a:xfrm>
+          <a:prstGeom prst="rect">
+            <a:avLst/>
+          </a:prstGeom>
+          <a:noFill/>
+        </p:spPr>
+        <p:txBody>
+          <a:bodyPr wrap="square" rtlCol="0">
+            <a:spAutoFit/>
+          </a:bodyPr>
+          <a:lstStyle/>
+          <a:p>
+            <a:pPr algn="ctr"/>
+            <a:r>
+              <a:rPr lang="en-US" sz="4400" dirty="0">
+                <a:latin typeface="Work Sans Light" panose="00000400000000000000" pitchFamily="2" charset="0"/>
+              </a:rPr>
+              <a:t>Questions?</a:t>
+            </a:r>
+          </a:p>
+        </p:txBody>
+      </p:sp>
+      <p:cxnSp>
+        <p:nvCxnSpPr>
+          <p:cNvPr id="5" name="Straight Connector 4"/>
+          <p:cNvCxnSpPr>
+            <a:cxnSpLocks/>
+          </p:cNvCxnSpPr>
+          <p:nvPr/>
+        </p:nvCxnSpPr>
+        <p:spPr>
+          <a:xfrm>
+            <a:off x="-3160485" y="4311651"/>
+            <a:ext cx="12493171" cy="0"/>
+          </a:xfrm>
+          <a:prstGeom prst="line">
+            <a:avLst/>
+          </a:prstGeom>
+          <a:ln w="12700"/>
+        </p:spPr>
+        <p:style>
+          <a:lnRef idx="1">
+            <a:schemeClr val="dk1"/>
+          </a:lnRef>
+          <a:fillRef idx="0">
+            <a:schemeClr val="dk1"/>
+          </a:fillRef>
+          <a:effectRef idx="0">
+            <a:schemeClr val="dk1"/>
+          </a:effectRef>
+          <a:fontRef idx="minor">
+            <a:schemeClr val="tx1"/>
+          </a:fontRef>
+        </p:style>
+      </p:cxnSp>
+      <p:cxnSp>
+        <p:nvCxnSpPr>
+          <p:cNvPr id="6" name="Straight Connector 5"/>
+          <p:cNvCxnSpPr>
+            <a:cxnSpLocks/>
+          </p:cNvCxnSpPr>
+          <p:nvPr/>
+        </p:nvCxnSpPr>
+        <p:spPr>
+          <a:xfrm>
+            <a:off x="7848601" y="2989943"/>
+            <a:ext cx="0" cy="2206171"/>
+          </a:xfrm>
+          <a:prstGeom prst="line">
+            <a:avLst/>
+          </a:prstGeom>
+          <a:ln w="12700"/>
+        </p:spPr>
+        <p:style>
+          <a:lnRef idx="1">
+            <a:schemeClr val="dk1"/>
+          </a:lnRef>
+          <a:fillRef idx="0">
+            <a:schemeClr val="dk1"/>
+          </a:fillRef>
+          <a:effectRef idx="0">
+            <a:schemeClr val="dk1"/>
+          </a:effectRef>
+          <a:fontRef idx="minor">
+            <a:schemeClr val="tx1"/>
+          </a:fontRef>
+        </p:style>
+      </p:cxnSp>
+    </p:spTree>
+    <p:extLst>
+      <p:ext uri="{BB962C8B-B14F-4D97-AF65-F5344CB8AC3E}">
+        <p14:creationId xmlns:p14="http://schemas.microsoft.com/office/powerpoint/2010/main" val="1572464995"/>
+      </p:ext>
+    </p:extLst>
+  </p:cSld>
+  <p:clrMapOvr>
+    <a:masterClrMapping/>
+  </p:clrMapOvr>
+  <mc:AlternateContent xmlns:mc="http://schemas.openxmlformats.org/markup-compatibility/2006">
+    <mc:Choice xmlns:p159="http://schemas.microsoft.com/office/powerpoint/2015/09/main" Requires="p159">
+      <p:transition xmlns:p14="http://schemas.microsoft.com/office/powerpoint/2010/main" spd="slow" p14:dur="2000">
+        <p159:morph option="byObject"/>
+      </p:transition>
+    </mc:Choice>
+    <mc:Fallback>
+      <p:transition spd="slow">
+        <p:fade/>
+      </p:transition>
+    </mc:Fallback>
+  </mc:AlternateContent>
 </p:sld>
 </file>
 

--- a/Presentation/CSGHackathon.pptx
+++ b/Presentation/CSGHackathon.pptx
@@ -538,7 +538,7 @@
             </a:r>
             <a:r>
               <a:rPr lang="en-US" baseline="0" dirty="0"/>
-              <a:t> platform will help the industry transform from the past of the customer relationship consisting of the hostile billing relationship and move towards the future of become a more engaging customer engagement relationship. We plan to bring this about in three main ways</a:t>
+              <a:t> platform will help the industry transform from the past of the customer relationship consisting of the hostile billing relationship and move towards the future of becoming a more engaging customer relationship. We plan to bring this about in three main ways:</a:t>
             </a:r>
             <a:endParaRPr lang="en-US" dirty="0"/>
           </a:p>
@@ -641,7 +641,7 @@
             </a:r>
             <a:r>
               <a:rPr lang="en-US" baseline="0" dirty="0"/>
-              <a:t> in the way that they want to reach us. We offer them the flexibility and we make what was once a very informal relationship into a much more personal relationship. This includes not only an easy to use platform for customers to find all of the support resources they need quickly and in one efficient place but also an approach that very few companies have rolled out, that of the video conference with the support agent. Ultimately our goal is to foster a relationship between the customer and the support agent so that when the customer has problems in the future they come back to the agent that was so helpful before and whom they know will be as helpful once again increasing the customer’s perception of our company, our NPS, and ultimately our bottom line. We also tie in a plethora of other platforms, from the phone call, to instant messaging, to email.</a:t>
+              <a:t> in the way that they want to reach us. We offer them the flexibility, and we make what was once a very informal relationship into a much more personal relationship. This includes not only an easy to use platform for customers to find all of the support resources they need quickly and in one efficient place but also an approach that very few companies have rolled out: That of the video conference with the support agent. Ultimately our goal is to foster a relationship between the customer and the support agent so that when the customer has problems in the future they come back to the agent that was so helpful before and whom they know will be as helpful once again increasing the customer’s perception of the company, the NPS, and ultimately the bottom line. We also tie in a plethora of other platforms, from the phone call, to instant messaging, to email.</a:t>
             </a:r>
             <a:endParaRPr lang="en-US" dirty="0"/>
           </a:p>
@@ -736,11 +736,11 @@
             </a:r>
             <a:r>
               <a:rPr lang="en-US" baseline="0" dirty="0"/>
-              <a:t> we have been disappointed in the number of tutorials that are out there by way of video. For class we can go online and find a plethora of information about the topic and many easy to use videos, however once you enter the real world quality seems to drop.</a:t>
+              <a:t> we have been disappointed in the number of tutorials that are out there by way of video. For class we can go online and find a plethora of information about the topic and many easy to use videos, however once you enter the real world quality and availability seems to drop significantly.</a:t>
             </a:r>
             <a:r>
               <a:rPr lang="en-US" dirty="0"/>
-              <a:t> we</a:t>
+              <a:t> We</a:t>
             </a:r>
             <a:r>
               <a:rPr lang="en-US" baseline="0" dirty="0"/>
@@ -4414,7 +4414,7 @@
         </p:spPr>
         <p:txBody>
           <a:bodyPr vert="horz" lIns="91440" tIns="45720" rIns="91440" bIns="45720" rtlCol="0" anchor="b">
-            <a:normAutofit fontScale="92500"/>
+            <a:normAutofit/>
           </a:bodyPr>
           <a:lstStyle>
             <a:lvl1pPr algn="ctr" defTabSz="914400" rtl="0" eaLnBrk="1" latinLnBrk="0" hangingPunct="1">
@@ -4752,7 +4752,7 @@
         </p:spPr>
         <p:txBody>
           <a:bodyPr vert="horz" lIns="91440" tIns="45720" rIns="91440" bIns="45720" rtlCol="0" anchor="b">
-            <a:normAutofit fontScale="92500"/>
+            <a:normAutofit/>
           </a:bodyPr>
           <a:lstStyle>
             <a:lvl1pPr algn="ctr" defTabSz="914400" rtl="0" eaLnBrk="1" latinLnBrk="0" hangingPunct="1">
@@ -4893,13 +4893,13 @@
   <p:clrMapOvr>
     <a:masterClrMapping/>
   </p:clrMapOvr>
-  <mc:AlternateContent xmlns:mc="http://schemas.openxmlformats.org/markup-compatibility/2006">
-    <mc:Choice xmlns:p159="http://schemas.microsoft.com/office/powerpoint/2015/09/main" Requires="p159">
+  <mc:AlternateContent xmlns:mc="http://schemas.openxmlformats.org/markup-compatibility/2006" xmlns:p159="http://schemas.microsoft.com/office/powerpoint/2015/09/main">
+    <mc:Choice Requires="p159">
       <p:transition xmlns:p14="http://schemas.microsoft.com/office/powerpoint/2010/main" spd="slow" p14:dur="1500">
         <p159:morph option="byObject"/>
       </p:transition>
     </mc:Choice>
-    <mc:Fallback>
+    <mc:Fallback xmlns="">
       <p:transition spd="slow">
         <p:fade/>
       </p:transition>
@@ -4992,7 +4992,7 @@
         </p:spPr>
         <p:txBody>
           <a:bodyPr vert="horz" lIns="91440" tIns="45720" rIns="91440" bIns="45720" rtlCol="0" anchor="b">
-            <a:normAutofit fontScale="92500"/>
+            <a:normAutofit/>
           </a:bodyPr>
           <a:lstStyle>
             <a:lvl1pPr algn="ctr" defTabSz="914400" rtl="0" eaLnBrk="1" latinLnBrk="0" hangingPunct="1">
@@ -5283,13 +5283,13 @@
   <p:clrMapOvr>
     <a:masterClrMapping/>
   </p:clrMapOvr>
-  <mc:AlternateContent xmlns:mc="http://schemas.openxmlformats.org/markup-compatibility/2006">
-    <mc:Choice xmlns:p159="http://schemas.microsoft.com/office/powerpoint/2015/09/main" Requires="p159">
+  <mc:AlternateContent xmlns:mc="http://schemas.openxmlformats.org/markup-compatibility/2006" xmlns:p159="http://schemas.microsoft.com/office/powerpoint/2015/09/main">
+    <mc:Choice Requires="p159">
       <p:transition xmlns:p14="http://schemas.microsoft.com/office/powerpoint/2010/main" spd="slow" p14:dur="1500">
         <p159:morph option="byObject"/>
       </p:transition>
     </mc:Choice>
-    <mc:Fallback>
+    <mc:Fallback xmlns="">
       <p:transition spd="slow">
         <p:fade/>
       </p:transition>
@@ -5519,13 +5519,13 @@
   <p:clrMapOvr>
     <a:masterClrMapping/>
   </p:clrMapOvr>
-  <mc:AlternateContent xmlns:mc="http://schemas.openxmlformats.org/markup-compatibility/2006">
-    <mc:Choice xmlns:p159="http://schemas.microsoft.com/office/powerpoint/2015/09/main" Requires="p159">
+  <mc:AlternateContent xmlns:mc="http://schemas.openxmlformats.org/markup-compatibility/2006" xmlns:p159="http://schemas.microsoft.com/office/powerpoint/2015/09/main">
+    <mc:Choice Requires="p159">
       <p:transition xmlns:p14="http://schemas.microsoft.com/office/powerpoint/2010/main" spd="slow" p14:dur="2000">
         <p159:morph option="byObject"/>
       </p:transition>
     </mc:Choice>
-    <mc:Fallback>
+    <mc:Fallback xmlns="">
       <p:transition spd="slow">
         <p:fade/>
       </p:transition>
@@ -6582,13 +6582,13 @@
   <p:clrMapOvr>
     <a:masterClrMapping/>
   </p:clrMapOvr>
-  <mc:AlternateContent xmlns:mc="http://schemas.openxmlformats.org/markup-compatibility/2006">
-    <mc:Choice xmlns:p159="http://schemas.microsoft.com/office/powerpoint/2015/09/main" Requires="p159">
+  <mc:AlternateContent xmlns:mc="http://schemas.openxmlformats.org/markup-compatibility/2006" xmlns:p159="http://schemas.microsoft.com/office/powerpoint/2015/09/main">
+    <mc:Choice Requires="p159">
       <p:transition xmlns:p14="http://schemas.microsoft.com/office/powerpoint/2010/main" spd="slow" p14:dur="2000">
         <p159:morph option="byObject"/>
       </p:transition>
     </mc:Choice>
-    <mc:Fallback>
+    <mc:Fallback xmlns="">
       <p:transition spd="slow">
         <p:fade/>
       </p:transition>
@@ -6926,13 +6926,13 @@
   <p:clrMapOvr>
     <a:masterClrMapping/>
   </p:clrMapOvr>
-  <mc:AlternateContent xmlns:mc="http://schemas.openxmlformats.org/markup-compatibility/2006">
-    <mc:Choice xmlns:p159="http://schemas.microsoft.com/office/powerpoint/2015/09/main" Requires="p159">
+  <mc:AlternateContent xmlns:mc="http://schemas.openxmlformats.org/markup-compatibility/2006" xmlns:p159="http://schemas.microsoft.com/office/powerpoint/2015/09/main">
+    <mc:Choice Requires="p159">
       <p:transition xmlns:p14="http://schemas.microsoft.com/office/powerpoint/2010/main" spd="slow" p14:dur="2000">
         <p159:morph option="byObject"/>
       </p:transition>
     </mc:Choice>
-    <mc:Fallback>
+    <mc:Fallback xmlns="">
       <p:transition spd="slow">
         <p:fade/>
       </p:transition>
@@ -7176,13 +7176,13 @@
   <p:clrMapOvr>
     <a:masterClrMapping/>
   </p:clrMapOvr>
-  <mc:AlternateContent xmlns:mc="http://schemas.openxmlformats.org/markup-compatibility/2006">
-    <mc:Choice xmlns:p159="http://schemas.microsoft.com/office/powerpoint/2015/09/main" Requires="p159">
+  <mc:AlternateContent xmlns:mc="http://schemas.openxmlformats.org/markup-compatibility/2006" xmlns:p159="http://schemas.microsoft.com/office/powerpoint/2015/09/main">
+    <mc:Choice Requires="p159">
       <p:transition xmlns:p14="http://schemas.microsoft.com/office/powerpoint/2010/main" spd="slow" p14:dur="2000">
         <p159:morph option="byObject"/>
       </p:transition>
     </mc:Choice>
-    <mc:Fallback>
+    <mc:Fallback xmlns="">
       <p:transition spd="slow">
         <p:fade/>
       </p:transition>
@@ -7364,13 +7364,13 @@
   <p:clrMapOvr>
     <a:masterClrMapping/>
   </p:clrMapOvr>
-  <mc:AlternateContent xmlns:mc="http://schemas.openxmlformats.org/markup-compatibility/2006">
-    <mc:Choice xmlns:p159="http://schemas.microsoft.com/office/powerpoint/2015/09/main" Requires="p159">
+  <mc:AlternateContent xmlns:mc="http://schemas.openxmlformats.org/markup-compatibility/2006" xmlns:p159="http://schemas.microsoft.com/office/powerpoint/2015/09/main">
+    <mc:Choice Requires="p159">
       <p:transition xmlns:p14="http://schemas.microsoft.com/office/powerpoint/2010/main" spd="slow" p14:dur="2000">
         <p159:morph option="byObject"/>
       </p:transition>
     </mc:Choice>
-    <mc:Fallback>
+    <mc:Fallback xmlns="">
       <p:transition spd="slow">
         <p:fade/>
       </p:transition>

--- a/Presentation/CSGHackathon.pptx
+++ b/Presentation/CSGHackathon.pptx
@@ -5,7 +5,7 @@
     <p:sldMasterId id="2147483648" r:id="rId1"/>
   </p:sldMasterIdLst>
   <p:notesMasterIdLst>
-    <p:notesMasterId r:id="rId10"/>
+    <p:notesMasterId r:id="rId11"/>
   </p:notesMasterIdLst>
   <p:sldIdLst>
     <p:sldId id="256" r:id="rId2"/>
@@ -13,9 +13,10 @@
     <p:sldId id="264" r:id="rId4"/>
     <p:sldId id="265" r:id="rId5"/>
     <p:sldId id="267" r:id="rId6"/>
-    <p:sldId id="268" r:id="rId7"/>
-    <p:sldId id="266" r:id="rId8"/>
-    <p:sldId id="269" r:id="rId9"/>
+    <p:sldId id="270" r:id="rId7"/>
+    <p:sldId id="268" r:id="rId8"/>
+    <p:sldId id="266" r:id="rId9"/>
+    <p:sldId id="269" r:id="rId10"/>
   </p:sldIdLst>
   <p:sldSz cx="12192000" cy="6858000"/>
   <p:notesSz cx="6858000" cy="9144000"/>
@@ -876,7 +877,7 @@
     </p:spTree>
     <p:extLst>
       <p:ext uri="{BB962C8B-B14F-4D97-AF65-F5344CB8AC3E}">
-        <p14:creationId xmlns:p14="http://schemas.microsoft.com/office/powerpoint/2010/main" val="1099368748"/>
+        <p14:creationId xmlns:p14="http://schemas.microsoft.com/office/powerpoint/2010/main" val="1462895904"/>
       </p:ext>
     </p:extLst>
   </p:cSld>
@@ -932,19 +933,19 @@
           <a:p>
             <a:r>
               <a:rPr lang="en-US" dirty="0"/>
-              <a:t>Second</a:t>
+              <a:t>Finally</a:t>
             </a:r>
             <a:r>
               <a:rPr lang="en-US" baseline="0" dirty="0"/>
-              <a:t> w</a:t>
+              <a:t> we have been disappointed in the number of tutorials that are out there by way of video. For class we can go online and find a plethora of information about the topic and many easy to use videos, however once you enter the real world quality seems to drop.</a:t>
             </a:r>
             <a:r>
               <a:rPr lang="en-US" dirty="0"/>
-              <a:t>e</a:t>
+              <a:t> we</a:t>
             </a:r>
             <a:r>
               <a:rPr lang="en-US" baseline="0" dirty="0"/>
-              <a:t> recognize that the stronger the moral of our support team the better the service that they will provide to our customer. Therefore we will also incorporate a platform to motivate the support team and to enable them to have the best experience they can possibly have while working for our company. We do this through a badge earning system. Many of the badges that they are able to earn revolve around the video experience, the more videos you are able to make the bigger badges you unlock, the more people who view your videos the more recognition you get. Who doesn’t want to be the best at their job? We provide a measurable route to obtain this.</a:t>
+              <a:t> recognize that many of our customers will have the same problems and in an effort to search for efficiencies our agents will host live sessions where they will not only train the viewers in the topic of the session, but also will be ready to answer questions as they arise. After these sessions have been streamed they will be made available on the support team website ready whoever needs to view them in the future.</a:t>
             </a:r>
             <a:endParaRPr lang="en-US" dirty="0"/>
           </a:p>
@@ -976,7 +977,7 @@
     </p:spTree>
     <p:extLst>
       <p:ext uri="{BB962C8B-B14F-4D97-AF65-F5344CB8AC3E}">
-        <p14:creationId xmlns:p14="http://schemas.microsoft.com/office/powerpoint/2010/main" val="771089067"/>
+        <p14:creationId xmlns:p14="http://schemas.microsoft.com/office/powerpoint/2010/main" val="1099368748"/>
       </p:ext>
     </p:extLst>
   </p:cSld>
@@ -1030,6 +1031,22 @@
           <a:bodyPr/>
           <a:lstStyle/>
           <a:p>
+            <a:r>
+              <a:rPr lang="en-US" dirty="0"/>
+              <a:t>Second</a:t>
+            </a:r>
+            <a:r>
+              <a:rPr lang="en-US" baseline="0" dirty="0"/>
+              <a:t> w</a:t>
+            </a:r>
+            <a:r>
+              <a:rPr lang="en-US" dirty="0"/>
+              <a:t>e</a:t>
+            </a:r>
+            <a:r>
+              <a:rPr lang="en-US" baseline="0" dirty="0"/>
+              <a:t> recognize that the stronger the moral of our support team the better the service that they will provide to our customer. Therefore we will also incorporate a platform to motivate the support team and to enable them to have the best experience they can possibly have while working for our company. We do this through a badge earning system. Many of the badges that they are able to earn revolve around the video experience, the more videos you are able to make the bigger badges you unlock, the more people who view your videos the more recognition you get. Who doesn’t want to be the best at their job? We provide a measurable route to obtain this.</a:t>
+            </a:r>
             <a:endParaRPr lang="en-US" dirty="0"/>
           </a:p>
         </p:txBody>
@@ -1052,6 +1069,90 @@
             <a:fld id="{1CD89728-F500-124C-89B1-3497A931BF0D}" type="slidenum">
               <a:rPr lang="en-US" smtClean="0"/>
               <a:t>8</a:t>
+            </a:fld>
+            <a:endParaRPr lang="en-US"/>
+          </a:p>
+        </p:txBody>
+      </p:sp>
+    </p:spTree>
+    <p:extLst>
+      <p:ext uri="{BB962C8B-B14F-4D97-AF65-F5344CB8AC3E}">
+        <p14:creationId xmlns:p14="http://schemas.microsoft.com/office/powerpoint/2010/main" val="771089067"/>
+      </p:ext>
+    </p:extLst>
+  </p:cSld>
+  <p:clrMapOvr>
+    <a:masterClrMapping/>
+  </p:clrMapOvr>
+</p:notes>
+</file>
+
+<file path=ppt/notesSlides/notesSlide7.xml><?xml version="1.0" encoding="utf-8"?>
+<p:notes xmlns:a="http://schemas.openxmlformats.org/drawingml/2006/main" xmlns:r="http://schemas.openxmlformats.org/officeDocument/2006/relationships" xmlns:p="http://schemas.openxmlformats.org/presentationml/2006/main">
+  <p:cSld>
+    <p:spTree>
+      <p:nvGrpSpPr>
+        <p:cNvPr id="1" name=""/>
+        <p:cNvGrpSpPr/>
+        <p:nvPr/>
+      </p:nvGrpSpPr>
+      <p:grpSpPr>
+        <a:xfrm>
+          <a:off x="0" y="0"/>
+          <a:ext cx="0" cy="0"/>
+          <a:chOff x="0" y="0"/>
+          <a:chExt cx="0" cy="0"/>
+        </a:xfrm>
+      </p:grpSpPr>
+      <p:sp>
+        <p:nvSpPr>
+          <p:cNvPr id="2" name="Slide Image Placeholder 1"/>
+          <p:cNvSpPr>
+            <a:spLocks noGrp="1" noRot="1" noChangeAspect="1"/>
+          </p:cNvSpPr>
+          <p:nvPr>
+            <p:ph type="sldImg"/>
+          </p:nvPr>
+        </p:nvSpPr>
+        <p:spPr/>
+      </p:sp>
+      <p:sp>
+        <p:nvSpPr>
+          <p:cNvPr id="3" name="Notes Placeholder 2"/>
+          <p:cNvSpPr>
+            <a:spLocks noGrp="1"/>
+          </p:cNvSpPr>
+          <p:nvPr>
+            <p:ph type="body" idx="1"/>
+          </p:nvPr>
+        </p:nvSpPr>
+        <p:spPr/>
+        <p:txBody>
+          <a:bodyPr/>
+          <a:lstStyle/>
+          <a:p>
+            <a:endParaRPr lang="en-US" dirty="0"/>
+          </a:p>
+        </p:txBody>
+      </p:sp>
+      <p:sp>
+        <p:nvSpPr>
+          <p:cNvPr id="4" name="Slide Number Placeholder 3"/>
+          <p:cNvSpPr>
+            <a:spLocks noGrp="1"/>
+          </p:cNvSpPr>
+          <p:nvPr>
+            <p:ph type="sldNum" sz="quarter" idx="10"/>
+          </p:nvPr>
+        </p:nvSpPr>
+        <p:spPr/>
+        <p:txBody>
+          <a:bodyPr/>
+          <a:lstStyle/>
+          <a:p>
+            <a:fld id="{1CD89728-F500-124C-89B1-3497A931BF0D}" type="slidenum">
+              <a:rPr lang="en-US" smtClean="0"/>
+              <a:t>9</a:t>
             </a:fld>
             <a:endParaRPr lang="en-US"/>
           </a:p>
@@ -4893,13 +4994,13 @@
   <p:clrMapOvr>
     <a:masterClrMapping/>
   </p:clrMapOvr>
-  <mc:AlternateContent xmlns:mc="http://schemas.openxmlformats.org/markup-compatibility/2006">
-    <mc:Choice xmlns:p159="http://schemas.microsoft.com/office/powerpoint/2015/09/main" Requires="p159">
+  <mc:AlternateContent xmlns:mc="http://schemas.openxmlformats.org/markup-compatibility/2006" xmlns:p159="http://schemas.microsoft.com/office/powerpoint/2015/09/main">
+    <mc:Choice Requires="p159">
       <p:transition xmlns:p14="http://schemas.microsoft.com/office/powerpoint/2010/main" spd="slow" p14:dur="1500">
         <p159:morph option="byObject"/>
       </p:transition>
     </mc:Choice>
-    <mc:Fallback>
+    <mc:Fallback xmlns="">
       <p:transition spd="slow">
         <p:fade/>
       </p:transition>
@@ -5283,13 +5384,13 @@
   <p:clrMapOvr>
     <a:masterClrMapping/>
   </p:clrMapOvr>
-  <mc:AlternateContent xmlns:mc="http://schemas.openxmlformats.org/markup-compatibility/2006">
-    <mc:Choice xmlns:p159="http://schemas.microsoft.com/office/powerpoint/2015/09/main" Requires="p159">
+  <mc:AlternateContent xmlns:mc="http://schemas.openxmlformats.org/markup-compatibility/2006" xmlns:p159="http://schemas.microsoft.com/office/powerpoint/2015/09/main">
+    <mc:Choice Requires="p159">
       <p:transition xmlns:p14="http://schemas.microsoft.com/office/powerpoint/2010/main" spd="slow" p14:dur="1500">
         <p159:morph option="byObject"/>
       </p:transition>
     </mc:Choice>
-    <mc:Fallback>
+    <mc:Fallback xmlns="">
       <p:transition spd="slow">
         <p:fade/>
       </p:transition>
@@ -5519,13 +5620,13 @@
   <p:clrMapOvr>
     <a:masterClrMapping/>
   </p:clrMapOvr>
-  <mc:AlternateContent xmlns:mc="http://schemas.openxmlformats.org/markup-compatibility/2006">
-    <mc:Choice xmlns:p159="http://schemas.microsoft.com/office/powerpoint/2015/09/main" Requires="p159">
+  <mc:AlternateContent xmlns:mc="http://schemas.openxmlformats.org/markup-compatibility/2006" xmlns:p159="http://schemas.microsoft.com/office/powerpoint/2015/09/main">
+    <mc:Choice Requires="p159">
       <p:transition xmlns:p14="http://schemas.microsoft.com/office/powerpoint/2010/main" spd="slow" p14:dur="2000">
         <p159:morph option="byObject"/>
       </p:transition>
     </mc:Choice>
-    <mc:Fallback>
+    <mc:Fallback xmlns="">
       <p:transition spd="slow">
         <p:fade/>
       </p:transition>
@@ -6582,13 +6683,13 @@
   <p:clrMapOvr>
     <a:masterClrMapping/>
   </p:clrMapOvr>
-  <mc:AlternateContent xmlns:mc="http://schemas.openxmlformats.org/markup-compatibility/2006">
-    <mc:Choice xmlns:p159="http://schemas.microsoft.com/office/powerpoint/2015/09/main" Requires="p159">
+  <mc:AlternateContent xmlns:mc="http://schemas.openxmlformats.org/markup-compatibility/2006" xmlns:p159="http://schemas.microsoft.com/office/powerpoint/2015/09/main">
+    <mc:Choice Requires="p159">
       <p:transition xmlns:p14="http://schemas.microsoft.com/office/powerpoint/2010/main" spd="slow" p14:dur="2000">
         <p159:morph option="byObject"/>
       </p:transition>
     </mc:Choice>
-    <mc:Fallback>
+    <mc:Fallback xmlns="">
       <p:transition spd="slow">
         <p:fade/>
       </p:transition>
@@ -6621,6 +6722,1082 @@
           <p:nvPr/>
         </p:nvSpPr>
         <p:spPr>
+          <a:xfrm rot="17965549">
+            <a:off x="-11639205" y="-7136534"/>
+            <a:ext cx="16959855" cy="15597861"/>
+          </a:xfrm>
+          <a:prstGeom prst="rect">
+            <a:avLst/>
+          </a:prstGeom>
+          <a:solidFill>
+            <a:schemeClr val="bg2">
+              <a:lumMod val="90000"/>
+            </a:schemeClr>
+          </a:solidFill>
+          <a:ln>
+            <a:noFill/>
+          </a:ln>
+        </p:spPr>
+        <p:style>
+          <a:lnRef idx="2">
+            <a:schemeClr val="accent1">
+              <a:shade val="50000"/>
+            </a:schemeClr>
+          </a:lnRef>
+          <a:fillRef idx="1">
+            <a:schemeClr val="accent1"/>
+          </a:fillRef>
+          <a:effectRef idx="0">
+            <a:schemeClr val="accent1"/>
+          </a:effectRef>
+          <a:fontRef idx="minor">
+            <a:schemeClr val="lt1"/>
+          </a:fontRef>
+        </p:style>
+        <p:txBody>
+          <a:bodyPr rtlCol="0" anchor="ctr"/>
+          <a:lstStyle/>
+          <a:p>
+            <a:pPr algn="ctr"/>
+            <a:endParaRPr lang="en-US" sz="1200"/>
+          </a:p>
+        </p:txBody>
+      </p:sp>
+      <p:sp>
+        <p:nvSpPr>
+          <p:cNvPr id="2" name="TextBox 1"/>
+          <p:cNvSpPr txBox="1"/>
+          <p:nvPr/>
+        </p:nvSpPr>
+        <p:spPr>
+          <a:xfrm>
+            <a:off x="1083061" y="277677"/>
+            <a:ext cx="4127500" cy="769441"/>
+          </a:xfrm>
+          <a:prstGeom prst="rect">
+            <a:avLst/>
+          </a:prstGeom>
+          <a:noFill/>
+        </p:spPr>
+        <p:txBody>
+          <a:bodyPr wrap="square" rtlCol="0">
+            <a:spAutoFit/>
+          </a:bodyPr>
+          <a:lstStyle/>
+          <a:p>
+            <a:pPr algn="r"/>
+            <a:r>
+              <a:rPr lang="en-US" sz="4400" dirty="0">
+                <a:latin typeface="Work Sans Light" panose="00000400000000000000" pitchFamily="2" charset="0"/>
+              </a:rPr>
+              <a:t>Tech Stack</a:t>
+            </a:r>
+          </a:p>
+        </p:txBody>
+      </p:sp>
+      <p:sp>
+        <p:nvSpPr>
+          <p:cNvPr id="13" name="Rectangle: Rounded Corners 12"/>
+          <p:cNvSpPr/>
+          <p:nvPr/>
+        </p:nvSpPr>
+        <p:spPr>
+          <a:xfrm>
+            <a:off x="7940743" y="5954943"/>
+            <a:ext cx="3302000" cy="215900"/>
+          </a:xfrm>
+          <a:prstGeom prst="roundRect">
+            <a:avLst>
+              <a:gd name="adj" fmla="val 50000"/>
+            </a:avLst>
+          </a:prstGeom>
+          <a:solidFill>
+            <a:srgbClr val="EE3525"/>
+          </a:solidFill>
+          <a:ln>
+            <a:noFill/>
+          </a:ln>
+        </p:spPr>
+        <p:style>
+          <a:lnRef idx="2">
+            <a:schemeClr val="accent1">
+              <a:shade val="50000"/>
+            </a:schemeClr>
+          </a:lnRef>
+          <a:fillRef idx="1">
+            <a:schemeClr val="accent1"/>
+          </a:fillRef>
+          <a:effectRef idx="0">
+            <a:schemeClr val="accent1"/>
+          </a:effectRef>
+          <a:fontRef idx="minor">
+            <a:schemeClr val="lt1"/>
+          </a:fontRef>
+        </p:style>
+        <p:txBody>
+          <a:bodyPr rtlCol="0" anchor="ctr"/>
+          <a:lstStyle/>
+          <a:p>
+            <a:pPr algn="ctr"/>
+            <a:endParaRPr lang="en-US">
+              <a:solidFill>
+                <a:srgbClr val="EE3525"/>
+              </a:solidFill>
+            </a:endParaRPr>
+          </a:p>
+        </p:txBody>
+      </p:sp>
+      <p:sp>
+        <p:nvSpPr>
+          <p:cNvPr id="27" name="Rectangle: Rounded Corners 26"/>
+          <p:cNvSpPr/>
+          <p:nvPr/>
+        </p:nvSpPr>
+        <p:spPr>
+          <a:xfrm>
+            <a:off x="7940743" y="5611232"/>
+            <a:ext cx="3302000" cy="215900"/>
+          </a:xfrm>
+          <a:prstGeom prst="roundRect">
+            <a:avLst>
+              <a:gd name="adj" fmla="val 50000"/>
+            </a:avLst>
+          </a:prstGeom>
+          <a:solidFill>
+            <a:srgbClr val="EE3525"/>
+          </a:solidFill>
+          <a:ln>
+            <a:noFill/>
+          </a:ln>
+        </p:spPr>
+        <p:style>
+          <a:lnRef idx="2">
+            <a:schemeClr val="accent1">
+              <a:shade val="50000"/>
+            </a:schemeClr>
+          </a:lnRef>
+          <a:fillRef idx="1">
+            <a:schemeClr val="accent1"/>
+          </a:fillRef>
+          <a:effectRef idx="0">
+            <a:schemeClr val="accent1"/>
+          </a:effectRef>
+          <a:fontRef idx="minor">
+            <a:schemeClr val="lt1"/>
+          </a:fontRef>
+        </p:style>
+        <p:txBody>
+          <a:bodyPr rtlCol="0" anchor="ctr"/>
+          <a:lstStyle/>
+          <a:p>
+            <a:pPr algn="ctr"/>
+            <a:endParaRPr lang="en-US">
+              <a:solidFill>
+                <a:srgbClr val="EE3525"/>
+              </a:solidFill>
+            </a:endParaRPr>
+          </a:p>
+        </p:txBody>
+      </p:sp>
+      <p:sp>
+        <p:nvSpPr>
+          <p:cNvPr id="29" name="Rectangle: Rounded Corners 28"/>
+          <p:cNvSpPr/>
+          <p:nvPr/>
+        </p:nvSpPr>
+        <p:spPr>
+          <a:xfrm>
+            <a:off x="7940743" y="5270764"/>
+            <a:ext cx="3302000" cy="215900"/>
+          </a:xfrm>
+          <a:prstGeom prst="roundRect">
+            <a:avLst>
+              <a:gd name="adj" fmla="val 50000"/>
+            </a:avLst>
+          </a:prstGeom>
+          <a:solidFill>
+            <a:srgbClr val="EE3525"/>
+          </a:solidFill>
+          <a:ln>
+            <a:noFill/>
+          </a:ln>
+        </p:spPr>
+        <p:style>
+          <a:lnRef idx="2">
+            <a:schemeClr val="accent1">
+              <a:shade val="50000"/>
+            </a:schemeClr>
+          </a:lnRef>
+          <a:fillRef idx="1">
+            <a:schemeClr val="accent1"/>
+          </a:fillRef>
+          <a:effectRef idx="0">
+            <a:schemeClr val="accent1"/>
+          </a:effectRef>
+          <a:fontRef idx="minor">
+            <a:schemeClr val="lt1"/>
+          </a:fontRef>
+        </p:style>
+        <p:txBody>
+          <a:bodyPr rtlCol="0" anchor="ctr"/>
+          <a:lstStyle/>
+          <a:p>
+            <a:pPr algn="ctr"/>
+            <a:endParaRPr lang="en-US">
+              <a:solidFill>
+                <a:srgbClr val="EE3525"/>
+              </a:solidFill>
+            </a:endParaRPr>
+          </a:p>
+        </p:txBody>
+      </p:sp>
+      <p:sp>
+        <p:nvSpPr>
+          <p:cNvPr id="31" name="Rectangle: Rounded Corners 30"/>
+          <p:cNvSpPr/>
+          <p:nvPr/>
+        </p:nvSpPr>
+        <p:spPr>
+          <a:xfrm>
+            <a:off x="7940743" y="4927053"/>
+            <a:ext cx="3302000" cy="215900"/>
+          </a:xfrm>
+          <a:prstGeom prst="roundRect">
+            <a:avLst>
+              <a:gd name="adj" fmla="val 50000"/>
+            </a:avLst>
+          </a:prstGeom>
+          <a:solidFill>
+            <a:srgbClr val="EE3525"/>
+          </a:solidFill>
+          <a:ln>
+            <a:noFill/>
+          </a:ln>
+        </p:spPr>
+        <p:style>
+          <a:lnRef idx="2">
+            <a:schemeClr val="accent1">
+              <a:shade val="50000"/>
+            </a:schemeClr>
+          </a:lnRef>
+          <a:fillRef idx="1">
+            <a:schemeClr val="accent1"/>
+          </a:fillRef>
+          <a:effectRef idx="0">
+            <a:schemeClr val="accent1"/>
+          </a:effectRef>
+          <a:fontRef idx="minor">
+            <a:schemeClr val="lt1"/>
+          </a:fontRef>
+        </p:style>
+        <p:txBody>
+          <a:bodyPr rtlCol="0" anchor="ctr"/>
+          <a:lstStyle/>
+          <a:p>
+            <a:pPr algn="ctr"/>
+            <a:endParaRPr lang="en-US">
+              <a:solidFill>
+                <a:srgbClr val="EE3525"/>
+              </a:solidFill>
+            </a:endParaRPr>
+          </a:p>
+        </p:txBody>
+      </p:sp>
+      <p:sp>
+        <p:nvSpPr>
+          <p:cNvPr id="33" name="Rectangle: Rounded Corners 32"/>
+          <p:cNvSpPr/>
+          <p:nvPr/>
+        </p:nvSpPr>
+        <p:spPr>
+          <a:xfrm>
+            <a:off x="7940743" y="4583342"/>
+            <a:ext cx="3302000" cy="215900"/>
+          </a:xfrm>
+          <a:prstGeom prst="roundRect">
+            <a:avLst>
+              <a:gd name="adj" fmla="val 50000"/>
+            </a:avLst>
+          </a:prstGeom>
+          <a:solidFill>
+            <a:srgbClr val="EE3525"/>
+          </a:solidFill>
+          <a:ln>
+            <a:noFill/>
+          </a:ln>
+        </p:spPr>
+        <p:style>
+          <a:lnRef idx="2">
+            <a:schemeClr val="accent1">
+              <a:shade val="50000"/>
+            </a:schemeClr>
+          </a:lnRef>
+          <a:fillRef idx="1">
+            <a:schemeClr val="accent1"/>
+          </a:fillRef>
+          <a:effectRef idx="0">
+            <a:schemeClr val="accent1"/>
+          </a:effectRef>
+          <a:fontRef idx="minor">
+            <a:schemeClr val="lt1"/>
+          </a:fontRef>
+        </p:style>
+        <p:txBody>
+          <a:bodyPr rtlCol="0" anchor="ctr"/>
+          <a:lstStyle/>
+          <a:p>
+            <a:pPr algn="ctr"/>
+            <a:endParaRPr lang="en-US">
+              <a:solidFill>
+                <a:srgbClr val="EE3525"/>
+              </a:solidFill>
+            </a:endParaRPr>
+          </a:p>
+        </p:txBody>
+      </p:sp>
+      <p:sp>
+        <p:nvSpPr>
+          <p:cNvPr id="35" name="Rectangle: Rounded Corners 34"/>
+          <p:cNvSpPr/>
+          <p:nvPr/>
+        </p:nvSpPr>
+        <p:spPr>
+          <a:xfrm>
+            <a:off x="7940743" y="4239631"/>
+            <a:ext cx="3302000" cy="215900"/>
+          </a:xfrm>
+          <a:prstGeom prst="roundRect">
+            <a:avLst>
+              <a:gd name="adj" fmla="val 50000"/>
+            </a:avLst>
+          </a:prstGeom>
+          <a:solidFill>
+            <a:srgbClr val="EE3525"/>
+          </a:solidFill>
+          <a:ln>
+            <a:noFill/>
+          </a:ln>
+        </p:spPr>
+        <p:style>
+          <a:lnRef idx="2">
+            <a:schemeClr val="accent1">
+              <a:shade val="50000"/>
+            </a:schemeClr>
+          </a:lnRef>
+          <a:fillRef idx="1">
+            <a:schemeClr val="accent1"/>
+          </a:fillRef>
+          <a:effectRef idx="0">
+            <a:schemeClr val="accent1"/>
+          </a:effectRef>
+          <a:fontRef idx="minor">
+            <a:schemeClr val="lt1"/>
+          </a:fontRef>
+        </p:style>
+        <p:txBody>
+          <a:bodyPr rtlCol="0" anchor="ctr"/>
+          <a:lstStyle/>
+          <a:p>
+            <a:pPr algn="ctr"/>
+            <a:endParaRPr lang="en-US">
+              <a:solidFill>
+                <a:srgbClr val="EE3525"/>
+              </a:solidFill>
+            </a:endParaRPr>
+          </a:p>
+        </p:txBody>
+      </p:sp>
+      <p:sp>
+        <p:nvSpPr>
+          <p:cNvPr id="37" name="Rectangle: Rounded Corners 36"/>
+          <p:cNvSpPr/>
+          <p:nvPr/>
+        </p:nvSpPr>
+        <p:spPr>
+          <a:xfrm>
+            <a:off x="7940743" y="3895920"/>
+            <a:ext cx="3302000" cy="215900"/>
+          </a:xfrm>
+          <a:prstGeom prst="roundRect">
+            <a:avLst>
+              <a:gd name="adj" fmla="val 50000"/>
+            </a:avLst>
+          </a:prstGeom>
+          <a:solidFill>
+            <a:srgbClr val="EE3525"/>
+          </a:solidFill>
+          <a:ln>
+            <a:noFill/>
+          </a:ln>
+        </p:spPr>
+        <p:style>
+          <a:lnRef idx="2">
+            <a:schemeClr val="accent1">
+              <a:shade val="50000"/>
+            </a:schemeClr>
+          </a:lnRef>
+          <a:fillRef idx="1">
+            <a:schemeClr val="accent1"/>
+          </a:fillRef>
+          <a:effectRef idx="0">
+            <a:schemeClr val="accent1"/>
+          </a:effectRef>
+          <a:fontRef idx="minor">
+            <a:schemeClr val="lt1"/>
+          </a:fontRef>
+        </p:style>
+        <p:txBody>
+          <a:bodyPr rtlCol="0" anchor="ctr"/>
+          <a:lstStyle/>
+          <a:p>
+            <a:pPr algn="ctr"/>
+            <a:endParaRPr lang="en-US">
+              <a:solidFill>
+                <a:srgbClr val="EE3525"/>
+              </a:solidFill>
+            </a:endParaRPr>
+          </a:p>
+        </p:txBody>
+      </p:sp>
+      <p:sp>
+        <p:nvSpPr>
+          <p:cNvPr id="38" name="Rectangle: Rounded Corners 37"/>
+          <p:cNvSpPr/>
+          <p:nvPr/>
+        </p:nvSpPr>
+        <p:spPr>
+          <a:xfrm>
+            <a:off x="7940743" y="3552209"/>
+            <a:ext cx="3302000" cy="215900"/>
+          </a:xfrm>
+          <a:prstGeom prst="roundRect">
+            <a:avLst>
+              <a:gd name="adj" fmla="val 50000"/>
+            </a:avLst>
+          </a:prstGeom>
+          <a:solidFill>
+            <a:srgbClr val="EE3525"/>
+          </a:solidFill>
+          <a:ln>
+            <a:noFill/>
+          </a:ln>
+        </p:spPr>
+        <p:style>
+          <a:lnRef idx="2">
+            <a:schemeClr val="accent1">
+              <a:shade val="50000"/>
+            </a:schemeClr>
+          </a:lnRef>
+          <a:fillRef idx="1">
+            <a:schemeClr val="accent1"/>
+          </a:fillRef>
+          <a:effectRef idx="0">
+            <a:schemeClr val="accent1"/>
+          </a:effectRef>
+          <a:fontRef idx="minor">
+            <a:schemeClr val="lt1"/>
+          </a:fontRef>
+        </p:style>
+        <p:txBody>
+          <a:bodyPr rtlCol="0" anchor="ctr"/>
+          <a:lstStyle/>
+          <a:p>
+            <a:pPr algn="ctr"/>
+            <a:endParaRPr lang="en-US">
+              <a:solidFill>
+                <a:srgbClr val="EE3525"/>
+              </a:solidFill>
+            </a:endParaRPr>
+          </a:p>
+        </p:txBody>
+      </p:sp>
+      <p:sp>
+        <p:nvSpPr>
+          <p:cNvPr id="39" name="Rectangle: Rounded Corners 38"/>
+          <p:cNvSpPr/>
+          <p:nvPr/>
+        </p:nvSpPr>
+        <p:spPr>
+          <a:xfrm>
+            <a:off x="7940743" y="3208498"/>
+            <a:ext cx="3302000" cy="215900"/>
+          </a:xfrm>
+          <a:prstGeom prst="roundRect">
+            <a:avLst>
+              <a:gd name="adj" fmla="val 50000"/>
+            </a:avLst>
+          </a:prstGeom>
+          <a:solidFill>
+            <a:schemeClr val="tx1">
+              <a:lumMod val="50000"/>
+              <a:lumOff val="50000"/>
+            </a:schemeClr>
+          </a:solidFill>
+          <a:ln>
+            <a:noFill/>
+          </a:ln>
+        </p:spPr>
+        <p:style>
+          <a:lnRef idx="2">
+            <a:schemeClr val="accent1">
+              <a:shade val="50000"/>
+            </a:schemeClr>
+          </a:lnRef>
+          <a:fillRef idx="1">
+            <a:schemeClr val="accent1"/>
+          </a:fillRef>
+          <a:effectRef idx="0">
+            <a:schemeClr val="accent1"/>
+          </a:effectRef>
+          <a:fontRef idx="minor">
+            <a:schemeClr val="lt1"/>
+          </a:fontRef>
+        </p:style>
+        <p:txBody>
+          <a:bodyPr rtlCol="0" anchor="ctr"/>
+          <a:lstStyle/>
+          <a:p>
+            <a:pPr algn="ctr"/>
+            <a:endParaRPr lang="en-US">
+              <a:solidFill>
+                <a:srgbClr val="EE3525"/>
+              </a:solidFill>
+            </a:endParaRPr>
+          </a:p>
+        </p:txBody>
+      </p:sp>
+      <p:sp>
+        <p:nvSpPr>
+          <p:cNvPr id="40" name="Rectangle: Rounded Corners 39"/>
+          <p:cNvSpPr/>
+          <p:nvPr/>
+        </p:nvSpPr>
+        <p:spPr>
+          <a:xfrm>
+            <a:off x="7940743" y="2864787"/>
+            <a:ext cx="3302000" cy="215900"/>
+          </a:xfrm>
+          <a:prstGeom prst="roundRect">
+            <a:avLst>
+              <a:gd name="adj" fmla="val 50000"/>
+            </a:avLst>
+          </a:prstGeom>
+          <a:solidFill>
+            <a:schemeClr val="tx1">
+              <a:lumMod val="50000"/>
+              <a:lumOff val="50000"/>
+            </a:schemeClr>
+          </a:solidFill>
+          <a:ln>
+            <a:noFill/>
+          </a:ln>
+        </p:spPr>
+        <p:style>
+          <a:lnRef idx="2">
+            <a:schemeClr val="accent1">
+              <a:shade val="50000"/>
+            </a:schemeClr>
+          </a:lnRef>
+          <a:fillRef idx="1">
+            <a:schemeClr val="accent1"/>
+          </a:fillRef>
+          <a:effectRef idx="0">
+            <a:schemeClr val="accent1"/>
+          </a:effectRef>
+          <a:fontRef idx="minor">
+            <a:schemeClr val="lt1"/>
+          </a:fontRef>
+        </p:style>
+        <p:txBody>
+          <a:bodyPr rtlCol="0" anchor="ctr"/>
+          <a:lstStyle/>
+          <a:p>
+            <a:pPr algn="ctr"/>
+            <a:endParaRPr lang="en-US">
+              <a:solidFill>
+                <a:srgbClr val="EE3525"/>
+              </a:solidFill>
+            </a:endParaRPr>
+          </a:p>
+        </p:txBody>
+      </p:sp>
+      <p:sp>
+        <p:nvSpPr>
+          <p:cNvPr id="41" name="Rectangle: Rounded Corners 40"/>
+          <p:cNvSpPr/>
+          <p:nvPr/>
+        </p:nvSpPr>
+        <p:spPr>
+          <a:xfrm>
+            <a:off x="7940743" y="2521076"/>
+            <a:ext cx="3302000" cy="215900"/>
+          </a:xfrm>
+          <a:prstGeom prst="roundRect">
+            <a:avLst>
+              <a:gd name="adj" fmla="val 50000"/>
+            </a:avLst>
+          </a:prstGeom>
+          <a:solidFill>
+            <a:schemeClr val="tx1">
+              <a:lumMod val="50000"/>
+              <a:lumOff val="50000"/>
+            </a:schemeClr>
+          </a:solidFill>
+          <a:ln>
+            <a:noFill/>
+          </a:ln>
+        </p:spPr>
+        <p:style>
+          <a:lnRef idx="2">
+            <a:schemeClr val="accent1">
+              <a:shade val="50000"/>
+            </a:schemeClr>
+          </a:lnRef>
+          <a:fillRef idx="1">
+            <a:schemeClr val="accent1"/>
+          </a:fillRef>
+          <a:effectRef idx="0">
+            <a:schemeClr val="accent1"/>
+          </a:effectRef>
+          <a:fontRef idx="minor">
+            <a:schemeClr val="lt1"/>
+          </a:fontRef>
+        </p:style>
+        <p:txBody>
+          <a:bodyPr rtlCol="0" anchor="ctr"/>
+          <a:lstStyle/>
+          <a:p>
+            <a:pPr algn="ctr"/>
+            <a:endParaRPr lang="en-US">
+              <a:solidFill>
+                <a:srgbClr val="EE3525"/>
+              </a:solidFill>
+            </a:endParaRPr>
+          </a:p>
+        </p:txBody>
+      </p:sp>
+      <p:sp>
+        <p:nvSpPr>
+          <p:cNvPr id="42" name="Rectangle: Rounded Corners 41"/>
+          <p:cNvSpPr/>
+          <p:nvPr/>
+        </p:nvSpPr>
+        <p:spPr>
+          <a:xfrm>
+            <a:off x="7940743" y="2177365"/>
+            <a:ext cx="3302000" cy="215900"/>
+          </a:xfrm>
+          <a:prstGeom prst="roundRect">
+            <a:avLst>
+              <a:gd name="adj" fmla="val 50000"/>
+            </a:avLst>
+          </a:prstGeom>
+          <a:solidFill>
+            <a:schemeClr val="tx1">
+              <a:lumMod val="50000"/>
+              <a:lumOff val="50000"/>
+            </a:schemeClr>
+          </a:solidFill>
+          <a:ln>
+            <a:noFill/>
+          </a:ln>
+        </p:spPr>
+        <p:style>
+          <a:lnRef idx="2">
+            <a:schemeClr val="accent1">
+              <a:shade val="50000"/>
+            </a:schemeClr>
+          </a:lnRef>
+          <a:fillRef idx="1">
+            <a:schemeClr val="accent1"/>
+          </a:fillRef>
+          <a:effectRef idx="0">
+            <a:schemeClr val="accent1"/>
+          </a:effectRef>
+          <a:fontRef idx="minor">
+            <a:schemeClr val="lt1"/>
+          </a:fontRef>
+        </p:style>
+        <p:txBody>
+          <a:bodyPr rtlCol="0" anchor="ctr"/>
+          <a:lstStyle/>
+          <a:p>
+            <a:pPr algn="ctr"/>
+            <a:endParaRPr lang="en-US">
+              <a:solidFill>
+                <a:srgbClr val="EE3525"/>
+              </a:solidFill>
+            </a:endParaRPr>
+          </a:p>
+        </p:txBody>
+      </p:sp>
+      <p:sp>
+        <p:nvSpPr>
+          <p:cNvPr id="43" name="Rectangle: Rounded Corners 42"/>
+          <p:cNvSpPr/>
+          <p:nvPr/>
+        </p:nvSpPr>
+        <p:spPr>
+          <a:xfrm>
+            <a:off x="7940743" y="1833654"/>
+            <a:ext cx="3302000" cy="215900"/>
+          </a:xfrm>
+          <a:prstGeom prst="roundRect">
+            <a:avLst>
+              <a:gd name="adj" fmla="val 50000"/>
+            </a:avLst>
+          </a:prstGeom>
+          <a:solidFill>
+            <a:srgbClr val="D0CECE"/>
+          </a:solidFill>
+          <a:ln>
+            <a:noFill/>
+          </a:ln>
+        </p:spPr>
+        <p:style>
+          <a:lnRef idx="2">
+            <a:schemeClr val="accent1">
+              <a:shade val="50000"/>
+            </a:schemeClr>
+          </a:lnRef>
+          <a:fillRef idx="1">
+            <a:schemeClr val="accent1"/>
+          </a:fillRef>
+          <a:effectRef idx="0">
+            <a:schemeClr val="accent1"/>
+          </a:effectRef>
+          <a:fontRef idx="minor">
+            <a:schemeClr val="lt1"/>
+          </a:fontRef>
+        </p:style>
+        <p:txBody>
+          <a:bodyPr rtlCol="0" anchor="ctr"/>
+          <a:lstStyle/>
+          <a:p>
+            <a:pPr algn="ctr"/>
+            <a:endParaRPr lang="en-US">
+              <a:solidFill>
+                <a:srgbClr val="EE3525"/>
+              </a:solidFill>
+            </a:endParaRPr>
+          </a:p>
+        </p:txBody>
+      </p:sp>
+      <p:sp>
+        <p:nvSpPr>
+          <p:cNvPr id="44" name="Rectangle: Rounded Corners 43"/>
+          <p:cNvSpPr/>
+          <p:nvPr/>
+        </p:nvSpPr>
+        <p:spPr>
+          <a:xfrm>
+            <a:off x="7940743" y="1489943"/>
+            <a:ext cx="3302000" cy="215900"/>
+          </a:xfrm>
+          <a:prstGeom prst="roundRect">
+            <a:avLst>
+              <a:gd name="adj" fmla="val 50000"/>
+            </a:avLst>
+          </a:prstGeom>
+          <a:solidFill>
+            <a:srgbClr val="D0CECE"/>
+          </a:solidFill>
+          <a:ln>
+            <a:noFill/>
+          </a:ln>
+        </p:spPr>
+        <p:style>
+          <a:lnRef idx="2">
+            <a:schemeClr val="accent1">
+              <a:shade val="50000"/>
+            </a:schemeClr>
+          </a:lnRef>
+          <a:fillRef idx="1">
+            <a:schemeClr val="accent1"/>
+          </a:fillRef>
+          <a:effectRef idx="0">
+            <a:schemeClr val="accent1"/>
+          </a:effectRef>
+          <a:fontRef idx="minor">
+            <a:schemeClr val="lt1"/>
+          </a:fontRef>
+        </p:style>
+        <p:txBody>
+          <a:bodyPr rtlCol="0" anchor="ctr"/>
+          <a:lstStyle/>
+          <a:p>
+            <a:pPr algn="ctr"/>
+            <a:endParaRPr lang="en-US">
+              <a:solidFill>
+                <a:srgbClr val="EE3525"/>
+              </a:solidFill>
+            </a:endParaRPr>
+          </a:p>
+        </p:txBody>
+      </p:sp>
+      <p:sp>
+        <p:nvSpPr>
+          <p:cNvPr id="45" name="Rectangle: Rounded Corners 44"/>
+          <p:cNvSpPr/>
+          <p:nvPr/>
+        </p:nvSpPr>
+        <p:spPr>
+          <a:xfrm>
+            <a:off x="7957459" y="1146232"/>
+            <a:ext cx="3302000" cy="215900"/>
+          </a:xfrm>
+          <a:prstGeom prst="roundRect">
+            <a:avLst>
+              <a:gd name="adj" fmla="val 50000"/>
+            </a:avLst>
+          </a:prstGeom>
+          <a:solidFill>
+            <a:srgbClr val="D0CECE"/>
+          </a:solidFill>
+          <a:ln>
+            <a:noFill/>
+          </a:ln>
+        </p:spPr>
+        <p:style>
+          <a:lnRef idx="2">
+            <a:schemeClr val="accent1">
+              <a:shade val="50000"/>
+            </a:schemeClr>
+          </a:lnRef>
+          <a:fillRef idx="1">
+            <a:schemeClr val="accent1"/>
+          </a:fillRef>
+          <a:effectRef idx="0">
+            <a:schemeClr val="accent1"/>
+          </a:effectRef>
+          <a:fontRef idx="minor">
+            <a:schemeClr val="lt1"/>
+          </a:fontRef>
+        </p:style>
+        <p:txBody>
+          <a:bodyPr rtlCol="0" anchor="ctr"/>
+          <a:lstStyle/>
+          <a:p>
+            <a:pPr algn="ctr"/>
+            <a:endParaRPr lang="en-US">
+              <a:solidFill>
+                <a:srgbClr val="EE3525"/>
+              </a:solidFill>
+            </a:endParaRPr>
+          </a:p>
+        </p:txBody>
+      </p:sp>
+      <p:sp>
+        <p:nvSpPr>
+          <p:cNvPr id="46" name="TextBox 45"/>
+          <p:cNvSpPr txBox="1"/>
+          <p:nvPr/>
+        </p:nvSpPr>
+        <p:spPr>
+          <a:xfrm>
+            <a:off x="3531138" y="5662555"/>
+            <a:ext cx="4127500" cy="584775"/>
+          </a:xfrm>
+          <a:prstGeom prst="rect">
+            <a:avLst/>
+          </a:prstGeom>
+          <a:noFill/>
+        </p:spPr>
+        <p:txBody>
+          <a:bodyPr wrap="square" rtlCol="0">
+            <a:spAutoFit/>
+          </a:bodyPr>
+          <a:lstStyle/>
+          <a:p>
+            <a:pPr algn="r"/>
+            <a:r>
+              <a:rPr lang="en-US" sz="3200" dirty="0">
+                <a:latin typeface="Work Sans Light" panose="00000400000000000000" pitchFamily="2" charset="0"/>
+              </a:rPr>
+              <a:t>Meteor.js</a:t>
+            </a:r>
+          </a:p>
+        </p:txBody>
+      </p:sp>
+      <p:sp>
+        <p:nvSpPr>
+          <p:cNvPr id="47" name="TextBox 46"/>
+          <p:cNvSpPr txBox="1"/>
+          <p:nvPr/>
+        </p:nvSpPr>
+        <p:spPr>
+          <a:xfrm>
+            <a:off x="3482497" y="2916110"/>
+            <a:ext cx="4127500" cy="584775"/>
+          </a:xfrm>
+          <a:prstGeom prst="rect">
+            <a:avLst/>
+          </a:prstGeom>
+          <a:noFill/>
+        </p:spPr>
+        <p:txBody>
+          <a:bodyPr wrap="square" rtlCol="0">
+            <a:spAutoFit/>
+          </a:bodyPr>
+          <a:lstStyle/>
+          <a:p>
+            <a:pPr algn="r"/>
+            <a:r>
+              <a:rPr lang="en-US" sz="3200" dirty="0">
+                <a:latin typeface="Work Sans Light" panose="00000400000000000000" pitchFamily="2" charset="0"/>
+              </a:rPr>
+              <a:t>Stylus</a:t>
+            </a:r>
+          </a:p>
+        </p:txBody>
+      </p:sp>
+      <p:sp>
+        <p:nvSpPr>
+          <p:cNvPr id="48" name="TextBox 47"/>
+          <p:cNvSpPr txBox="1"/>
+          <p:nvPr/>
+        </p:nvSpPr>
+        <p:spPr>
+          <a:xfrm>
+            <a:off x="3531138" y="1649760"/>
+            <a:ext cx="4127500" cy="584775"/>
+          </a:xfrm>
+          <a:prstGeom prst="rect">
+            <a:avLst/>
+          </a:prstGeom>
+          <a:noFill/>
+        </p:spPr>
+        <p:txBody>
+          <a:bodyPr wrap="square" rtlCol="0">
+            <a:spAutoFit/>
+          </a:bodyPr>
+          <a:lstStyle/>
+          <a:p>
+            <a:pPr algn="r"/>
+            <a:r>
+              <a:rPr lang="en-US" sz="3200" dirty="0">
+                <a:latin typeface="Work Sans Light" panose="00000400000000000000" pitchFamily="2" charset="0"/>
+              </a:rPr>
+              <a:t>HTML5</a:t>
+            </a:r>
+          </a:p>
+        </p:txBody>
+      </p:sp>
+      <p:cxnSp>
+        <p:nvCxnSpPr>
+          <p:cNvPr id="16" name="Straight Connector 15"/>
+          <p:cNvCxnSpPr/>
+          <p:nvPr/>
+        </p:nvCxnSpPr>
+        <p:spPr>
+          <a:xfrm flipV="1">
+            <a:off x="1083061" y="-531517"/>
+            <a:ext cx="0" cy="8599251"/>
+          </a:xfrm>
+          <a:prstGeom prst="line">
+            <a:avLst/>
+          </a:prstGeom>
+          <a:ln w="12700"/>
+        </p:spPr>
+        <p:style>
+          <a:lnRef idx="1">
+            <a:schemeClr val="dk1"/>
+          </a:lnRef>
+          <a:fillRef idx="0">
+            <a:schemeClr val="dk1"/>
+          </a:fillRef>
+          <a:effectRef idx="0">
+            <a:schemeClr val="dk1"/>
+          </a:effectRef>
+          <a:fontRef idx="minor">
+            <a:schemeClr val="tx1"/>
+          </a:fontRef>
+        </p:style>
+      </p:cxnSp>
+      <p:cxnSp>
+        <p:nvCxnSpPr>
+          <p:cNvPr id="20" name="Straight Connector 19"/>
+          <p:cNvCxnSpPr/>
+          <p:nvPr/>
+        </p:nvCxnSpPr>
+        <p:spPr>
+          <a:xfrm flipH="1">
+            <a:off x="359924" y="1047118"/>
+            <a:ext cx="4383710" cy="0"/>
+          </a:xfrm>
+          <a:prstGeom prst="line">
+            <a:avLst/>
+          </a:prstGeom>
+          <a:ln w="12700">
+            <a:solidFill>
+              <a:schemeClr val="tx1"/>
+            </a:solidFill>
+          </a:ln>
+        </p:spPr>
+        <p:style>
+          <a:lnRef idx="1">
+            <a:schemeClr val="accent1"/>
+          </a:lnRef>
+          <a:fillRef idx="0">
+            <a:schemeClr val="accent1"/>
+          </a:fillRef>
+          <a:effectRef idx="0">
+            <a:schemeClr val="accent1"/>
+          </a:effectRef>
+          <a:fontRef idx="minor">
+            <a:schemeClr val="tx1"/>
+          </a:fontRef>
+        </p:style>
+      </p:cxnSp>
+    </p:spTree>
+    <p:extLst>
+      <p:ext uri="{BB962C8B-B14F-4D97-AF65-F5344CB8AC3E}">
+        <p14:creationId xmlns:p14="http://schemas.microsoft.com/office/powerpoint/2010/main" val="4136995806"/>
+      </p:ext>
+    </p:extLst>
+  </p:cSld>
+  <p:clrMapOvr>
+    <a:masterClrMapping/>
+  </p:clrMapOvr>
+  <mc:AlternateContent xmlns:mc="http://schemas.openxmlformats.org/markup-compatibility/2006" xmlns:p159="http://schemas.microsoft.com/office/powerpoint/2015/09/main">
+    <mc:Choice Requires="p159">
+      <p:transition xmlns:p14="http://schemas.microsoft.com/office/powerpoint/2010/main" spd="slow" p14:dur="2000">
+        <p159:morph option="byObject"/>
+      </p:transition>
+    </mc:Choice>
+    <mc:Fallback xmlns="">
+      <p:transition spd="slow">
+        <p:fade/>
+      </p:transition>
+    </mc:Fallback>
+  </mc:AlternateContent>
+</p:sld>
+</file>
+
+<file path=ppt/slides/slide7.xml><?xml version="1.0" encoding="utf-8"?>
+<p:sld xmlns:a="http://schemas.openxmlformats.org/drawingml/2006/main" xmlns:r="http://schemas.openxmlformats.org/officeDocument/2006/relationships" xmlns:p="http://schemas.openxmlformats.org/presentationml/2006/main">
+  <p:cSld>
+    <p:spTree>
+      <p:nvGrpSpPr>
+        <p:cNvPr id="1" name=""/>
+        <p:cNvGrpSpPr/>
+        <p:nvPr/>
+      </p:nvGrpSpPr>
+      <p:grpSpPr>
+        <a:xfrm>
+          <a:off x="0" y="0"/>
+          <a:ext cx="0" cy="0"/>
+          <a:chOff x="0" y="0"/>
+          <a:chExt cx="0" cy="0"/>
+        </a:xfrm>
+      </p:grpSpPr>
+      <p:sp>
+        <p:nvSpPr>
+          <p:cNvPr id="23" name="Rectangle 22"/>
+          <p:cNvSpPr/>
+          <p:nvPr/>
+        </p:nvSpPr>
+        <p:spPr>
           <a:xfrm>
             <a:off x="-2512273" y="-819150"/>
             <a:ext cx="16959855" cy="8792886"/>
@@ -6926,263 +8103,13 @@
   <p:clrMapOvr>
     <a:masterClrMapping/>
   </p:clrMapOvr>
-  <mc:AlternateContent xmlns:mc="http://schemas.openxmlformats.org/markup-compatibility/2006">
-    <mc:Choice xmlns:p159="http://schemas.microsoft.com/office/powerpoint/2015/09/main" Requires="p159">
+  <mc:AlternateContent xmlns:mc="http://schemas.openxmlformats.org/markup-compatibility/2006" xmlns:p159="http://schemas.microsoft.com/office/powerpoint/2015/09/main">
+    <mc:Choice Requires="p159">
       <p:transition xmlns:p14="http://schemas.microsoft.com/office/powerpoint/2010/main" spd="slow" p14:dur="2000">
         <p159:morph option="byObject"/>
       </p:transition>
     </mc:Choice>
-    <mc:Fallback>
-      <p:transition spd="slow">
-        <p:fade/>
-      </p:transition>
-    </mc:Fallback>
-  </mc:AlternateContent>
-</p:sld>
-</file>
-
-<file path=ppt/slides/slide7.xml><?xml version="1.0" encoding="utf-8"?>
-<p:sld xmlns:a="http://schemas.openxmlformats.org/drawingml/2006/main" xmlns:r="http://schemas.openxmlformats.org/officeDocument/2006/relationships" xmlns:p="http://schemas.openxmlformats.org/presentationml/2006/main">
-  <p:cSld>
-    <p:spTree>
-      <p:nvGrpSpPr>
-        <p:cNvPr id="1" name=""/>
-        <p:cNvGrpSpPr/>
-        <p:nvPr/>
-      </p:nvGrpSpPr>
-      <p:grpSpPr>
-        <a:xfrm>
-          <a:off x="0" y="0"/>
-          <a:ext cx="0" cy="0"/>
-          <a:chOff x="0" y="0"/>
-          <a:chExt cx="0" cy="0"/>
-        </a:xfrm>
-      </p:grpSpPr>
-      <p:sp>
-        <p:nvSpPr>
-          <p:cNvPr id="23" name="Rectangle 22"/>
-          <p:cNvSpPr/>
-          <p:nvPr/>
-        </p:nvSpPr>
-        <p:spPr>
-          <a:xfrm rot="312229">
-            <a:off x="-1989716" y="-1203798"/>
-            <a:ext cx="16959855" cy="2703219"/>
-          </a:xfrm>
-          <a:prstGeom prst="rect">
-            <a:avLst/>
-          </a:prstGeom>
-          <a:solidFill>
-            <a:schemeClr val="bg2">
-              <a:lumMod val="90000"/>
-            </a:schemeClr>
-          </a:solidFill>
-          <a:ln>
-            <a:noFill/>
-          </a:ln>
-        </p:spPr>
-        <p:style>
-          <a:lnRef idx="2">
-            <a:schemeClr val="accent1">
-              <a:shade val="50000"/>
-            </a:schemeClr>
-          </a:lnRef>
-          <a:fillRef idx="1">
-            <a:schemeClr val="accent1"/>
-          </a:fillRef>
-          <a:effectRef idx="0">
-            <a:schemeClr val="accent1"/>
-          </a:effectRef>
-          <a:fontRef idx="minor">
-            <a:schemeClr val="lt1"/>
-          </a:fontRef>
-        </p:style>
-        <p:txBody>
-          <a:bodyPr rtlCol="0" anchor="ctr"/>
-          <a:lstStyle/>
-          <a:p>
-            <a:pPr algn="ctr"/>
-            <a:endParaRPr lang="en-US" sz="1200"/>
-          </a:p>
-        </p:txBody>
-      </p:sp>
-      <p:sp>
-        <p:nvSpPr>
-          <p:cNvPr id="2" name="TextBox 1"/>
-          <p:cNvSpPr txBox="1"/>
-          <p:nvPr/>
-        </p:nvSpPr>
-        <p:spPr>
-          <a:xfrm>
-            <a:off x="3009900" y="330002"/>
-            <a:ext cx="8811652" cy="769441"/>
-          </a:xfrm>
-          <a:prstGeom prst="rect">
-            <a:avLst/>
-          </a:prstGeom>
-          <a:noFill/>
-        </p:spPr>
-        <p:txBody>
-          <a:bodyPr wrap="square" rtlCol="0">
-            <a:spAutoFit/>
-          </a:bodyPr>
-          <a:lstStyle/>
-          <a:p>
-            <a:pPr algn="r"/>
-            <a:r>
-              <a:rPr lang="en-US" sz="4400" dirty="0">
-                <a:latin typeface="Work Sans Light" panose="00000400000000000000" pitchFamily="2" charset="0"/>
-              </a:rPr>
-              <a:t>If we had a bit more time…</a:t>
-            </a:r>
-          </a:p>
-        </p:txBody>
-      </p:sp>
-      <p:sp>
-        <p:nvSpPr>
-          <p:cNvPr id="7" name="TextBox 6"/>
-          <p:cNvSpPr txBox="1"/>
-          <p:nvPr/>
-        </p:nvSpPr>
-        <p:spPr>
-          <a:xfrm>
-            <a:off x="5962650" y="2460016"/>
-            <a:ext cx="4696852" cy="769441"/>
-          </a:xfrm>
-          <a:prstGeom prst="rect">
-            <a:avLst/>
-          </a:prstGeom>
-          <a:noFill/>
-        </p:spPr>
-        <p:txBody>
-          <a:bodyPr wrap="square" rtlCol="0">
-            <a:spAutoFit/>
-          </a:bodyPr>
-          <a:lstStyle/>
-          <a:p>
-            <a:pPr algn="ctr"/>
-            <a:r>
-              <a:rPr lang="en-US" sz="4400" dirty="0">
-                <a:latin typeface="Work Sans" panose="00000500000000000000" pitchFamily="2" charset="0"/>
-              </a:rPr>
-              <a:t>Badges</a:t>
-            </a:r>
-          </a:p>
-        </p:txBody>
-      </p:sp>
-      <p:sp>
-        <p:nvSpPr>
-          <p:cNvPr id="8" name="TextBox 7"/>
-          <p:cNvSpPr txBox="1"/>
-          <p:nvPr/>
-        </p:nvSpPr>
-        <p:spPr>
-          <a:xfrm>
-            <a:off x="1265798" y="4977255"/>
-            <a:ext cx="4696852" cy="769441"/>
-          </a:xfrm>
-          <a:prstGeom prst="rect">
-            <a:avLst/>
-          </a:prstGeom>
-          <a:noFill/>
-        </p:spPr>
-        <p:txBody>
-          <a:bodyPr wrap="square" rtlCol="0">
-            <a:spAutoFit/>
-          </a:bodyPr>
-          <a:lstStyle/>
-          <a:p>
-            <a:pPr algn="ctr"/>
-            <a:r>
-              <a:rPr lang="en-US" sz="4400" dirty="0">
-                <a:latin typeface="Work Sans" panose="00000500000000000000" pitchFamily="2" charset="0"/>
-              </a:rPr>
-              <a:t>Agent Ratings</a:t>
-            </a:r>
-          </a:p>
-        </p:txBody>
-      </p:sp>
-      <p:sp>
-        <p:nvSpPr>
-          <p:cNvPr id="9" name="TextBox 8"/>
-          <p:cNvSpPr txBox="1"/>
-          <p:nvPr/>
-        </p:nvSpPr>
-        <p:spPr>
-          <a:xfrm>
-            <a:off x="514350" y="2121461"/>
-            <a:ext cx="4696852" cy="1446550"/>
-          </a:xfrm>
-          <a:prstGeom prst="rect">
-            <a:avLst/>
-          </a:prstGeom>
-          <a:noFill/>
-        </p:spPr>
-        <p:txBody>
-          <a:bodyPr wrap="square" rtlCol="0">
-            <a:spAutoFit/>
-          </a:bodyPr>
-          <a:lstStyle/>
-          <a:p>
-            <a:pPr algn="ctr"/>
-            <a:r>
-              <a:rPr lang="en-US" sz="4400" dirty="0">
-                <a:latin typeface="Work Sans" panose="00000500000000000000" pitchFamily="2" charset="0"/>
-              </a:rPr>
-              <a:t>Downloadable Content</a:t>
-            </a:r>
-          </a:p>
-        </p:txBody>
-      </p:sp>
-      <p:sp>
-        <p:nvSpPr>
-          <p:cNvPr id="10" name="TextBox 9"/>
-          <p:cNvSpPr txBox="1"/>
-          <p:nvPr/>
-        </p:nvSpPr>
-        <p:spPr>
-          <a:xfrm>
-            <a:off x="7124700" y="4178801"/>
-            <a:ext cx="4696852" cy="1446550"/>
-          </a:xfrm>
-          <a:prstGeom prst="rect">
-            <a:avLst/>
-          </a:prstGeom>
-          <a:noFill/>
-        </p:spPr>
-        <p:txBody>
-          <a:bodyPr wrap="square" rtlCol="0">
-            <a:spAutoFit/>
-          </a:bodyPr>
-          <a:lstStyle/>
-          <a:p>
-            <a:pPr algn="ctr"/>
-            <a:r>
-              <a:rPr lang="en-US" sz="4400" dirty="0">
-                <a:latin typeface="Work Sans" panose="00000500000000000000" pitchFamily="2" charset="0"/>
-              </a:rPr>
-              <a:t>Interactive Documents</a:t>
-            </a:r>
-          </a:p>
-        </p:txBody>
-      </p:sp>
-    </p:spTree>
-    <p:extLst>
-      <p:ext uri="{BB962C8B-B14F-4D97-AF65-F5344CB8AC3E}">
-        <p14:creationId xmlns:p14="http://schemas.microsoft.com/office/powerpoint/2010/main" val="2864525828"/>
-      </p:ext>
-    </p:extLst>
-  </p:cSld>
-  <p:clrMapOvr>
-    <a:masterClrMapping/>
-  </p:clrMapOvr>
-  <mc:AlternateContent xmlns:mc="http://schemas.openxmlformats.org/markup-compatibility/2006">
-    <mc:Choice xmlns:p159="http://schemas.microsoft.com/office/powerpoint/2015/09/main" Requires="p159">
-      <p:transition xmlns:p14="http://schemas.microsoft.com/office/powerpoint/2010/main" spd="slow" p14:dur="2000">
-        <p159:morph option="byObject"/>
-      </p:transition>
-    </mc:Choice>
-    <mc:Fallback>
+    <mc:Fallback xmlns="">
       <p:transition spd="slow">
         <p:fade/>
       </p:transition>
@@ -7215,6 +8142,256 @@
           <p:nvPr/>
         </p:nvSpPr>
         <p:spPr>
+          <a:xfrm rot="312229">
+            <a:off x="-1989716" y="-1203798"/>
+            <a:ext cx="16959855" cy="2703219"/>
+          </a:xfrm>
+          <a:prstGeom prst="rect">
+            <a:avLst/>
+          </a:prstGeom>
+          <a:solidFill>
+            <a:schemeClr val="bg2">
+              <a:lumMod val="90000"/>
+            </a:schemeClr>
+          </a:solidFill>
+          <a:ln>
+            <a:noFill/>
+          </a:ln>
+        </p:spPr>
+        <p:style>
+          <a:lnRef idx="2">
+            <a:schemeClr val="accent1">
+              <a:shade val="50000"/>
+            </a:schemeClr>
+          </a:lnRef>
+          <a:fillRef idx="1">
+            <a:schemeClr val="accent1"/>
+          </a:fillRef>
+          <a:effectRef idx="0">
+            <a:schemeClr val="accent1"/>
+          </a:effectRef>
+          <a:fontRef idx="minor">
+            <a:schemeClr val="lt1"/>
+          </a:fontRef>
+        </p:style>
+        <p:txBody>
+          <a:bodyPr rtlCol="0" anchor="ctr"/>
+          <a:lstStyle/>
+          <a:p>
+            <a:pPr algn="ctr"/>
+            <a:endParaRPr lang="en-US" sz="1200"/>
+          </a:p>
+        </p:txBody>
+      </p:sp>
+      <p:sp>
+        <p:nvSpPr>
+          <p:cNvPr id="2" name="TextBox 1"/>
+          <p:cNvSpPr txBox="1"/>
+          <p:nvPr/>
+        </p:nvSpPr>
+        <p:spPr>
+          <a:xfrm>
+            <a:off x="3009900" y="330002"/>
+            <a:ext cx="8811652" cy="769441"/>
+          </a:xfrm>
+          <a:prstGeom prst="rect">
+            <a:avLst/>
+          </a:prstGeom>
+          <a:noFill/>
+        </p:spPr>
+        <p:txBody>
+          <a:bodyPr wrap="square" rtlCol="0">
+            <a:spAutoFit/>
+          </a:bodyPr>
+          <a:lstStyle/>
+          <a:p>
+            <a:pPr algn="r"/>
+            <a:r>
+              <a:rPr lang="en-US" sz="4400" dirty="0">
+                <a:latin typeface="Work Sans Light" panose="00000400000000000000" pitchFamily="2" charset="0"/>
+              </a:rPr>
+              <a:t>If we had a bit more time…</a:t>
+            </a:r>
+          </a:p>
+        </p:txBody>
+      </p:sp>
+      <p:sp>
+        <p:nvSpPr>
+          <p:cNvPr id="7" name="TextBox 6"/>
+          <p:cNvSpPr txBox="1"/>
+          <p:nvPr/>
+        </p:nvSpPr>
+        <p:spPr>
+          <a:xfrm>
+            <a:off x="5962650" y="2460016"/>
+            <a:ext cx="4696852" cy="769441"/>
+          </a:xfrm>
+          <a:prstGeom prst="rect">
+            <a:avLst/>
+          </a:prstGeom>
+          <a:noFill/>
+        </p:spPr>
+        <p:txBody>
+          <a:bodyPr wrap="square" rtlCol="0">
+            <a:spAutoFit/>
+          </a:bodyPr>
+          <a:lstStyle/>
+          <a:p>
+            <a:pPr algn="ctr"/>
+            <a:r>
+              <a:rPr lang="en-US" sz="4400" dirty="0">
+                <a:latin typeface="Work Sans" panose="00000500000000000000" pitchFamily="2" charset="0"/>
+              </a:rPr>
+              <a:t>Badges</a:t>
+            </a:r>
+          </a:p>
+        </p:txBody>
+      </p:sp>
+      <p:sp>
+        <p:nvSpPr>
+          <p:cNvPr id="8" name="TextBox 7"/>
+          <p:cNvSpPr txBox="1"/>
+          <p:nvPr/>
+        </p:nvSpPr>
+        <p:spPr>
+          <a:xfrm>
+            <a:off x="1265798" y="4977255"/>
+            <a:ext cx="4696852" cy="769441"/>
+          </a:xfrm>
+          <a:prstGeom prst="rect">
+            <a:avLst/>
+          </a:prstGeom>
+          <a:noFill/>
+        </p:spPr>
+        <p:txBody>
+          <a:bodyPr wrap="square" rtlCol="0">
+            <a:spAutoFit/>
+          </a:bodyPr>
+          <a:lstStyle/>
+          <a:p>
+            <a:pPr algn="ctr"/>
+            <a:r>
+              <a:rPr lang="en-US" sz="4400" dirty="0">
+                <a:latin typeface="Work Sans" panose="00000500000000000000" pitchFamily="2" charset="0"/>
+              </a:rPr>
+              <a:t>Agent Ratings</a:t>
+            </a:r>
+          </a:p>
+        </p:txBody>
+      </p:sp>
+      <p:sp>
+        <p:nvSpPr>
+          <p:cNvPr id="9" name="TextBox 8"/>
+          <p:cNvSpPr txBox="1"/>
+          <p:nvPr/>
+        </p:nvSpPr>
+        <p:spPr>
+          <a:xfrm>
+            <a:off x="514350" y="2121461"/>
+            <a:ext cx="4696852" cy="1446550"/>
+          </a:xfrm>
+          <a:prstGeom prst="rect">
+            <a:avLst/>
+          </a:prstGeom>
+          <a:noFill/>
+        </p:spPr>
+        <p:txBody>
+          <a:bodyPr wrap="square" rtlCol="0">
+            <a:spAutoFit/>
+          </a:bodyPr>
+          <a:lstStyle/>
+          <a:p>
+            <a:pPr algn="ctr"/>
+            <a:r>
+              <a:rPr lang="en-US" sz="4400" dirty="0">
+                <a:latin typeface="Work Sans" panose="00000500000000000000" pitchFamily="2" charset="0"/>
+              </a:rPr>
+              <a:t>Downloadable Content</a:t>
+            </a:r>
+          </a:p>
+        </p:txBody>
+      </p:sp>
+      <p:sp>
+        <p:nvSpPr>
+          <p:cNvPr id="10" name="TextBox 9"/>
+          <p:cNvSpPr txBox="1"/>
+          <p:nvPr/>
+        </p:nvSpPr>
+        <p:spPr>
+          <a:xfrm>
+            <a:off x="7124700" y="4178801"/>
+            <a:ext cx="4696852" cy="1446550"/>
+          </a:xfrm>
+          <a:prstGeom prst="rect">
+            <a:avLst/>
+          </a:prstGeom>
+          <a:noFill/>
+        </p:spPr>
+        <p:txBody>
+          <a:bodyPr wrap="square" rtlCol="0">
+            <a:spAutoFit/>
+          </a:bodyPr>
+          <a:lstStyle/>
+          <a:p>
+            <a:pPr algn="ctr"/>
+            <a:r>
+              <a:rPr lang="en-US" sz="4400" dirty="0">
+                <a:latin typeface="Work Sans" panose="00000500000000000000" pitchFamily="2" charset="0"/>
+              </a:rPr>
+              <a:t>Interactive Documents</a:t>
+            </a:r>
+          </a:p>
+        </p:txBody>
+      </p:sp>
+    </p:spTree>
+    <p:extLst>
+      <p:ext uri="{BB962C8B-B14F-4D97-AF65-F5344CB8AC3E}">
+        <p14:creationId xmlns:p14="http://schemas.microsoft.com/office/powerpoint/2010/main" val="2864525828"/>
+      </p:ext>
+    </p:extLst>
+  </p:cSld>
+  <p:clrMapOvr>
+    <a:masterClrMapping/>
+  </p:clrMapOvr>
+  <mc:AlternateContent xmlns:mc="http://schemas.openxmlformats.org/markup-compatibility/2006" xmlns:p159="http://schemas.microsoft.com/office/powerpoint/2015/09/main">
+    <mc:Choice Requires="p159">
+      <p:transition xmlns:p14="http://schemas.microsoft.com/office/powerpoint/2010/main" spd="slow" p14:dur="2000">
+        <p159:morph option="byObject"/>
+      </p:transition>
+    </mc:Choice>
+    <mc:Fallback xmlns="">
+      <p:transition spd="slow">
+        <p:fade/>
+      </p:transition>
+    </mc:Fallback>
+  </mc:AlternateContent>
+</p:sld>
+</file>
+
+<file path=ppt/slides/slide9.xml><?xml version="1.0" encoding="utf-8"?>
+<p:sld xmlns:a="http://schemas.openxmlformats.org/drawingml/2006/main" xmlns:r="http://schemas.openxmlformats.org/officeDocument/2006/relationships" xmlns:p="http://schemas.openxmlformats.org/presentationml/2006/main">
+  <p:cSld>
+    <p:spTree>
+      <p:nvGrpSpPr>
+        <p:cNvPr id="1" name=""/>
+        <p:cNvGrpSpPr/>
+        <p:nvPr/>
+      </p:nvGrpSpPr>
+      <p:grpSpPr>
+        <a:xfrm>
+          <a:off x="0" y="0"/>
+          <a:ext cx="0" cy="0"/>
+          <a:chOff x="0" y="0"/>
+          <a:chExt cx="0" cy="0"/>
+        </a:xfrm>
+      </p:grpSpPr>
+      <p:sp>
+        <p:nvSpPr>
+          <p:cNvPr id="23" name="Rectangle 22"/>
+          <p:cNvSpPr/>
+          <p:nvPr/>
+        </p:nvSpPr>
+        <p:spPr>
           <a:xfrm>
             <a:off x="-2512273" y="-819150"/>
             <a:ext cx="16959855" cy="8792886"/>
@@ -7364,13 +8541,13 @@
   <p:clrMapOvr>
     <a:masterClrMapping/>
   </p:clrMapOvr>
-  <mc:AlternateContent xmlns:mc="http://schemas.openxmlformats.org/markup-compatibility/2006">
-    <mc:Choice xmlns:p159="http://schemas.microsoft.com/office/powerpoint/2015/09/main" Requires="p159">
+  <mc:AlternateContent xmlns:mc="http://schemas.openxmlformats.org/markup-compatibility/2006" xmlns:p159="http://schemas.microsoft.com/office/powerpoint/2015/09/main">
+    <mc:Choice Requires="p159">
       <p:transition xmlns:p14="http://schemas.microsoft.com/office/powerpoint/2010/main" spd="slow" p14:dur="2000">
         <p159:morph option="byObject"/>
       </p:transition>
     </mc:Choice>
-    <mc:Fallback>
+    <mc:Fallback xmlns="">
       <p:transition spd="slow">
         <p:fade/>
       </p:transition>
